--- a/IBM Hack Presentation.pptx
+++ b/IBM Hack Presentation.pptx
@@ -1,42 +1,45 @@
 
 <file path=ppt/presentation.xml><?xml version="1.0" encoding="utf-8"?>
-<p:presentation xmlns:a="http://schemas.openxmlformats.org/drawingml/2006/main" xmlns:r="http://schemas.openxmlformats.org/officeDocument/2006/relationships" xmlns:mc="http://schemas.openxmlformats.org/markup-compatibility/2006" xmlns:mv="urn:schemas-microsoft-com:mac:vml" xmlns:p="http://schemas.openxmlformats.org/presentationml/2006/main" xmlns:c="http://schemas.openxmlformats.org/drawingml/2006/chart" xmlns:dgm="http://schemas.openxmlformats.org/drawingml/2006/diagram" xmlns:o="urn:schemas-microsoft-com:office:office" xmlns:v="urn:schemas-microsoft-com:vml" xmlns:pvml="urn:schemas-microsoft-com:office:powerpoint" xmlns:com="http://schemas.openxmlformats.org/drawingml/2006/compatibility" xmlns:p14="http://schemas.microsoft.com/office/powerpoint/2010/main" xmlns:p15="http://schemas.microsoft.com/office/powerpoint/2012/main" autoCompressPictures="0" embedTrueTypeFonts="1" strictFirstAndLastChars="0" saveSubsetFonts="1">
+<p:presentation xmlns:a="http://schemas.openxmlformats.org/drawingml/2006/main" xmlns:r="http://schemas.openxmlformats.org/officeDocument/2006/relationships" xmlns:p="http://schemas.openxmlformats.org/presentationml/2006/main" strictFirstAndLastChars="0" embedTrueTypeFonts="1" saveSubsetFonts="1" autoCompressPictures="0">
   <p:sldMasterIdLst>
-    <p:sldMasterId id="2147483659" r:id="rId4"/>
+    <p:sldMasterId id="2147483659" r:id="rId1"/>
   </p:sldMasterIdLst>
   <p:notesMasterIdLst>
-    <p:notesMasterId r:id="rId5"/>
+    <p:notesMasterId r:id="rId21"/>
   </p:notesMasterIdLst>
   <p:sldIdLst>
-    <p:sldId id="256" r:id="rId6"/>
-    <p:sldId id="257" r:id="rId7"/>
-    <p:sldId id="258" r:id="rId8"/>
-    <p:sldId id="259" r:id="rId9"/>
-    <p:sldId id="260" r:id="rId10"/>
-    <p:sldId id="261" r:id="rId11"/>
-    <p:sldId id="262" r:id="rId12"/>
-    <p:sldId id="263" r:id="rId13"/>
-    <p:sldId id="264" r:id="rId14"/>
-    <p:sldId id="265" r:id="rId15"/>
-    <p:sldId id="266" r:id="rId16"/>
-    <p:sldId id="267" r:id="rId17"/>
-    <p:sldId id="268" r:id="rId18"/>
-    <p:sldId id="269" r:id="rId19"/>
-    <p:sldId id="270" r:id="rId20"/>
-    <p:sldId id="271" r:id="rId21"/>
+    <p:sldId id="256" r:id="rId2"/>
+    <p:sldId id="257" r:id="rId3"/>
+    <p:sldId id="258" r:id="rId4"/>
+    <p:sldId id="259" r:id="rId5"/>
+    <p:sldId id="260" r:id="rId6"/>
+    <p:sldId id="261" r:id="rId7"/>
+    <p:sldId id="262" r:id="rId8"/>
+    <p:sldId id="272" r:id="rId9"/>
+    <p:sldId id="263" r:id="rId10"/>
+    <p:sldId id="273" r:id="rId11"/>
+    <p:sldId id="274" r:id="rId12"/>
+    <p:sldId id="264" r:id="rId13"/>
+    <p:sldId id="265" r:id="rId14"/>
+    <p:sldId id="266" r:id="rId15"/>
+    <p:sldId id="267" r:id="rId16"/>
+    <p:sldId id="268" r:id="rId17"/>
+    <p:sldId id="269" r:id="rId18"/>
+    <p:sldId id="270" r:id="rId19"/>
+    <p:sldId id="271" r:id="rId20"/>
   </p:sldIdLst>
-  <p:sldSz cy="5143500" cx="9144000"/>
+  <p:sldSz cx="9144000" cy="5143500" type="screen16x9"/>
   <p:notesSz cx="6858000" cy="9144000"/>
   <p:embeddedFontLst>
     <p:embeddedFont>
-      <p:font typeface="Economica"/>
+      <p:font typeface="Economica" panose="020B0604020202020204" charset="0"/>
       <p:regular r:id="rId22"/>
       <p:bold r:id="rId23"/>
       <p:italic r:id="rId24"/>
       <p:boldItalic r:id="rId25"/>
     </p:embeddedFont>
     <p:embeddedFont>
-      <p:font typeface="Open Sans"/>
+      <p:font typeface="Open Sans" panose="020B0604020202020204" charset="0"/>
       <p:regular r:id="rId26"/>
       <p:bold r:id="rId27"/>
       <p:italic r:id="rId28"/>
@@ -44,7 +47,7 @@
     </p:embeddedFont>
   </p:embeddedFontLst>
   <p:defaultTextStyle>
-    <a:defPPr lvl="0" marR="0" rtl="0" algn="l">
+    <a:defPPr marR="0" lvl="0" algn="l" rtl="0">
       <a:lnSpc>
         <a:spcPct val="100000"/>
       </a:lnSpc>
@@ -55,7 +58,7 @@
         <a:spcPts val="0"/>
       </a:spcAft>
     </a:defPPr>
-    <a:lvl1pPr lvl="0" marR="0" rtl="0" algn="l">
+    <a:lvl1pPr marR="0" lvl="0" algn="l" rtl="0">
       <a:lnSpc>
         <a:spcPct val="100000"/>
       </a:lnSpc>
@@ -69,7 +72,7 @@
         <a:srgbClr val="000000"/>
       </a:buClr>
       <a:buFont typeface="Arial"/>
-      <a:defRPr b="0" i="0" sz="1400" u="none" cap="none" strike="noStrike">
+      <a:defRPr sz="1400" b="0" i="0" u="none" strike="noStrike" cap="none">
         <a:solidFill>
           <a:srgbClr val="000000"/>
         </a:solidFill>
@@ -79,7 +82,7 @@
         <a:sym typeface="Arial"/>
       </a:defRPr>
     </a:lvl1pPr>
-    <a:lvl2pPr lvl="1" marR="0" rtl="0" algn="l">
+    <a:lvl2pPr marR="0" lvl="1" algn="l" rtl="0">
       <a:lnSpc>
         <a:spcPct val="100000"/>
       </a:lnSpc>
@@ -93,7 +96,7 @@
         <a:srgbClr val="000000"/>
       </a:buClr>
       <a:buFont typeface="Arial"/>
-      <a:defRPr b="0" i="0" sz="1400" u="none" cap="none" strike="noStrike">
+      <a:defRPr sz="1400" b="0" i="0" u="none" strike="noStrike" cap="none">
         <a:solidFill>
           <a:srgbClr val="000000"/>
         </a:solidFill>
@@ -103,7 +106,7 @@
         <a:sym typeface="Arial"/>
       </a:defRPr>
     </a:lvl2pPr>
-    <a:lvl3pPr lvl="2" marR="0" rtl="0" algn="l">
+    <a:lvl3pPr marR="0" lvl="2" algn="l" rtl="0">
       <a:lnSpc>
         <a:spcPct val="100000"/>
       </a:lnSpc>
@@ -117,7 +120,7 @@
         <a:srgbClr val="000000"/>
       </a:buClr>
       <a:buFont typeface="Arial"/>
-      <a:defRPr b="0" i="0" sz="1400" u="none" cap="none" strike="noStrike">
+      <a:defRPr sz="1400" b="0" i="0" u="none" strike="noStrike" cap="none">
         <a:solidFill>
           <a:srgbClr val="000000"/>
         </a:solidFill>
@@ -127,7 +130,7 @@
         <a:sym typeface="Arial"/>
       </a:defRPr>
     </a:lvl3pPr>
-    <a:lvl4pPr lvl="3" marR="0" rtl="0" algn="l">
+    <a:lvl4pPr marR="0" lvl="3" algn="l" rtl="0">
       <a:lnSpc>
         <a:spcPct val="100000"/>
       </a:lnSpc>
@@ -141,7 +144,7 @@
         <a:srgbClr val="000000"/>
       </a:buClr>
       <a:buFont typeface="Arial"/>
-      <a:defRPr b="0" i="0" sz="1400" u="none" cap="none" strike="noStrike">
+      <a:defRPr sz="1400" b="0" i="0" u="none" strike="noStrike" cap="none">
         <a:solidFill>
           <a:srgbClr val="000000"/>
         </a:solidFill>
@@ -151,7 +154,7 @@
         <a:sym typeface="Arial"/>
       </a:defRPr>
     </a:lvl4pPr>
-    <a:lvl5pPr lvl="4" marR="0" rtl="0" algn="l">
+    <a:lvl5pPr marR="0" lvl="4" algn="l" rtl="0">
       <a:lnSpc>
         <a:spcPct val="100000"/>
       </a:lnSpc>
@@ -165,7 +168,7 @@
         <a:srgbClr val="000000"/>
       </a:buClr>
       <a:buFont typeface="Arial"/>
-      <a:defRPr b="0" i="0" sz="1400" u="none" cap="none" strike="noStrike">
+      <a:defRPr sz="1400" b="0" i="0" u="none" strike="noStrike" cap="none">
         <a:solidFill>
           <a:srgbClr val="000000"/>
         </a:solidFill>
@@ -175,7 +178,7 @@
         <a:sym typeface="Arial"/>
       </a:defRPr>
     </a:lvl5pPr>
-    <a:lvl6pPr lvl="5" marR="0" rtl="0" algn="l">
+    <a:lvl6pPr marR="0" lvl="5" algn="l" rtl="0">
       <a:lnSpc>
         <a:spcPct val="100000"/>
       </a:lnSpc>
@@ -189,7 +192,7 @@
         <a:srgbClr val="000000"/>
       </a:buClr>
       <a:buFont typeface="Arial"/>
-      <a:defRPr b="0" i="0" sz="1400" u="none" cap="none" strike="noStrike">
+      <a:defRPr sz="1400" b="0" i="0" u="none" strike="noStrike" cap="none">
         <a:solidFill>
           <a:srgbClr val="000000"/>
         </a:solidFill>
@@ -199,7 +202,7 @@
         <a:sym typeface="Arial"/>
       </a:defRPr>
     </a:lvl6pPr>
-    <a:lvl7pPr lvl="6" marR="0" rtl="0" algn="l">
+    <a:lvl7pPr marR="0" lvl="6" algn="l" rtl="0">
       <a:lnSpc>
         <a:spcPct val="100000"/>
       </a:lnSpc>
@@ -213,7 +216,7 @@
         <a:srgbClr val="000000"/>
       </a:buClr>
       <a:buFont typeface="Arial"/>
-      <a:defRPr b="0" i="0" sz="1400" u="none" cap="none" strike="noStrike">
+      <a:defRPr sz="1400" b="0" i="0" u="none" strike="noStrike" cap="none">
         <a:solidFill>
           <a:srgbClr val="000000"/>
         </a:solidFill>
@@ -223,7 +226,7 @@
         <a:sym typeface="Arial"/>
       </a:defRPr>
     </a:lvl7pPr>
-    <a:lvl8pPr lvl="7" marR="0" rtl="0" algn="l">
+    <a:lvl8pPr marR="0" lvl="7" algn="l" rtl="0">
       <a:lnSpc>
         <a:spcPct val="100000"/>
       </a:lnSpc>
@@ -237,7 +240,7 @@
         <a:srgbClr val="000000"/>
       </a:buClr>
       <a:buFont typeface="Arial"/>
-      <a:defRPr b="0" i="0" sz="1400" u="none" cap="none" strike="noStrike">
+      <a:defRPr sz="1400" b="0" i="0" u="none" strike="noStrike" cap="none">
         <a:solidFill>
           <a:srgbClr val="000000"/>
         </a:solidFill>
@@ -247,7 +250,7 @@
         <a:sym typeface="Arial"/>
       </a:defRPr>
     </a:lvl8pPr>
-    <a:lvl9pPr lvl="8" marR="0" rtl="0" algn="l">
+    <a:lvl9pPr marR="0" lvl="8" algn="l" rtl="0">
       <a:lnSpc>
         <a:spcPct val="100000"/>
       </a:lnSpc>
@@ -261,7 +264,7 @@
         <a:srgbClr val="000000"/>
       </a:buClr>
       <a:buFont typeface="Arial"/>
-      <a:defRPr b="0" i="0" sz="1400" u="none" cap="none" strike="noStrike">
+      <a:defRPr sz="1400" b="0" i="0" u="none" strike="noStrike" cap="none">
         <a:solidFill>
           <a:srgbClr val="000000"/>
         </a:solidFill>
@@ -274,7 +277,7 @@
   </p:defaultTextStyle>
   <p:extLst>
     <p:ext uri="{EFAFB233-063F-42B5-8137-9DF3F51BA10A}">
-      <p15:sldGuideLst>
+      <p15:sldGuideLst xmlns:p15="http://schemas.microsoft.com/office/powerpoint/2012/main">
         <p15:guide id="1" orient="horz" pos="1620">
           <p15:clr>
             <a:srgbClr val="A4A3A4"/>
@@ -292,11 +295,16 @@
 </file>
 
 <file path=ppt/notesMasters/notesMaster1.xml><?xml version="1.0" encoding="utf-8"?>
-<p:notesMaster xmlns:a="http://schemas.openxmlformats.org/drawingml/2006/main" xmlns:r="http://schemas.openxmlformats.org/officeDocument/2006/relationships" xmlns:mc="http://schemas.openxmlformats.org/markup-compatibility/2006" xmlns:mv="urn:schemas-microsoft-com:mac:vml" xmlns:p="http://schemas.openxmlformats.org/presentationml/2006/main" xmlns:c="http://schemas.openxmlformats.org/drawingml/2006/chart" xmlns:dgm="http://schemas.openxmlformats.org/drawingml/2006/diagram" xmlns:o="urn:schemas-microsoft-com:office:office" xmlns:v="urn:schemas-microsoft-com:vml" xmlns:pvml="urn:schemas-microsoft-com:office:powerpoint" xmlns:com="http://schemas.openxmlformats.org/drawingml/2006/compatibility" xmlns:p14="http://schemas.microsoft.com/office/powerpoint/2010/main" xmlns:p15="http://schemas.microsoft.com/office/powerpoint/2012/main">
+<p:notesMaster xmlns:a="http://schemas.openxmlformats.org/drawingml/2006/main" xmlns:r="http://schemas.openxmlformats.org/officeDocument/2006/relationships" xmlns:p="http://schemas.openxmlformats.org/presentationml/2006/main">
   <p:cSld>
+    <p:bg>
+      <p:bgRef idx="1001">
+        <a:schemeClr val="bg1"/>
+      </p:bgRef>
+    </p:bg>
     <p:spTree>
       <p:nvGrpSpPr>
-        <p:cNvPr id="2" name="Shape 2"/>
+        <p:cNvPr id="1" name="Shape 2"/>
         <p:cNvGrpSpPr/>
         <p:nvPr/>
       </p:nvGrpSpPr>
@@ -311,9 +319,11 @@
       <p:sp>
         <p:nvSpPr>
           <p:cNvPr id="3" name="Google Shape;3;n"/>
-          <p:cNvSpPr/>
+          <p:cNvSpPr>
+            <a:spLocks noGrp="1" noRot="1" noChangeAspect="1"/>
+          </p:cNvSpPr>
           <p:nvPr>
-            <p:ph idx="2" type="sldImg"/>
+            <p:ph type="sldImg" idx="2"/>
           </p:nvPr>
         </p:nvSpPr>
         <p:spPr>
@@ -322,9 +332,13 @@
             <a:ext cx="6096075" cy="3429000"/>
           </a:xfrm>
           <a:custGeom>
-            <a:rect b="b" l="l" r="r" t="t"/>
+            <a:avLst/>
+            <a:gdLst/>
+            <a:ahLst/>
+            <a:cxnLst/>
+            <a:rect l="l" t="t" r="r" b="b"/>
             <a:pathLst>
-              <a:path extrusionOk="0" h="120000" w="120000">
+              <a:path w="120000" h="120000" extrusionOk="0">
                 <a:moveTo>
                   <a:pt x="0" y="0"/>
                 </a:moveTo>
@@ -342,23 +356,25 @@
             </a:pathLst>
           </a:custGeom>
           <a:noFill/>
-          <a:ln cap="flat" cmpd="sng" w="9525">
+          <a:ln w="9525" cap="flat" cmpd="sng">
             <a:solidFill>
               <a:srgbClr val="000000"/>
             </a:solidFill>
             <a:prstDash val="solid"/>
             <a:round/>
-            <a:headEnd len="sm" w="sm" type="none"/>
-            <a:tailEnd len="sm" w="sm" type="none"/>
+            <a:headEnd type="none" w="sm" len="sm"/>
+            <a:tailEnd type="none" w="sm" len="sm"/>
           </a:ln>
         </p:spPr>
       </p:sp>
       <p:sp>
         <p:nvSpPr>
           <p:cNvPr id="4" name="Google Shape;4;n"/>
-          <p:cNvSpPr txBox="1"/>
+          <p:cNvSpPr txBox="1">
+            <a:spLocks noGrp="1"/>
+          </p:cNvSpPr>
           <p:nvPr>
-            <p:ph idx="1" type="body"/>
+            <p:ph type="body" idx="1"/>
           </p:nvPr>
         </p:nvSpPr>
         <p:spPr>
@@ -375,11 +391,11 @@
           </a:ln>
         </p:spPr>
         <p:txBody>
-          <a:bodyPr anchorCtr="0" anchor="t" bIns="91425" lIns="91425" spcFirstLastPara="1" rIns="91425" wrap="square" tIns="91425">
+          <a:bodyPr spcFirstLastPara="1" wrap="square" lIns="91425" tIns="91425" rIns="91425" bIns="91425" anchor="t" anchorCtr="0">
             <a:noAutofit/>
           </a:bodyPr>
           <a:lstStyle>
-            <a:lvl1pPr indent="-317500" lvl="0" marL="457200">
+            <a:lvl1pPr marL="457200" lvl="0" indent="-317500">
               <a:spcBef>
                 <a:spcPts val="0"/>
               </a:spcBef>
@@ -390,7 +406,7 @@
               <a:buChar char="●"/>
               <a:defRPr sz="1100"/>
             </a:lvl1pPr>
-            <a:lvl2pPr indent="-317500" lvl="1" marL="914400">
+            <a:lvl2pPr marL="914400" lvl="1" indent="-317500">
               <a:spcBef>
                 <a:spcPts val="0"/>
               </a:spcBef>
@@ -401,7 +417,7 @@
               <a:buChar char="○"/>
               <a:defRPr sz="1100"/>
             </a:lvl2pPr>
-            <a:lvl3pPr indent="-317500" lvl="2" marL="1371600">
+            <a:lvl3pPr marL="1371600" lvl="2" indent="-317500">
               <a:spcBef>
                 <a:spcPts val="0"/>
               </a:spcBef>
@@ -412,7 +428,7 @@
               <a:buChar char="■"/>
               <a:defRPr sz="1100"/>
             </a:lvl3pPr>
-            <a:lvl4pPr indent="-317500" lvl="3" marL="1828800">
+            <a:lvl4pPr marL="1828800" lvl="3" indent="-317500">
               <a:spcBef>
                 <a:spcPts val="0"/>
               </a:spcBef>
@@ -423,7 +439,7 @@
               <a:buChar char="●"/>
               <a:defRPr sz="1100"/>
             </a:lvl4pPr>
-            <a:lvl5pPr indent="-317500" lvl="4" marL="2286000">
+            <a:lvl5pPr marL="2286000" lvl="4" indent="-317500">
               <a:spcBef>
                 <a:spcPts val="0"/>
               </a:spcBef>
@@ -434,7 +450,7 @@
               <a:buChar char="○"/>
               <a:defRPr sz="1100"/>
             </a:lvl5pPr>
-            <a:lvl6pPr indent="-317500" lvl="5" marL="2743200">
+            <a:lvl6pPr marL="2743200" lvl="5" indent="-317500">
               <a:spcBef>
                 <a:spcPts val="0"/>
               </a:spcBef>
@@ -445,7 +461,7 @@
               <a:buChar char="■"/>
               <a:defRPr sz="1100"/>
             </a:lvl6pPr>
-            <a:lvl7pPr indent="-317500" lvl="6" marL="3200400">
+            <a:lvl7pPr marL="3200400" lvl="6" indent="-317500">
               <a:spcBef>
                 <a:spcPts val="0"/>
               </a:spcBef>
@@ -456,7 +472,7 @@
               <a:buChar char="●"/>
               <a:defRPr sz="1100"/>
             </a:lvl7pPr>
-            <a:lvl8pPr indent="-317500" lvl="7" marL="3657600">
+            <a:lvl8pPr marL="3657600" lvl="7" indent="-317500">
               <a:spcBef>
                 <a:spcPts val="0"/>
               </a:spcBef>
@@ -467,7 +483,7 @@
               <a:buChar char="○"/>
               <a:defRPr sz="1100"/>
             </a:lvl8pPr>
-            <a:lvl9pPr indent="-317500" lvl="8" marL="4114800">
+            <a:lvl9pPr marL="4114800" lvl="8" indent="-317500">
               <a:spcBef>
                 <a:spcPts val="0"/>
               </a:spcBef>
@@ -479,14 +495,16 @@
               <a:defRPr sz="1100"/>
             </a:lvl9pPr>
           </a:lstStyle>
-          <a:p/>
+          <a:p>
+            <a:endParaRPr/>
+          </a:p>
         </p:txBody>
       </p:sp>
     </p:spTree>
   </p:cSld>
-  <p:clrMap accent1="accent1" accent2="accent2" accent3="accent3" accent4="accent4" accent5="accent5" accent6="accent6" bg1="lt1" bg2="dk2" tx1="dk1" tx2="lt2" folHlink="folHlink" hlink="hlink"/>
+  <p:clrMap bg1="lt1" tx1="dk1" bg2="dk2" tx2="lt2" accent1="accent1" accent2="accent2" accent3="accent3" accent4="accent4" accent5="accent5" accent6="accent6" hlink="hlink" folHlink="folHlink"/>
   <p:notesStyle>
-    <a:defPPr lvl="0" marR="0" rtl="0" algn="l">
+    <a:defPPr marR="0" lvl="0" algn="l" rtl="0">
       <a:lnSpc>
         <a:spcPct val="100000"/>
       </a:lnSpc>
@@ -497,7 +515,7 @@
         <a:spcPts val="0"/>
       </a:spcAft>
     </a:defPPr>
-    <a:lvl1pPr lvl="0" marR="0" rtl="0" algn="l">
+    <a:lvl1pPr marR="0" lvl="0" algn="l" rtl="0">
       <a:lnSpc>
         <a:spcPct val="100000"/>
       </a:lnSpc>
@@ -511,7 +529,7 @@
         <a:srgbClr val="000000"/>
       </a:buClr>
       <a:buFont typeface="Arial"/>
-      <a:defRPr b="0" i="0" sz="1400" u="none" cap="none" strike="noStrike">
+      <a:defRPr sz="1400" b="0" i="0" u="none" strike="noStrike" cap="none">
         <a:solidFill>
           <a:srgbClr val="000000"/>
         </a:solidFill>
@@ -521,7 +539,7 @@
         <a:sym typeface="Arial"/>
       </a:defRPr>
     </a:lvl1pPr>
-    <a:lvl2pPr lvl="1" marR="0" rtl="0" algn="l">
+    <a:lvl2pPr marR="0" lvl="1" algn="l" rtl="0">
       <a:lnSpc>
         <a:spcPct val="100000"/>
       </a:lnSpc>
@@ -535,7 +553,7 @@
         <a:srgbClr val="000000"/>
       </a:buClr>
       <a:buFont typeface="Arial"/>
-      <a:defRPr b="0" i="0" sz="1400" u="none" cap="none" strike="noStrike">
+      <a:defRPr sz="1400" b="0" i="0" u="none" strike="noStrike" cap="none">
         <a:solidFill>
           <a:srgbClr val="000000"/>
         </a:solidFill>
@@ -545,7 +563,7 @@
         <a:sym typeface="Arial"/>
       </a:defRPr>
     </a:lvl2pPr>
-    <a:lvl3pPr lvl="2" marR="0" rtl="0" algn="l">
+    <a:lvl3pPr marR="0" lvl="2" algn="l" rtl="0">
       <a:lnSpc>
         <a:spcPct val="100000"/>
       </a:lnSpc>
@@ -559,7 +577,7 @@
         <a:srgbClr val="000000"/>
       </a:buClr>
       <a:buFont typeface="Arial"/>
-      <a:defRPr b="0" i="0" sz="1400" u="none" cap="none" strike="noStrike">
+      <a:defRPr sz="1400" b="0" i="0" u="none" strike="noStrike" cap="none">
         <a:solidFill>
           <a:srgbClr val="000000"/>
         </a:solidFill>
@@ -569,7 +587,7 @@
         <a:sym typeface="Arial"/>
       </a:defRPr>
     </a:lvl3pPr>
-    <a:lvl4pPr lvl="3" marR="0" rtl="0" algn="l">
+    <a:lvl4pPr marR="0" lvl="3" algn="l" rtl="0">
       <a:lnSpc>
         <a:spcPct val="100000"/>
       </a:lnSpc>
@@ -583,7 +601,7 @@
         <a:srgbClr val="000000"/>
       </a:buClr>
       <a:buFont typeface="Arial"/>
-      <a:defRPr b="0" i="0" sz="1400" u="none" cap="none" strike="noStrike">
+      <a:defRPr sz="1400" b="0" i="0" u="none" strike="noStrike" cap="none">
         <a:solidFill>
           <a:srgbClr val="000000"/>
         </a:solidFill>
@@ -593,7 +611,7 @@
         <a:sym typeface="Arial"/>
       </a:defRPr>
     </a:lvl4pPr>
-    <a:lvl5pPr lvl="4" marR="0" rtl="0" algn="l">
+    <a:lvl5pPr marR="0" lvl="4" algn="l" rtl="0">
       <a:lnSpc>
         <a:spcPct val="100000"/>
       </a:lnSpc>
@@ -607,7 +625,7 @@
         <a:srgbClr val="000000"/>
       </a:buClr>
       <a:buFont typeface="Arial"/>
-      <a:defRPr b="0" i="0" sz="1400" u="none" cap="none" strike="noStrike">
+      <a:defRPr sz="1400" b="0" i="0" u="none" strike="noStrike" cap="none">
         <a:solidFill>
           <a:srgbClr val="000000"/>
         </a:solidFill>
@@ -617,7 +635,7 @@
         <a:sym typeface="Arial"/>
       </a:defRPr>
     </a:lvl5pPr>
-    <a:lvl6pPr lvl="5" marR="0" rtl="0" algn="l">
+    <a:lvl6pPr marR="0" lvl="5" algn="l" rtl="0">
       <a:lnSpc>
         <a:spcPct val="100000"/>
       </a:lnSpc>
@@ -631,7 +649,7 @@
         <a:srgbClr val="000000"/>
       </a:buClr>
       <a:buFont typeface="Arial"/>
-      <a:defRPr b="0" i="0" sz="1400" u="none" cap="none" strike="noStrike">
+      <a:defRPr sz="1400" b="0" i="0" u="none" strike="noStrike" cap="none">
         <a:solidFill>
           <a:srgbClr val="000000"/>
         </a:solidFill>
@@ -641,7 +659,7 @@
         <a:sym typeface="Arial"/>
       </a:defRPr>
     </a:lvl6pPr>
-    <a:lvl7pPr lvl="6" marR="0" rtl="0" algn="l">
+    <a:lvl7pPr marR="0" lvl="6" algn="l" rtl="0">
       <a:lnSpc>
         <a:spcPct val="100000"/>
       </a:lnSpc>
@@ -655,7 +673,7 @@
         <a:srgbClr val="000000"/>
       </a:buClr>
       <a:buFont typeface="Arial"/>
-      <a:defRPr b="0" i="0" sz="1400" u="none" cap="none" strike="noStrike">
+      <a:defRPr sz="1400" b="0" i="0" u="none" strike="noStrike" cap="none">
         <a:solidFill>
           <a:srgbClr val="000000"/>
         </a:solidFill>
@@ -665,7 +683,7 @@
         <a:sym typeface="Arial"/>
       </a:defRPr>
     </a:lvl7pPr>
-    <a:lvl8pPr lvl="7" marR="0" rtl="0" algn="l">
+    <a:lvl8pPr marR="0" lvl="7" algn="l" rtl="0">
       <a:lnSpc>
         <a:spcPct val="100000"/>
       </a:lnSpc>
@@ -679,7 +697,7 @@
         <a:srgbClr val="000000"/>
       </a:buClr>
       <a:buFont typeface="Arial"/>
-      <a:defRPr b="0" i="0" sz="1400" u="none" cap="none" strike="noStrike">
+      <a:defRPr sz="1400" b="0" i="0" u="none" strike="noStrike" cap="none">
         <a:solidFill>
           <a:srgbClr val="000000"/>
         </a:solidFill>
@@ -689,7 +707,7 @@
         <a:sym typeface="Arial"/>
       </a:defRPr>
     </a:lvl8pPr>
-    <a:lvl9pPr lvl="8" marR="0" rtl="0" algn="l">
+    <a:lvl9pPr marR="0" lvl="8" algn="l" rtl="0">
       <a:lnSpc>
         <a:spcPct val="100000"/>
       </a:lnSpc>
@@ -703,7 +721,7 @@
         <a:srgbClr val="000000"/>
       </a:buClr>
       <a:buFont typeface="Arial"/>
-      <a:defRPr b="0" i="0" sz="1400" u="none" cap="none" strike="noStrike">
+      <a:defRPr sz="1400" b="0" i="0" u="none" strike="noStrike" cap="none">
         <a:solidFill>
           <a:srgbClr val="000000"/>
         </a:solidFill>
@@ -718,11 +736,11 @@
 </file>
 
 <file path=ppt/notesSlides/notesSlide1.xml><?xml version="1.0" encoding="utf-8"?>
-<p:notes xmlns:a="http://schemas.openxmlformats.org/drawingml/2006/main" xmlns:r="http://schemas.openxmlformats.org/officeDocument/2006/relationships" xmlns:mc="http://schemas.openxmlformats.org/markup-compatibility/2006" xmlns:mv="urn:schemas-microsoft-com:mac:vml" xmlns:p="http://schemas.openxmlformats.org/presentationml/2006/main" xmlns:c="http://schemas.openxmlformats.org/drawingml/2006/chart" xmlns:dgm="http://schemas.openxmlformats.org/drawingml/2006/diagram" xmlns:o="urn:schemas-microsoft-com:office:office" xmlns:v="urn:schemas-microsoft-com:vml" xmlns:pvml="urn:schemas-microsoft-com:office:powerpoint" xmlns:com="http://schemas.openxmlformats.org/drawingml/2006/compatibility" xmlns:p14="http://schemas.microsoft.com/office/powerpoint/2010/main" xmlns:p15="http://schemas.microsoft.com/office/powerpoint/2012/main" showMasterPhAnim="0" showMasterSp="0">
+<p:notes xmlns:a="http://schemas.openxmlformats.org/drawingml/2006/main" xmlns:r="http://schemas.openxmlformats.org/officeDocument/2006/relationships" xmlns:p="http://schemas.openxmlformats.org/presentationml/2006/main" showMasterSp="0" showMasterPhAnim="0">
   <p:cSld>
     <p:spTree>
       <p:nvGrpSpPr>
-        <p:cNvPr id="58" name="Shape 58"/>
+        <p:cNvPr id="1" name="Shape 58"/>
         <p:cNvGrpSpPr/>
         <p:nvPr/>
       </p:nvGrpSpPr>
@@ -737,20 +755,26 @@
       <p:sp>
         <p:nvSpPr>
           <p:cNvPr id="59" name="Google Shape;59;g742e3e7cd_1_16:notes"/>
-          <p:cNvSpPr/>
+          <p:cNvSpPr>
+            <a:spLocks noGrp="1" noRot="1" noChangeAspect="1"/>
+          </p:cNvSpPr>
           <p:nvPr>
-            <p:ph idx="2" type="sldImg"/>
+            <p:ph type="sldImg" idx="2"/>
           </p:nvPr>
         </p:nvSpPr>
         <p:spPr>
           <a:xfrm>
-            <a:off x="381188" y="685800"/>
-            <a:ext cx="6096300" cy="3429000"/>
+            <a:off x="381000" y="685800"/>
+            <a:ext cx="6096000" cy="3429000"/>
           </a:xfrm>
           <a:custGeom>
-            <a:rect b="b" l="l" r="r" t="t"/>
+            <a:avLst/>
+            <a:gdLst/>
+            <a:ahLst/>
+            <a:cxnLst/>
+            <a:rect l="l" t="t" r="r" b="b"/>
             <a:pathLst>
-              <a:path extrusionOk="0" h="120000" w="120000">
+              <a:path w="120000" h="120000" extrusionOk="0">
                 <a:moveTo>
                   <a:pt x="0" y="0"/>
                 </a:moveTo>
@@ -772,9 +796,11 @@
       <p:sp>
         <p:nvSpPr>
           <p:cNvPr id="60" name="Google Shape;60;g742e3e7cd_1_16:notes"/>
-          <p:cNvSpPr txBox="1"/>
+          <p:cNvSpPr txBox="1">
+            <a:spLocks noGrp="1"/>
+          </p:cNvSpPr>
           <p:nvPr>
-            <p:ph idx="1" type="body"/>
+            <p:ph type="body" idx="1"/>
           </p:nvPr>
         </p:nvSpPr>
         <p:spPr>
@@ -787,12 +813,12 @@
           </a:prstGeom>
         </p:spPr>
         <p:txBody>
-          <a:bodyPr anchorCtr="0" anchor="t" bIns="91425" lIns="91425" spcFirstLastPara="1" rIns="91425" wrap="square" tIns="91425">
+          <a:bodyPr spcFirstLastPara="1" wrap="square" lIns="91425" tIns="91425" rIns="91425" bIns="91425" anchor="t" anchorCtr="0">
             <a:noAutofit/>
           </a:bodyPr>
           <a:lstStyle/>
           <a:p>
-            <a:pPr indent="0" lvl="0" marL="0" rtl="0" algn="l">
+            <a:pPr marL="0" lvl="0" indent="0" algn="l" rtl="0">
               <a:spcBef>
                 <a:spcPts val="0"/>
               </a:spcBef>
@@ -801,9 +827,6 @@
               </a:spcAft>
               <a:buNone/>
             </a:pPr>
-            <a:r>
-              <a:t/>
-            </a:r>
             <a:endParaRPr/>
           </a:p>
         </p:txBody>
@@ -817,11 +840,11 @@
 </file>
 
 <file path=ppt/notesSlides/notesSlide10.xml><?xml version="1.0" encoding="utf-8"?>
-<p:notes xmlns:a="http://schemas.openxmlformats.org/drawingml/2006/main" xmlns:r="http://schemas.openxmlformats.org/officeDocument/2006/relationships" xmlns:mc="http://schemas.openxmlformats.org/markup-compatibility/2006" xmlns:mv="urn:schemas-microsoft-com:mac:vml" xmlns:p="http://schemas.openxmlformats.org/presentationml/2006/main" xmlns:c="http://schemas.openxmlformats.org/drawingml/2006/chart" xmlns:dgm="http://schemas.openxmlformats.org/drawingml/2006/diagram" xmlns:o="urn:schemas-microsoft-com:office:office" xmlns:v="urn:schemas-microsoft-com:vml" xmlns:pvml="urn:schemas-microsoft-com:office:powerpoint" xmlns:com="http://schemas.openxmlformats.org/drawingml/2006/compatibility" xmlns:p14="http://schemas.microsoft.com/office/powerpoint/2010/main" xmlns:p15="http://schemas.microsoft.com/office/powerpoint/2012/main" showMasterPhAnim="0" showMasterSp="0">
+<p:notes xmlns:a="http://schemas.openxmlformats.org/drawingml/2006/main" xmlns:r="http://schemas.openxmlformats.org/officeDocument/2006/relationships" xmlns:p="http://schemas.openxmlformats.org/presentationml/2006/main" showMasterSp="0" showMasterPhAnim="0">
   <p:cSld>
     <p:spTree>
       <p:nvGrpSpPr>
-        <p:cNvPr id="125" name="Shape 125"/>
+        <p:cNvPr id="1" name="Shape 110"/>
         <p:cNvGrpSpPr/>
         <p:nvPr/>
       </p:nvGrpSpPr>
@@ -835,21 +858,27 @@
       </p:grpSpPr>
       <p:sp>
         <p:nvSpPr>
-          <p:cNvPr id="126" name="Google Shape;126;g5de179ea56_0_30:notes"/>
-          <p:cNvSpPr/>
+          <p:cNvPr id="111" name="Google Shape;111;g5ddf4187db_0_59:notes"/>
+          <p:cNvSpPr>
+            <a:spLocks noGrp="1" noRot="1" noChangeAspect="1"/>
+          </p:cNvSpPr>
           <p:nvPr>
-            <p:ph idx="2" type="sldImg"/>
+            <p:ph type="sldImg" idx="2"/>
           </p:nvPr>
         </p:nvSpPr>
         <p:spPr>
           <a:xfrm>
-            <a:off x="381300" y="685800"/>
+            <a:off x="381000" y="685800"/>
             <a:ext cx="6096000" cy="3429000"/>
           </a:xfrm>
           <a:custGeom>
-            <a:rect b="b" l="l" r="r" t="t"/>
+            <a:avLst/>
+            <a:gdLst/>
+            <a:ahLst/>
+            <a:cxnLst/>
+            <a:rect l="l" t="t" r="r" b="b"/>
             <a:pathLst>
-              <a:path extrusionOk="0" h="120000" w="120000">
+              <a:path w="120000" h="120000" extrusionOk="0">
                 <a:moveTo>
                   <a:pt x="0" y="0"/>
                 </a:moveTo>
@@ -870,10 +899,12 @@
       </p:sp>
       <p:sp>
         <p:nvSpPr>
-          <p:cNvPr id="127" name="Google Shape;127;g5de179ea56_0_30:notes"/>
-          <p:cNvSpPr txBox="1"/>
+          <p:cNvPr id="112" name="Google Shape;112;g5ddf4187db_0_59:notes"/>
+          <p:cNvSpPr txBox="1">
+            <a:spLocks noGrp="1"/>
+          </p:cNvSpPr>
           <p:nvPr>
-            <p:ph idx="1" type="body"/>
+            <p:ph type="body" idx="1"/>
           </p:nvPr>
         </p:nvSpPr>
         <p:spPr>
@@ -886,12 +917,12 @@
           </a:prstGeom>
         </p:spPr>
         <p:txBody>
-          <a:bodyPr anchorCtr="0" anchor="t" bIns="91425" lIns="91425" spcFirstLastPara="1" rIns="91425" wrap="square" tIns="91425">
+          <a:bodyPr spcFirstLastPara="1" wrap="square" lIns="91425" tIns="91425" rIns="91425" bIns="91425" anchor="t" anchorCtr="0">
             <a:noAutofit/>
           </a:bodyPr>
           <a:lstStyle/>
           <a:p>
-            <a:pPr indent="0" lvl="0" marL="0" rtl="0" algn="l">
+            <a:pPr marL="0" lvl="0" indent="0" algn="l" rtl="0">
               <a:spcBef>
                 <a:spcPts val="0"/>
               </a:spcBef>
@@ -900,14 +931,16 @@
               </a:spcAft>
               <a:buNone/>
             </a:pPr>
-            <a:r>
-              <a:t/>
-            </a:r>
             <a:endParaRPr/>
           </a:p>
         </p:txBody>
       </p:sp>
     </p:spTree>
+    <p:extLst>
+      <p:ext uri="{BB962C8B-B14F-4D97-AF65-F5344CB8AC3E}">
+        <p14:creationId xmlns:p14="http://schemas.microsoft.com/office/powerpoint/2010/main" val="3364129961"/>
+      </p:ext>
+    </p:extLst>
   </p:cSld>
   <p:clrMapOvr>
     <a:masterClrMapping/>
@@ -916,11 +949,11 @@
 </file>
 
 <file path=ppt/notesSlides/notesSlide11.xml><?xml version="1.0" encoding="utf-8"?>
-<p:notes xmlns:a="http://schemas.openxmlformats.org/drawingml/2006/main" xmlns:r="http://schemas.openxmlformats.org/officeDocument/2006/relationships" xmlns:mc="http://schemas.openxmlformats.org/markup-compatibility/2006" xmlns:mv="urn:schemas-microsoft-com:mac:vml" xmlns:p="http://schemas.openxmlformats.org/presentationml/2006/main" xmlns:c="http://schemas.openxmlformats.org/drawingml/2006/chart" xmlns:dgm="http://schemas.openxmlformats.org/drawingml/2006/diagram" xmlns:o="urn:schemas-microsoft-com:office:office" xmlns:v="urn:schemas-microsoft-com:vml" xmlns:pvml="urn:schemas-microsoft-com:office:powerpoint" xmlns:com="http://schemas.openxmlformats.org/drawingml/2006/compatibility" xmlns:p14="http://schemas.microsoft.com/office/powerpoint/2010/main" xmlns:p15="http://schemas.microsoft.com/office/powerpoint/2012/main" showMasterPhAnim="0" showMasterSp="0">
+<p:notes xmlns:a="http://schemas.openxmlformats.org/drawingml/2006/main" xmlns:r="http://schemas.openxmlformats.org/officeDocument/2006/relationships" xmlns:p="http://schemas.openxmlformats.org/presentationml/2006/main" showMasterSp="0" showMasterPhAnim="0">
   <p:cSld>
     <p:spTree>
       <p:nvGrpSpPr>
-        <p:cNvPr id="132" name="Shape 132"/>
+        <p:cNvPr id="1" name="Shape 110"/>
         <p:cNvGrpSpPr/>
         <p:nvPr/>
       </p:nvGrpSpPr>
@@ -934,21 +967,27 @@
       </p:grpSpPr>
       <p:sp>
         <p:nvSpPr>
-          <p:cNvPr id="133" name="Google Shape;133;gcb9a3abeb_0_37:notes"/>
-          <p:cNvSpPr/>
+          <p:cNvPr id="111" name="Google Shape;111;g5ddf4187db_0_59:notes"/>
+          <p:cNvSpPr>
+            <a:spLocks noGrp="1" noRot="1" noChangeAspect="1"/>
+          </p:cNvSpPr>
           <p:nvPr>
-            <p:ph idx="2" type="sldImg"/>
+            <p:ph type="sldImg" idx="2"/>
           </p:nvPr>
         </p:nvSpPr>
         <p:spPr>
           <a:xfrm>
-            <a:off x="381188" y="685800"/>
-            <a:ext cx="6096300" cy="3429000"/>
+            <a:off x="381000" y="685800"/>
+            <a:ext cx="6096000" cy="3429000"/>
           </a:xfrm>
           <a:custGeom>
-            <a:rect b="b" l="l" r="r" t="t"/>
+            <a:avLst/>
+            <a:gdLst/>
+            <a:ahLst/>
+            <a:cxnLst/>
+            <a:rect l="l" t="t" r="r" b="b"/>
             <a:pathLst>
-              <a:path extrusionOk="0" h="120000" w="120000">
+              <a:path w="120000" h="120000" extrusionOk="0">
                 <a:moveTo>
                   <a:pt x="0" y="0"/>
                 </a:moveTo>
@@ -969,10 +1008,12 @@
       </p:sp>
       <p:sp>
         <p:nvSpPr>
-          <p:cNvPr id="134" name="Google Shape;134;gcb9a3abeb_0_37:notes"/>
-          <p:cNvSpPr txBox="1"/>
+          <p:cNvPr id="112" name="Google Shape;112;g5ddf4187db_0_59:notes"/>
+          <p:cNvSpPr txBox="1">
+            <a:spLocks noGrp="1"/>
+          </p:cNvSpPr>
           <p:nvPr>
-            <p:ph idx="1" type="body"/>
+            <p:ph type="body" idx="1"/>
           </p:nvPr>
         </p:nvSpPr>
         <p:spPr>
@@ -985,12 +1026,12 @@
           </a:prstGeom>
         </p:spPr>
         <p:txBody>
-          <a:bodyPr anchorCtr="0" anchor="t" bIns="91425" lIns="91425" spcFirstLastPara="1" rIns="91425" wrap="square" tIns="91425">
+          <a:bodyPr spcFirstLastPara="1" wrap="square" lIns="91425" tIns="91425" rIns="91425" bIns="91425" anchor="t" anchorCtr="0">
             <a:noAutofit/>
           </a:bodyPr>
           <a:lstStyle/>
           <a:p>
-            <a:pPr indent="0" lvl="0" marL="0" rtl="0" algn="l">
+            <a:pPr marL="0" lvl="0" indent="0" algn="l" rtl="0">
               <a:spcBef>
                 <a:spcPts val="0"/>
               </a:spcBef>
@@ -999,14 +1040,16 @@
               </a:spcAft>
               <a:buNone/>
             </a:pPr>
-            <a:r>
-              <a:t/>
-            </a:r>
             <a:endParaRPr/>
           </a:p>
         </p:txBody>
       </p:sp>
     </p:spTree>
+    <p:extLst>
+      <p:ext uri="{BB962C8B-B14F-4D97-AF65-F5344CB8AC3E}">
+        <p14:creationId xmlns:p14="http://schemas.microsoft.com/office/powerpoint/2010/main" val="3085997859"/>
+      </p:ext>
+    </p:extLst>
   </p:cSld>
   <p:clrMapOvr>
     <a:masterClrMapping/>
@@ -1015,11 +1058,11 @@
 </file>
 
 <file path=ppt/notesSlides/notesSlide12.xml><?xml version="1.0" encoding="utf-8"?>
-<p:notes xmlns:a="http://schemas.openxmlformats.org/drawingml/2006/main" xmlns:r="http://schemas.openxmlformats.org/officeDocument/2006/relationships" xmlns:mc="http://schemas.openxmlformats.org/markup-compatibility/2006" xmlns:mv="urn:schemas-microsoft-com:mac:vml" xmlns:p="http://schemas.openxmlformats.org/presentationml/2006/main" xmlns:c="http://schemas.openxmlformats.org/drawingml/2006/chart" xmlns:dgm="http://schemas.openxmlformats.org/drawingml/2006/diagram" xmlns:o="urn:schemas-microsoft-com:office:office" xmlns:v="urn:schemas-microsoft-com:vml" xmlns:pvml="urn:schemas-microsoft-com:office:powerpoint" xmlns:com="http://schemas.openxmlformats.org/drawingml/2006/compatibility" xmlns:p14="http://schemas.microsoft.com/office/powerpoint/2010/main" xmlns:p15="http://schemas.microsoft.com/office/powerpoint/2012/main" showMasterPhAnim="0" showMasterSp="0">
+<p:notes xmlns:a="http://schemas.openxmlformats.org/drawingml/2006/main" xmlns:r="http://schemas.openxmlformats.org/officeDocument/2006/relationships" xmlns:p="http://schemas.openxmlformats.org/presentationml/2006/main" showMasterSp="0" showMasterPhAnim="0">
   <p:cSld>
     <p:spTree>
       <p:nvGrpSpPr>
-        <p:cNvPr id="138" name="Shape 138"/>
+        <p:cNvPr id="1" name="Shape 117"/>
         <p:cNvGrpSpPr/>
         <p:nvPr/>
       </p:nvGrpSpPr>
@@ -1033,10 +1076,12 @@
       </p:grpSpPr>
       <p:sp>
         <p:nvSpPr>
-          <p:cNvPr id="139" name="Google Shape;139;g742e3e7cd_0_0:notes"/>
-          <p:cNvSpPr/>
+          <p:cNvPr id="118" name="Google Shape;118;g5de179ea56_0_0:notes"/>
+          <p:cNvSpPr>
+            <a:spLocks noGrp="1" noRot="1" noChangeAspect="1"/>
+          </p:cNvSpPr>
           <p:nvPr>
-            <p:ph idx="2" type="sldImg"/>
+            <p:ph type="sldImg" idx="2"/>
           </p:nvPr>
         </p:nvSpPr>
         <p:spPr>
@@ -1045,9 +1090,13 @@
             <a:ext cx="6096000" cy="3429000"/>
           </a:xfrm>
           <a:custGeom>
-            <a:rect b="b" l="l" r="r" t="t"/>
+            <a:avLst/>
+            <a:gdLst/>
+            <a:ahLst/>
+            <a:cxnLst/>
+            <a:rect l="l" t="t" r="r" b="b"/>
             <a:pathLst>
-              <a:path extrusionOk="0" h="120000" w="120000">
+              <a:path w="120000" h="120000" extrusionOk="0">
                 <a:moveTo>
                   <a:pt x="0" y="0"/>
                 </a:moveTo>
@@ -1068,10 +1117,12 @@
       </p:sp>
       <p:sp>
         <p:nvSpPr>
-          <p:cNvPr id="140" name="Google Shape;140;g742e3e7cd_0_0:notes"/>
-          <p:cNvSpPr txBox="1"/>
+          <p:cNvPr id="119" name="Google Shape;119;g5de179ea56_0_0:notes"/>
+          <p:cNvSpPr txBox="1">
+            <a:spLocks noGrp="1"/>
+          </p:cNvSpPr>
           <p:nvPr>
-            <p:ph idx="1" type="body"/>
+            <p:ph type="body" idx="1"/>
           </p:nvPr>
         </p:nvSpPr>
         <p:spPr>
@@ -1084,12 +1135,12 @@
           </a:prstGeom>
         </p:spPr>
         <p:txBody>
-          <a:bodyPr anchorCtr="0" anchor="t" bIns="91425" lIns="91425" spcFirstLastPara="1" rIns="91425" wrap="square" tIns="91425">
+          <a:bodyPr spcFirstLastPara="1" wrap="square" lIns="91425" tIns="91425" rIns="91425" bIns="91425" anchor="t" anchorCtr="0">
             <a:noAutofit/>
           </a:bodyPr>
           <a:lstStyle/>
           <a:p>
-            <a:pPr indent="0" lvl="0" marL="0" rtl="0" algn="l">
+            <a:pPr marL="0" lvl="0" indent="0" algn="l" rtl="0">
               <a:spcBef>
                 <a:spcPts val="0"/>
               </a:spcBef>
@@ -1098,9 +1149,6 @@
               </a:spcAft>
               <a:buNone/>
             </a:pPr>
-            <a:r>
-              <a:t/>
-            </a:r>
             <a:endParaRPr/>
           </a:p>
         </p:txBody>
@@ -1114,11 +1162,11 @@
 </file>
 
 <file path=ppt/notesSlides/notesSlide13.xml><?xml version="1.0" encoding="utf-8"?>
-<p:notes xmlns:a="http://schemas.openxmlformats.org/drawingml/2006/main" xmlns:r="http://schemas.openxmlformats.org/officeDocument/2006/relationships" xmlns:mc="http://schemas.openxmlformats.org/markup-compatibility/2006" xmlns:mv="urn:schemas-microsoft-com:mac:vml" xmlns:p="http://schemas.openxmlformats.org/presentationml/2006/main" xmlns:c="http://schemas.openxmlformats.org/drawingml/2006/chart" xmlns:dgm="http://schemas.openxmlformats.org/drawingml/2006/diagram" xmlns:o="urn:schemas-microsoft-com:office:office" xmlns:v="urn:schemas-microsoft-com:vml" xmlns:pvml="urn:schemas-microsoft-com:office:powerpoint" xmlns:com="http://schemas.openxmlformats.org/drawingml/2006/compatibility" xmlns:p14="http://schemas.microsoft.com/office/powerpoint/2010/main" xmlns:p15="http://schemas.microsoft.com/office/powerpoint/2012/main" showMasterPhAnim="0" showMasterSp="0">
+<p:notes xmlns:a="http://schemas.openxmlformats.org/drawingml/2006/main" xmlns:r="http://schemas.openxmlformats.org/officeDocument/2006/relationships" xmlns:p="http://schemas.openxmlformats.org/presentationml/2006/main" showMasterSp="0" showMasterPhAnim="0">
   <p:cSld>
     <p:spTree>
       <p:nvGrpSpPr>
-        <p:cNvPr id="147" name="Shape 147"/>
+        <p:cNvPr id="1" name="Shape 125"/>
         <p:cNvGrpSpPr/>
         <p:nvPr/>
       </p:nvGrpSpPr>
@@ -1132,10 +1180,12 @@
       </p:grpSpPr>
       <p:sp>
         <p:nvSpPr>
-          <p:cNvPr id="148" name="Google Shape;148;g5de179ea56_0_51:notes"/>
-          <p:cNvSpPr/>
+          <p:cNvPr id="126" name="Google Shape;126;g5de179ea56_0_30:notes"/>
+          <p:cNvSpPr>
+            <a:spLocks noGrp="1" noRot="1" noChangeAspect="1"/>
+          </p:cNvSpPr>
           <p:nvPr>
-            <p:ph idx="2" type="sldImg"/>
+            <p:ph type="sldImg" idx="2"/>
           </p:nvPr>
         </p:nvSpPr>
         <p:spPr>
@@ -1144,9 +1194,13 @@
             <a:ext cx="6096000" cy="3429000"/>
           </a:xfrm>
           <a:custGeom>
-            <a:rect b="b" l="l" r="r" t="t"/>
+            <a:avLst/>
+            <a:gdLst/>
+            <a:ahLst/>
+            <a:cxnLst/>
+            <a:rect l="l" t="t" r="r" b="b"/>
             <a:pathLst>
-              <a:path extrusionOk="0" h="120000" w="120000">
+              <a:path w="120000" h="120000" extrusionOk="0">
                 <a:moveTo>
                   <a:pt x="0" y="0"/>
                 </a:moveTo>
@@ -1167,10 +1221,12 @@
       </p:sp>
       <p:sp>
         <p:nvSpPr>
-          <p:cNvPr id="149" name="Google Shape;149;g5de179ea56_0_51:notes"/>
-          <p:cNvSpPr txBox="1"/>
+          <p:cNvPr id="127" name="Google Shape;127;g5de179ea56_0_30:notes"/>
+          <p:cNvSpPr txBox="1">
+            <a:spLocks noGrp="1"/>
+          </p:cNvSpPr>
           <p:nvPr>
-            <p:ph idx="1" type="body"/>
+            <p:ph type="body" idx="1"/>
           </p:nvPr>
         </p:nvSpPr>
         <p:spPr>
@@ -1183,12 +1239,12 @@
           </a:prstGeom>
         </p:spPr>
         <p:txBody>
-          <a:bodyPr anchorCtr="0" anchor="t" bIns="91425" lIns="91425" spcFirstLastPara="1" rIns="91425" wrap="square" tIns="91425">
+          <a:bodyPr spcFirstLastPara="1" wrap="square" lIns="91425" tIns="91425" rIns="91425" bIns="91425" anchor="t" anchorCtr="0">
             <a:noAutofit/>
           </a:bodyPr>
           <a:lstStyle/>
           <a:p>
-            <a:pPr indent="0" lvl="0" marL="0" rtl="0" algn="l">
+            <a:pPr marL="0" lvl="0" indent="0" algn="l" rtl="0">
               <a:spcBef>
                 <a:spcPts val="0"/>
               </a:spcBef>
@@ -1197,9 +1253,6 @@
               </a:spcAft>
               <a:buNone/>
             </a:pPr>
-            <a:r>
-              <a:t/>
-            </a:r>
             <a:endParaRPr/>
           </a:p>
         </p:txBody>
@@ -1213,11 +1266,11 @@
 </file>
 
 <file path=ppt/notesSlides/notesSlide14.xml><?xml version="1.0" encoding="utf-8"?>
-<p:notes xmlns:a="http://schemas.openxmlformats.org/drawingml/2006/main" xmlns:r="http://schemas.openxmlformats.org/officeDocument/2006/relationships" xmlns:mc="http://schemas.openxmlformats.org/markup-compatibility/2006" xmlns:mv="urn:schemas-microsoft-com:mac:vml" xmlns:p="http://schemas.openxmlformats.org/presentationml/2006/main" xmlns:c="http://schemas.openxmlformats.org/drawingml/2006/chart" xmlns:dgm="http://schemas.openxmlformats.org/drawingml/2006/diagram" xmlns:o="urn:schemas-microsoft-com:office:office" xmlns:v="urn:schemas-microsoft-com:vml" xmlns:pvml="urn:schemas-microsoft-com:office:powerpoint" xmlns:com="http://schemas.openxmlformats.org/drawingml/2006/compatibility" xmlns:p14="http://schemas.microsoft.com/office/powerpoint/2010/main" xmlns:p15="http://schemas.microsoft.com/office/powerpoint/2012/main" showMasterPhAnim="0" showMasterSp="0">
+<p:notes xmlns:a="http://schemas.openxmlformats.org/drawingml/2006/main" xmlns:r="http://schemas.openxmlformats.org/officeDocument/2006/relationships" xmlns:p="http://schemas.openxmlformats.org/presentationml/2006/main" showMasterSp="0" showMasterPhAnim="0">
   <p:cSld>
     <p:spTree>
       <p:nvGrpSpPr>
-        <p:cNvPr id="156" name="Shape 156"/>
+        <p:cNvPr id="1" name="Shape 132"/>
         <p:cNvGrpSpPr/>
         <p:nvPr/>
       </p:nvGrpSpPr>
@@ -1231,21 +1284,27 @@
       </p:grpSpPr>
       <p:sp>
         <p:nvSpPr>
-          <p:cNvPr id="157" name="Google Shape;157;g5de179ea56_0_44:notes"/>
-          <p:cNvSpPr/>
+          <p:cNvPr id="133" name="Google Shape;133;gcb9a3abeb_0_37:notes"/>
+          <p:cNvSpPr>
+            <a:spLocks noGrp="1" noRot="1" noChangeAspect="1"/>
+          </p:cNvSpPr>
           <p:nvPr>
-            <p:ph idx="2" type="sldImg"/>
+            <p:ph type="sldImg" idx="2"/>
           </p:nvPr>
         </p:nvSpPr>
         <p:spPr>
           <a:xfrm>
-            <a:off x="381300" y="685800"/>
-            <a:ext cx="6096000" cy="3429000"/>
+            <a:off x="381188" y="685800"/>
+            <a:ext cx="6096300" cy="3429000"/>
           </a:xfrm>
           <a:custGeom>
-            <a:rect b="b" l="l" r="r" t="t"/>
+            <a:avLst/>
+            <a:gdLst/>
+            <a:ahLst/>
+            <a:cxnLst/>
+            <a:rect l="l" t="t" r="r" b="b"/>
             <a:pathLst>
-              <a:path extrusionOk="0" h="120000" w="120000">
+              <a:path w="120000" h="120000" extrusionOk="0">
                 <a:moveTo>
                   <a:pt x="0" y="0"/>
                 </a:moveTo>
@@ -1266,10 +1325,12 @@
       </p:sp>
       <p:sp>
         <p:nvSpPr>
-          <p:cNvPr id="158" name="Google Shape;158;g5de179ea56_0_44:notes"/>
-          <p:cNvSpPr txBox="1"/>
+          <p:cNvPr id="134" name="Google Shape;134;gcb9a3abeb_0_37:notes"/>
+          <p:cNvSpPr txBox="1">
+            <a:spLocks noGrp="1"/>
+          </p:cNvSpPr>
           <p:nvPr>
-            <p:ph idx="1" type="body"/>
+            <p:ph type="body" idx="1"/>
           </p:nvPr>
         </p:nvSpPr>
         <p:spPr>
@@ -1282,12 +1343,12 @@
           </a:prstGeom>
         </p:spPr>
         <p:txBody>
-          <a:bodyPr anchorCtr="0" anchor="t" bIns="91425" lIns="91425" spcFirstLastPara="1" rIns="91425" wrap="square" tIns="91425">
+          <a:bodyPr spcFirstLastPara="1" wrap="square" lIns="91425" tIns="91425" rIns="91425" bIns="91425" anchor="t" anchorCtr="0">
             <a:noAutofit/>
           </a:bodyPr>
           <a:lstStyle/>
           <a:p>
-            <a:pPr indent="0" lvl="0" marL="0" rtl="0" algn="l">
+            <a:pPr marL="0" lvl="0" indent="0" algn="l" rtl="0">
               <a:spcBef>
                 <a:spcPts val="0"/>
               </a:spcBef>
@@ -1296,9 +1357,6 @@
               </a:spcAft>
               <a:buNone/>
             </a:pPr>
-            <a:r>
-              <a:t/>
-            </a:r>
             <a:endParaRPr/>
           </a:p>
         </p:txBody>
@@ -1312,11 +1370,11 @@
 </file>
 
 <file path=ppt/notesSlides/notesSlide15.xml><?xml version="1.0" encoding="utf-8"?>
-<p:notes xmlns:a="http://schemas.openxmlformats.org/drawingml/2006/main" xmlns:r="http://schemas.openxmlformats.org/officeDocument/2006/relationships" xmlns:mc="http://schemas.openxmlformats.org/markup-compatibility/2006" xmlns:mv="urn:schemas-microsoft-com:mac:vml" xmlns:p="http://schemas.openxmlformats.org/presentationml/2006/main" xmlns:c="http://schemas.openxmlformats.org/drawingml/2006/chart" xmlns:dgm="http://schemas.openxmlformats.org/drawingml/2006/diagram" xmlns:o="urn:schemas-microsoft-com:office:office" xmlns:v="urn:schemas-microsoft-com:vml" xmlns:pvml="urn:schemas-microsoft-com:office:powerpoint" xmlns:com="http://schemas.openxmlformats.org/drawingml/2006/compatibility" xmlns:p14="http://schemas.microsoft.com/office/powerpoint/2010/main" xmlns:p15="http://schemas.microsoft.com/office/powerpoint/2012/main" showMasterPhAnim="0" showMasterSp="0">
+<p:notes xmlns:a="http://schemas.openxmlformats.org/drawingml/2006/main" xmlns:r="http://schemas.openxmlformats.org/officeDocument/2006/relationships" xmlns:p="http://schemas.openxmlformats.org/presentationml/2006/main" showMasterSp="0" showMasterPhAnim="0">
   <p:cSld>
     <p:spTree>
       <p:nvGrpSpPr>
-        <p:cNvPr id="163" name="Shape 163"/>
+        <p:cNvPr id="1" name="Shape 138"/>
         <p:cNvGrpSpPr/>
         <p:nvPr/>
       </p:nvGrpSpPr>
@@ -1330,10 +1388,12 @@
       </p:grpSpPr>
       <p:sp>
         <p:nvSpPr>
-          <p:cNvPr id="164" name="Google Shape;164;g5de179ea56_0_61:notes"/>
-          <p:cNvSpPr/>
+          <p:cNvPr id="139" name="Google Shape;139;g742e3e7cd_0_0:notes"/>
+          <p:cNvSpPr>
+            <a:spLocks noGrp="1" noRot="1" noChangeAspect="1"/>
+          </p:cNvSpPr>
           <p:nvPr>
-            <p:ph idx="2" type="sldImg"/>
+            <p:ph type="sldImg" idx="2"/>
           </p:nvPr>
         </p:nvSpPr>
         <p:spPr>
@@ -1342,9 +1402,13 @@
             <a:ext cx="6096000" cy="3429000"/>
           </a:xfrm>
           <a:custGeom>
-            <a:rect b="b" l="l" r="r" t="t"/>
+            <a:avLst/>
+            <a:gdLst/>
+            <a:ahLst/>
+            <a:cxnLst/>
+            <a:rect l="l" t="t" r="r" b="b"/>
             <a:pathLst>
-              <a:path extrusionOk="0" h="120000" w="120000">
+              <a:path w="120000" h="120000" extrusionOk="0">
                 <a:moveTo>
                   <a:pt x="0" y="0"/>
                 </a:moveTo>
@@ -1365,10 +1429,12 @@
       </p:sp>
       <p:sp>
         <p:nvSpPr>
-          <p:cNvPr id="165" name="Google Shape;165;g5de179ea56_0_61:notes"/>
-          <p:cNvSpPr txBox="1"/>
+          <p:cNvPr id="140" name="Google Shape;140;g742e3e7cd_0_0:notes"/>
+          <p:cNvSpPr txBox="1">
+            <a:spLocks noGrp="1"/>
+          </p:cNvSpPr>
           <p:nvPr>
-            <p:ph idx="1" type="body"/>
+            <p:ph type="body" idx="1"/>
           </p:nvPr>
         </p:nvSpPr>
         <p:spPr>
@@ -1381,12 +1447,12 @@
           </a:prstGeom>
         </p:spPr>
         <p:txBody>
-          <a:bodyPr anchorCtr="0" anchor="t" bIns="91425" lIns="91425" spcFirstLastPara="1" rIns="91425" wrap="square" tIns="91425">
+          <a:bodyPr spcFirstLastPara="1" wrap="square" lIns="91425" tIns="91425" rIns="91425" bIns="91425" anchor="t" anchorCtr="0">
             <a:noAutofit/>
           </a:bodyPr>
           <a:lstStyle/>
           <a:p>
-            <a:pPr indent="0" lvl="0" marL="0" rtl="0" algn="l">
+            <a:pPr marL="0" lvl="0" indent="0" algn="l" rtl="0">
               <a:spcBef>
                 <a:spcPts val="0"/>
               </a:spcBef>
@@ -1395,9 +1461,6 @@
               </a:spcAft>
               <a:buNone/>
             </a:pPr>
-            <a:r>
-              <a:t/>
-            </a:r>
             <a:endParaRPr/>
           </a:p>
         </p:txBody>
@@ -1411,11 +1474,11 @@
 </file>
 
 <file path=ppt/notesSlides/notesSlide16.xml><?xml version="1.0" encoding="utf-8"?>
-<p:notes xmlns:a="http://schemas.openxmlformats.org/drawingml/2006/main" xmlns:r="http://schemas.openxmlformats.org/officeDocument/2006/relationships" xmlns:mc="http://schemas.openxmlformats.org/markup-compatibility/2006" xmlns:mv="urn:schemas-microsoft-com:mac:vml" xmlns:p="http://schemas.openxmlformats.org/presentationml/2006/main" xmlns:c="http://schemas.openxmlformats.org/drawingml/2006/chart" xmlns:dgm="http://schemas.openxmlformats.org/drawingml/2006/diagram" xmlns:o="urn:schemas-microsoft-com:office:office" xmlns:v="urn:schemas-microsoft-com:vml" xmlns:pvml="urn:schemas-microsoft-com:office:powerpoint" xmlns:com="http://schemas.openxmlformats.org/drawingml/2006/compatibility" xmlns:p14="http://schemas.microsoft.com/office/powerpoint/2010/main" xmlns:p15="http://schemas.microsoft.com/office/powerpoint/2012/main" showMasterPhAnim="0" showMasterSp="0">
+<p:notes xmlns:a="http://schemas.openxmlformats.org/drawingml/2006/main" xmlns:r="http://schemas.openxmlformats.org/officeDocument/2006/relationships" xmlns:p="http://schemas.openxmlformats.org/presentationml/2006/main" showMasterSp="0" showMasterPhAnim="0">
   <p:cSld>
     <p:spTree>
       <p:nvGrpSpPr>
-        <p:cNvPr id="173" name="Shape 173"/>
+        <p:cNvPr id="1" name="Shape 147"/>
         <p:cNvGrpSpPr/>
         <p:nvPr/>
       </p:nvGrpSpPr>
@@ -1429,10 +1492,12 @@
       </p:grpSpPr>
       <p:sp>
         <p:nvSpPr>
-          <p:cNvPr id="174" name="Google Shape;174;g5de179ea56_0_98:notes"/>
-          <p:cNvSpPr/>
+          <p:cNvPr id="148" name="Google Shape;148;g5de179ea56_0_51:notes"/>
+          <p:cNvSpPr>
+            <a:spLocks noGrp="1" noRot="1" noChangeAspect="1"/>
+          </p:cNvSpPr>
           <p:nvPr>
-            <p:ph idx="2" type="sldImg"/>
+            <p:ph type="sldImg" idx="2"/>
           </p:nvPr>
         </p:nvSpPr>
         <p:spPr>
@@ -1441,9 +1506,13 @@
             <a:ext cx="6096000" cy="3429000"/>
           </a:xfrm>
           <a:custGeom>
-            <a:rect b="b" l="l" r="r" t="t"/>
+            <a:avLst/>
+            <a:gdLst/>
+            <a:ahLst/>
+            <a:cxnLst/>
+            <a:rect l="l" t="t" r="r" b="b"/>
             <a:pathLst>
-              <a:path extrusionOk="0" h="120000" w="120000">
+              <a:path w="120000" h="120000" extrusionOk="0">
                 <a:moveTo>
                   <a:pt x="0" y="0"/>
                 </a:moveTo>
@@ -1464,10 +1533,12 @@
       </p:sp>
       <p:sp>
         <p:nvSpPr>
-          <p:cNvPr id="175" name="Google Shape;175;g5de179ea56_0_98:notes"/>
-          <p:cNvSpPr txBox="1"/>
+          <p:cNvPr id="149" name="Google Shape;149;g5de179ea56_0_51:notes"/>
+          <p:cNvSpPr txBox="1">
+            <a:spLocks noGrp="1"/>
+          </p:cNvSpPr>
           <p:nvPr>
-            <p:ph idx="1" type="body"/>
+            <p:ph type="body" idx="1"/>
           </p:nvPr>
         </p:nvSpPr>
         <p:spPr>
@@ -1480,12 +1551,12 @@
           </a:prstGeom>
         </p:spPr>
         <p:txBody>
-          <a:bodyPr anchorCtr="0" anchor="t" bIns="91425" lIns="91425" spcFirstLastPara="1" rIns="91425" wrap="square" tIns="91425">
+          <a:bodyPr spcFirstLastPara="1" wrap="square" lIns="91425" tIns="91425" rIns="91425" bIns="91425" anchor="t" anchorCtr="0">
             <a:noAutofit/>
           </a:bodyPr>
           <a:lstStyle/>
           <a:p>
-            <a:pPr indent="0" lvl="0" marL="0" rtl="0" algn="l">
+            <a:pPr marL="0" lvl="0" indent="0" algn="l" rtl="0">
               <a:spcBef>
                 <a:spcPts val="0"/>
               </a:spcBef>
@@ -1494,9 +1565,6 @@
               </a:spcAft>
               <a:buNone/>
             </a:pPr>
-            <a:r>
-              <a:t/>
-            </a:r>
             <a:endParaRPr/>
           </a:p>
         </p:txBody>
@@ -1509,12 +1577,12 @@
 </p:notes>
 </file>
 
-<file path=ppt/notesSlides/notesSlide2.xml><?xml version="1.0" encoding="utf-8"?>
-<p:notes xmlns:a="http://schemas.openxmlformats.org/drawingml/2006/main" xmlns:r="http://schemas.openxmlformats.org/officeDocument/2006/relationships" xmlns:mc="http://schemas.openxmlformats.org/markup-compatibility/2006" xmlns:mv="urn:schemas-microsoft-com:mac:vml" xmlns:p="http://schemas.openxmlformats.org/presentationml/2006/main" xmlns:c="http://schemas.openxmlformats.org/drawingml/2006/chart" xmlns:dgm="http://schemas.openxmlformats.org/drawingml/2006/diagram" xmlns:o="urn:schemas-microsoft-com:office:office" xmlns:v="urn:schemas-microsoft-com:vml" xmlns:pvml="urn:schemas-microsoft-com:office:powerpoint" xmlns:com="http://schemas.openxmlformats.org/drawingml/2006/compatibility" xmlns:p14="http://schemas.microsoft.com/office/powerpoint/2010/main" xmlns:p15="http://schemas.microsoft.com/office/powerpoint/2012/main" showMasterPhAnim="0" showMasterSp="0">
+<file path=ppt/notesSlides/notesSlide17.xml><?xml version="1.0" encoding="utf-8"?>
+<p:notes xmlns:a="http://schemas.openxmlformats.org/drawingml/2006/main" xmlns:r="http://schemas.openxmlformats.org/officeDocument/2006/relationships" xmlns:p="http://schemas.openxmlformats.org/presentationml/2006/main" showMasterSp="0" showMasterPhAnim="0">
   <p:cSld>
     <p:spTree>
       <p:nvGrpSpPr>
-        <p:cNvPr id="69" name="Shape 69"/>
+        <p:cNvPr id="1" name="Shape 156"/>
         <p:cNvGrpSpPr/>
         <p:nvPr/>
       </p:nvGrpSpPr>
@@ -1528,10 +1596,12 @@
       </p:grpSpPr>
       <p:sp>
         <p:nvSpPr>
-          <p:cNvPr id="70" name="Google Shape;70;gcbab3a369_1_258:notes"/>
-          <p:cNvSpPr/>
+          <p:cNvPr id="157" name="Google Shape;157;g5de179ea56_0_44:notes"/>
+          <p:cNvSpPr>
+            <a:spLocks noGrp="1" noRot="1" noChangeAspect="1"/>
+          </p:cNvSpPr>
           <p:nvPr>
-            <p:ph idx="2" type="sldImg"/>
+            <p:ph type="sldImg" idx="2"/>
           </p:nvPr>
         </p:nvSpPr>
         <p:spPr>
@@ -1540,9 +1610,13 @@
             <a:ext cx="6096000" cy="3429000"/>
           </a:xfrm>
           <a:custGeom>
-            <a:rect b="b" l="l" r="r" t="t"/>
+            <a:avLst/>
+            <a:gdLst/>
+            <a:ahLst/>
+            <a:cxnLst/>
+            <a:rect l="l" t="t" r="r" b="b"/>
             <a:pathLst>
-              <a:path extrusionOk="0" h="120000" w="120000">
+              <a:path w="120000" h="120000" extrusionOk="0">
                 <a:moveTo>
                   <a:pt x="0" y="0"/>
                 </a:moveTo>
@@ -1563,10 +1637,12 @@
       </p:sp>
       <p:sp>
         <p:nvSpPr>
-          <p:cNvPr id="71" name="Google Shape;71;gcbab3a369_1_258:notes"/>
-          <p:cNvSpPr txBox="1"/>
+          <p:cNvPr id="158" name="Google Shape;158;g5de179ea56_0_44:notes"/>
+          <p:cNvSpPr txBox="1">
+            <a:spLocks noGrp="1"/>
+          </p:cNvSpPr>
           <p:nvPr>
-            <p:ph idx="1" type="body"/>
+            <p:ph type="body" idx="1"/>
           </p:nvPr>
         </p:nvSpPr>
         <p:spPr>
@@ -1579,12 +1655,12 @@
           </a:prstGeom>
         </p:spPr>
         <p:txBody>
-          <a:bodyPr anchorCtr="0" anchor="t" bIns="91425" lIns="91425" spcFirstLastPara="1" rIns="91425" wrap="square" tIns="91425">
+          <a:bodyPr spcFirstLastPara="1" wrap="square" lIns="91425" tIns="91425" rIns="91425" bIns="91425" anchor="t" anchorCtr="0">
             <a:noAutofit/>
           </a:bodyPr>
           <a:lstStyle/>
           <a:p>
-            <a:pPr indent="0" lvl="0" marL="0" rtl="0" algn="l">
+            <a:pPr marL="0" lvl="0" indent="0" algn="l" rtl="0">
               <a:spcBef>
                 <a:spcPts val="0"/>
               </a:spcBef>
@@ -1593,9 +1669,6 @@
               </a:spcAft>
               <a:buNone/>
             </a:pPr>
-            <a:r>
-              <a:t/>
-            </a:r>
             <a:endParaRPr/>
           </a:p>
         </p:txBody>
@@ -1608,12 +1681,12 @@
 </p:notes>
 </file>
 
-<file path=ppt/notesSlides/notesSlide3.xml><?xml version="1.0" encoding="utf-8"?>
-<p:notes xmlns:a="http://schemas.openxmlformats.org/drawingml/2006/main" xmlns:r="http://schemas.openxmlformats.org/officeDocument/2006/relationships" xmlns:mc="http://schemas.openxmlformats.org/markup-compatibility/2006" xmlns:mv="urn:schemas-microsoft-com:mac:vml" xmlns:p="http://schemas.openxmlformats.org/presentationml/2006/main" xmlns:c="http://schemas.openxmlformats.org/drawingml/2006/chart" xmlns:dgm="http://schemas.openxmlformats.org/drawingml/2006/diagram" xmlns:o="urn:schemas-microsoft-com:office:office" xmlns:v="urn:schemas-microsoft-com:vml" xmlns:pvml="urn:schemas-microsoft-com:office:powerpoint" xmlns:com="http://schemas.openxmlformats.org/drawingml/2006/compatibility" xmlns:p14="http://schemas.microsoft.com/office/powerpoint/2010/main" xmlns:p15="http://schemas.microsoft.com/office/powerpoint/2012/main" showMasterPhAnim="0" showMasterSp="0">
+<file path=ppt/notesSlides/notesSlide18.xml><?xml version="1.0" encoding="utf-8"?>
+<p:notes xmlns:a="http://schemas.openxmlformats.org/drawingml/2006/main" xmlns:r="http://schemas.openxmlformats.org/officeDocument/2006/relationships" xmlns:p="http://schemas.openxmlformats.org/presentationml/2006/main" showMasterSp="0" showMasterPhAnim="0">
   <p:cSld>
     <p:spTree>
       <p:nvGrpSpPr>
-        <p:cNvPr id="77" name="Shape 77"/>
+        <p:cNvPr id="1" name="Shape 163"/>
         <p:cNvGrpSpPr/>
         <p:nvPr/>
       </p:nvGrpSpPr>
@@ -1627,10 +1700,12 @@
       </p:grpSpPr>
       <p:sp>
         <p:nvSpPr>
-          <p:cNvPr id="78" name="Google Shape;78;g742e3e7cd_1_33:notes"/>
-          <p:cNvSpPr/>
+          <p:cNvPr id="164" name="Google Shape;164;g5de179ea56_0_61:notes"/>
+          <p:cNvSpPr>
+            <a:spLocks noGrp="1" noRot="1" noChangeAspect="1"/>
+          </p:cNvSpPr>
           <p:nvPr>
-            <p:ph idx="2" type="sldImg"/>
+            <p:ph type="sldImg" idx="2"/>
           </p:nvPr>
         </p:nvSpPr>
         <p:spPr>
@@ -1639,9 +1714,13 @@
             <a:ext cx="6096000" cy="3429000"/>
           </a:xfrm>
           <a:custGeom>
-            <a:rect b="b" l="l" r="r" t="t"/>
+            <a:avLst/>
+            <a:gdLst/>
+            <a:ahLst/>
+            <a:cxnLst/>
+            <a:rect l="l" t="t" r="r" b="b"/>
             <a:pathLst>
-              <a:path extrusionOk="0" h="120000" w="120000">
+              <a:path w="120000" h="120000" extrusionOk="0">
                 <a:moveTo>
                   <a:pt x="0" y="0"/>
                 </a:moveTo>
@@ -1662,10 +1741,12 @@
       </p:sp>
       <p:sp>
         <p:nvSpPr>
-          <p:cNvPr id="79" name="Google Shape;79;g742e3e7cd_1_33:notes"/>
-          <p:cNvSpPr txBox="1"/>
+          <p:cNvPr id="165" name="Google Shape;165;g5de179ea56_0_61:notes"/>
+          <p:cNvSpPr txBox="1">
+            <a:spLocks noGrp="1"/>
+          </p:cNvSpPr>
           <p:nvPr>
-            <p:ph idx="1" type="body"/>
+            <p:ph type="body" idx="1"/>
           </p:nvPr>
         </p:nvSpPr>
         <p:spPr>
@@ -1678,12 +1759,12 @@
           </a:prstGeom>
         </p:spPr>
         <p:txBody>
-          <a:bodyPr anchorCtr="0" anchor="t" bIns="91425" lIns="91425" spcFirstLastPara="1" rIns="91425" wrap="square" tIns="91425">
+          <a:bodyPr spcFirstLastPara="1" wrap="square" lIns="91425" tIns="91425" rIns="91425" bIns="91425" anchor="t" anchorCtr="0">
             <a:noAutofit/>
           </a:bodyPr>
           <a:lstStyle/>
           <a:p>
-            <a:pPr indent="0" lvl="0" marL="0" rtl="0" algn="l">
+            <a:pPr marL="0" lvl="0" indent="0" algn="l" rtl="0">
               <a:spcBef>
                 <a:spcPts val="0"/>
               </a:spcBef>
@@ -1692,9 +1773,6 @@
               </a:spcAft>
               <a:buNone/>
             </a:pPr>
-            <a:r>
-              <a:t/>
-            </a:r>
             <a:endParaRPr/>
           </a:p>
         </p:txBody>
@@ -1707,12 +1785,12 @@
 </p:notes>
 </file>
 
-<file path=ppt/notesSlides/notesSlide4.xml><?xml version="1.0" encoding="utf-8"?>
-<p:notes xmlns:a="http://schemas.openxmlformats.org/drawingml/2006/main" xmlns:r="http://schemas.openxmlformats.org/officeDocument/2006/relationships" xmlns:mc="http://schemas.openxmlformats.org/markup-compatibility/2006" xmlns:mv="urn:schemas-microsoft-com:mac:vml" xmlns:p="http://schemas.openxmlformats.org/presentationml/2006/main" xmlns:c="http://schemas.openxmlformats.org/drawingml/2006/chart" xmlns:dgm="http://schemas.openxmlformats.org/drawingml/2006/diagram" xmlns:o="urn:schemas-microsoft-com:office:office" xmlns:v="urn:schemas-microsoft-com:vml" xmlns:pvml="urn:schemas-microsoft-com:office:powerpoint" xmlns:com="http://schemas.openxmlformats.org/drawingml/2006/compatibility" xmlns:p14="http://schemas.microsoft.com/office/powerpoint/2010/main" xmlns:p15="http://schemas.microsoft.com/office/powerpoint/2012/main" showMasterPhAnim="0" showMasterSp="0">
+<file path=ppt/notesSlides/notesSlide19.xml><?xml version="1.0" encoding="utf-8"?>
+<p:notes xmlns:a="http://schemas.openxmlformats.org/drawingml/2006/main" xmlns:r="http://schemas.openxmlformats.org/officeDocument/2006/relationships" xmlns:p="http://schemas.openxmlformats.org/presentationml/2006/main" showMasterSp="0" showMasterPhAnim="0">
   <p:cSld>
     <p:spTree>
       <p:nvGrpSpPr>
-        <p:cNvPr id="84" name="Shape 84"/>
+        <p:cNvPr id="1" name="Shape 173"/>
         <p:cNvGrpSpPr/>
         <p:nvPr/>
       </p:nvGrpSpPr>
@@ -1726,10 +1804,12 @@
       </p:grpSpPr>
       <p:sp>
         <p:nvSpPr>
-          <p:cNvPr id="85" name="Google Shape;85;g5ddf4187db_0_123:notes"/>
-          <p:cNvSpPr/>
+          <p:cNvPr id="174" name="Google Shape;174;g5de179ea56_0_98:notes"/>
+          <p:cNvSpPr>
+            <a:spLocks noGrp="1" noRot="1" noChangeAspect="1"/>
+          </p:cNvSpPr>
           <p:nvPr>
-            <p:ph idx="2" type="sldImg"/>
+            <p:ph type="sldImg" idx="2"/>
           </p:nvPr>
         </p:nvSpPr>
         <p:spPr>
@@ -1738,9 +1818,13 @@
             <a:ext cx="6096000" cy="3429000"/>
           </a:xfrm>
           <a:custGeom>
-            <a:rect b="b" l="l" r="r" t="t"/>
+            <a:avLst/>
+            <a:gdLst/>
+            <a:ahLst/>
+            <a:cxnLst/>
+            <a:rect l="l" t="t" r="r" b="b"/>
             <a:pathLst>
-              <a:path extrusionOk="0" h="120000" w="120000">
+              <a:path w="120000" h="120000" extrusionOk="0">
                 <a:moveTo>
                   <a:pt x="0" y="0"/>
                 </a:moveTo>
@@ -1761,10 +1845,12 @@
       </p:sp>
       <p:sp>
         <p:nvSpPr>
-          <p:cNvPr id="86" name="Google Shape;86;g5ddf4187db_0_123:notes"/>
-          <p:cNvSpPr txBox="1"/>
+          <p:cNvPr id="175" name="Google Shape;175;g5de179ea56_0_98:notes"/>
+          <p:cNvSpPr txBox="1">
+            <a:spLocks noGrp="1"/>
+          </p:cNvSpPr>
           <p:nvPr>
-            <p:ph idx="1" type="body"/>
+            <p:ph type="body" idx="1"/>
           </p:nvPr>
         </p:nvSpPr>
         <p:spPr>
@@ -1777,12 +1863,12 @@
           </a:prstGeom>
         </p:spPr>
         <p:txBody>
-          <a:bodyPr anchorCtr="0" anchor="t" bIns="91425" lIns="91425" spcFirstLastPara="1" rIns="91425" wrap="square" tIns="91425">
+          <a:bodyPr spcFirstLastPara="1" wrap="square" lIns="91425" tIns="91425" rIns="91425" bIns="91425" anchor="t" anchorCtr="0">
             <a:noAutofit/>
           </a:bodyPr>
           <a:lstStyle/>
           <a:p>
-            <a:pPr indent="0" lvl="0" marL="0" rtl="0" algn="l">
+            <a:pPr marL="0" lvl="0" indent="0" algn="l" rtl="0">
               <a:spcBef>
                 <a:spcPts val="0"/>
               </a:spcBef>
@@ -1791,9 +1877,6 @@
               </a:spcAft>
               <a:buNone/>
             </a:pPr>
-            <a:r>
-              <a:t/>
-            </a:r>
             <a:endParaRPr/>
           </a:p>
         </p:txBody>
@@ -1806,12 +1889,12 @@
 </p:notes>
 </file>
 
-<file path=ppt/notesSlides/notesSlide5.xml><?xml version="1.0" encoding="utf-8"?>
-<p:notes xmlns:a="http://schemas.openxmlformats.org/drawingml/2006/main" xmlns:r="http://schemas.openxmlformats.org/officeDocument/2006/relationships" xmlns:mc="http://schemas.openxmlformats.org/markup-compatibility/2006" xmlns:mv="urn:schemas-microsoft-com:mac:vml" xmlns:p="http://schemas.openxmlformats.org/presentationml/2006/main" xmlns:c="http://schemas.openxmlformats.org/drawingml/2006/chart" xmlns:dgm="http://schemas.openxmlformats.org/drawingml/2006/diagram" xmlns:o="urn:schemas-microsoft-com:office:office" xmlns:v="urn:schemas-microsoft-com:vml" xmlns:pvml="urn:schemas-microsoft-com:office:powerpoint" xmlns:com="http://schemas.openxmlformats.org/drawingml/2006/compatibility" xmlns:p14="http://schemas.microsoft.com/office/powerpoint/2010/main" xmlns:p15="http://schemas.microsoft.com/office/powerpoint/2012/main" showMasterPhAnim="0" showMasterSp="0">
+<file path=ppt/notesSlides/notesSlide2.xml><?xml version="1.0" encoding="utf-8"?>
+<p:notes xmlns:a="http://schemas.openxmlformats.org/drawingml/2006/main" xmlns:r="http://schemas.openxmlformats.org/officeDocument/2006/relationships" xmlns:p="http://schemas.openxmlformats.org/presentationml/2006/main" showMasterSp="0" showMasterPhAnim="0">
   <p:cSld>
     <p:spTree>
       <p:nvGrpSpPr>
-        <p:cNvPr id="91" name="Shape 91"/>
+        <p:cNvPr id="1" name="Shape 69"/>
         <p:cNvGrpSpPr/>
         <p:nvPr/>
       </p:nvGrpSpPr>
@@ -1825,10 +1908,12 @@
       </p:grpSpPr>
       <p:sp>
         <p:nvSpPr>
-          <p:cNvPr id="92" name="Google Shape;92;g5ddf4187db_0_118:notes"/>
-          <p:cNvSpPr/>
+          <p:cNvPr id="70" name="Google Shape;70;gcbab3a369_1_258:notes"/>
+          <p:cNvSpPr>
+            <a:spLocks noGrp="1" noRot="1" noChangeAspect="1"/>
+          </p:cNvSpPr>
           <p:nvPr>
-            <p:ph idx="2" type="sldImg"/>
+            <p:ph type="sldImg" idx="2"/>
           </p:nvPr>
         </p:nvSpPr>
         <p:spPr>
@@ -1837,9 +1922,13 @@
             <a:ext cx="6096000" cy="3429000"/>
           </a:xfrm>
           <a:custGeom>
-            <a:rect b="b" l="l" r="r" t="t"/>
+            <a:avLst/>
+            <a:gdLst/>
+            <a:ahLst/>
+            <a:cxnLst/>
+            <a:rect l="l" t="t" r="r" b="b"/>
             <a:pathLst>
-              <a:path extrusionOk="0" h="120000" w="120000">
+              <a:path w="120000" h="120000" extrusionOk="0">
                 <a:moveTo>
                   <a:pt x="0" y="0"/>
                 </a:moveTo>
@@ -1860,10 +1949,12 @@
       </p:sp>
       <p:sp>
         <p:nvSpPr>
-          <p:cNvPr id="93" name="Google Shape;93;g5ddf4187db_0_118:notes"/>
-          <p:cNvSpPr txBox="1"/>
+          <p:cNvPr id="71" name="Google Shape;71;gcbab3a369_1_258:notes"/>
+          <p:cNvSpPr txBox="1">
+            <a:spLocks noGrp="1"/>
+          </p:cNvSpPr>
           <p:nvPr>
-            <p:ph idx="1" type="body"/>
+            <p:ph type="body" idx="1"/>
           </p:nvPr>
         </p:nvSpPr>
         <p:spPr>
@@ -1876,12 +1967,12 @@
           </a:prstGeom>
         </p:spPr>
         <p:txBody>
-          <a:bodyPr anchorCtr="0" anchor="t" bIns="91425" lIns="91425" spcFirstLastPara="1" rIns="91425" wrap="square" tIns="91425">
+          <a:bodyPr spcFirstLastPara="1" wrap="square" lIns="91425" tIns="91425" rIns="91425" bIns="91425" anchor="t" anchorCtr="0">
             <a:noAutofit/>
           </a:bodyPr>
           <a:lstStyle/>
           <a:p>
-            <a:pPr indent="0" lvl="0" marL="0" rtl="0" algn="l">
+            <a:pPr marL="0" lvl="0" indent="0" algn="l" rtl="0">
               <a:spcBef>
                 <a:spcPts val="0"/>
               </a:spcBef>
@@ -1890,9 +1981,6 @@
               </a:spcAft>
               <a:buNone/>
             </a:pPr>
-            <a:r>
-              <a:t/>
-            </a:r>
             <a:endParaRPr/>
           </a:p>
         </p:txBody>
@@ -1905,12 +1993,12 @@
 </p:notes>
 </file>
 
-<file path=ppt/notesSlides/notesSlide6.xml><?xml version="1.0" encoding="utf-8"?>
-<p:notes xmlns:a="http://schemas.openxmlformats.org/drawingml/2006/main" xmlns:r="http://schemas.openxmlformats.org/officeDocument/2006/relationships" xmlns:mc="http://schemas.openxmlformats.org/markup-compatibility/2006" xmlns:mv="urn:schemas-microsoft-com:mac:vml" xmlns:p="http://schemas.openxmlformats.org/presentationml/2006/main" xmlns:c="http://schemas.openxmlformats.org/drawingml/2006/chart" xmlns:dgm="http://schemas.openxmlformats.org/drawingml/2006/diagram" xmlns:o="urn:schemas-microsoft-com:office:office" xmlns:v="urn:schemas-microsoft-com:vml" xmlns:pvml="urn:schemas-microsoft-com:office:powerpoint" xmlns:com="http://schemas.openxmlformats.org/drawingml/2006/compatibility" xmlns:p14="http://schemas.microsoft.com/office/powerpoint/2010/main" xmlns:p15="http://schemas.microsoft.com/office/powerpoint/2012/main" showMasterPhAnim="0" showMasterSp="0">
+<file path=ppt/notesSlides/notesSlide3.xml><?xml version="1.0" encoding="utf-8"?>
+<p:notes xmlns:a="http://schemas.openxmlformats.org/drawingml/2006/main" xmlns:r="http://schemas.openxmlformats.org/officeDocument/2006/relationships" xmlns:p="http://schemas.openxmlformats.org/presentationml/2006/main" showMasterSp="0" showMasterPhAnim="0">
   <p:cSld>
     <p:spTree>
       <p:nvGrpSpPr>
-        <p:cNvPr id="98" name="Shape 98"/>
+        <p:cNvPr id="1" name="Shape 77"/>
         <p:cNvGrpSpPr/>
         <p:nvPr/>
       </p:nvGrpSpPr>
@@ -1924,21 +2012,27 @@
       </p:grpSpPr>
       <p:sp>
         <p:nvSpPr>
-          <p:cNvPr id="99" name="Google Shape;99;g5de179ea56_0_16:notes"/>
-          <p:cNvSpPr/>
+          <p:cNvPr id="78" name="Google Shape;78;g742e3e7cd_1_33:notes"/>
+          <p:cNvSpPr>
+            <a:spLocks noGrp="1" noRot="1" noChangeAspect="1"/>
+          </p:cNvSpPr>
           <p:nvPr>
-            <p:ph idx="2" type="sldImg"/>
+            <p:ph type="sldImg" idx="2"/>
           </p:nvPr>
         </p:nvSpPr>
         <p:spPr>
           <a:xfrm>
-            <a:off x="381300" y="685800"/>
+            <a:off x="381000" y="685800"/>
             <a:ext cx="6096000" cy="3429000"/>
           </a:xfrm>
           <a:custGeom>
-            <a:rect b="b" l="l" r="r" t="t"/>
+            <a:avLst/>
+            <a:gdLst/>
+            <a:ahLst/>
+            <a:cxnLst/>
+            <a:rect l="l" t="t" r="r" b="b"/>
             <a:pathLst>
-              <a:path extrusionOk="0" h="120000" w="120000">
+              <a:path w="120000" h="120000" extrusionOk="0">
                 <a:moveTo>
                   <a:pt x="0" y="0"/>
                 </a:moveTo>
@@ -1959,10 +2053,12 @@
       </p:sp>
       <p:sp>
         <p:nvSpPr>
-          <p:cNvPr id="100" name="Google Shape;100;g5de179ea56_0_16:notes"/>
-          <p:cNvSpPr txBox="1"/>
+          <p:cNvPr id="79" name="Google Shape;79;g742e3e7cd_1_33:notes"/>
+          <p:cNvSpPr txBox="1">
+            <a:spLocks noGrp="1"/>
+          </p:cNvSpPr>
           <p:nvPr>
-            <p:ph idx="1" type="body"/>
+            <p:ph type="body" idx="1"/>
           </p:nvPr>
         </p:nvSpPr>
         <p:spPr>
@@ -1975,12 +2071,12 @@
           </a:prstGeom>
         </p:spPr>
         <p:txBody>
-          <a:bodyPr anchorCtr="0" anchor="t" bIns="91425" lIns="91425" spcFirstLastPara="1" rIns="91425" wrap="square" tIns="91425">
+          <a:bodyPr spcFirstLastPara="1" wrap="square" lIns="91425" tIns="91425" rIns="91425" bIns="91425" anchor="t" anchorCtr="0">
             <a:noAutofit/>
           </a:bodyPr>
           <a:lstStyle/>
           <a:p>
-            <a:pPr indent="0" lvl="0" marL="0" rtl="0" algn="l">
+            <a:pPr marL="0" lvl="0" indent="0" algn="l" rtl="0">
               <a:spcBef>
                 <a:spcPts val="0"/>
               </a:spcBef>
@@ -1989,9 +2085,6 @@
               </a:spcAft>
               <a:buNone/>
             </a:pPr>
-            <a:r>
-              <a:t/>
-            </a:r>
             <a:endParaRPr/>
           </a:p>
         </p:txBody>
@@ -2004,12 +2097,12 @@
 </p:notes>
 </file>
 
-<file path=ppt/notesSlides/notesSlide7.xml><?xml version="1.0" encoding="utf-8"?>
-<p:notes xmlns:a="http://schemas.openxmlformats.org/drawingml/2006/main" xmlns:r="http://schemas.openxmlformats.org/officeDocument/2006/relationships" xmlns:mc="http://schemas.openxmlformats.org/markup-compatibility/2006" xmlns:mv="urn:schemas-microsoft-com:mac:vml" xmlns:p="http://schemas.openxmlformats.org/presentationml/2006/main" xmlns:c="http://schemas.openxmlformats.org/drawingml/2006/chart" xmlns:dgm="http://schemas.openxmlformats.org/drawingml/2006/diagram" xmlns:o="urn:schemas-microsoft-com:office:office" xmlns:v="urn:schemas-microsoft-com:vml" xmlns:pvml="urn:schemas-microsoft-com:office:powerpoint" xmlns:com="http://schemas.openxmlformats.org/drawingml/2006/compatibility" xmlns:p14="http://schemas.microsoft.com/office/powerpoint/2010/main" xmlns:p15="http://schemas.microsoft.com/office/powerpoint/2012/main" showMasterPhAnim="0" showMasterSp="0">
+<file path=ppt/notesSlides/notesSlide4.xml><?xml version="1.0" encoding="utf-8"?>
+<p:notes xmlns:a="http://schemas.openxmlformats.org/drawingml/2006/main" xmlns:r="http://schemas.openxmlformats.org/officeDocument/2006/relationships" xmlns:p="http://schemas.openxmlformats.org/presentationml/2006/main" showMasterSp="0" showMasterPhAnim="0">
   <p:cSld>
     <p:spTree>
       <p:nvGrpSpPr>
-        <p:cNvPr id="104" name="Shape 104"/>
+        <p:cNvPr id="1" name="Shape 84"/>
         <p:cNvGrpSpPr/>
         <p:nvPr/>
       </p:nvGrpSpPr>
@@ -2023,21 +2116,27 @@
       </p:grpSpPr>
       <p:sp>
         <p:nvSpPr>
-          <p:cNvPr id="105" name="Google Shape;105;g5de179ea56_0_25:notes"/>
-          <p:cNvSpPr/>
+          <p:cNvPr id="85" name="Google Shape;85;g5ddf4187db_0_123:notes"/>
+          <p:cNvSpPr>
+            <a:spLocks noGrp="1" noRot="1" noChangeAspect="1"/>
+          </p:cNvSpPr>
           <p:nvPr>
-            <p:ph idx="2" type="sldImg"/>
+            <p:ph type="sldImg" idx="2"/>
           </p:nvPr>
         </p:nvSpPr>
         <p:spPr>
           <a:xfrm>
-            <a:off x="381300" y="685800"/>
+            <a:off x="381000" y="685800"/>
             <a:ext cx="6096000" cy="3429000"/>
           </a:xfrm>
           <a:custGeom>
-            <a:rect b="b" l="l" r="r" t="t"/>
+            <a:avLst/>
+            <a:gdLst/>
+            <a:ahLst/>
+            <a:cxnLst/>
+            <a:rect l="l" t="t" r="r" b="b"/>
             <a:pathLst>
-              <a:path extrusionOk="0" h="120000" w="120000">
+              <a:path w="120000" h="120000" extrusionOk="0">
                 <a:moveTo>
                   <a:pt x="0" y="0"/>
                 </a:moveTo>
@@ -2058,10 +2157,12 @@
       </p:sp>
       <p:sp>
         <p:nvSpPr>
-          <p:cNvPr id="106" name="Google Shape;106;g5de179ea56_0_25:notes"/>
-          <p:cNvSpPr txBox="1"/>
+          <p:cNvPr id="86" name="Google Shape;86;g5ddf4187db_0_123:notes"/>
+          <p:cNvSpPr txBox="1">
+            <a:spLocks noGrp="1"/>
+          </p:cNvSpPr>
           <p:nvPr>
-            <p:ph idx="1" type="body"/>
+            <p:ph type="body" idx="1"/>
           </p:nvPr>
         </p:nvSpPr>
         <p:spPr>
@@ -2074,12 +2175,12 @@
           </a:prstGeom>
         </p:spPr>
         <p:txBody>
-          <a:bodyPr anchorCtr="0" anchor="t" bIns="91425" lIns="91425" spcFirstLastPara="1" rIns="91425" wrap="square" tIns="91425">
+          <a:bodyPr spcFirstLastPara="1" wrap="square" lIns="91425" tIns="91425" rIns="91425" bIns="91425" anchor="t" anchorCtr="0">
             <a:noAutofit/>
           </a:bodyPr>
           <a:lstStyle/>
           <a:p>
-            <a:pPr indent="0" lvl="0" marL="0" rtl="0" algn="l">
+            <a:pPr marL="0" lvl="0" indent="0" algn="l" rtl="0">
               <a:spcBef>
                 <a:spcPts val="0"/>
               </a:spcBef>
@@ -2088,9 +2189,6 @@
               </a:spcAft>
               <a:buNone/>
             </a:pPr>
-            <a:r>
-              <a:t/>
-            </a:r>
             <a:endParaRPr/>
           </a:p>
         </p:txBody>
@@ -2103,12 +2201,12 @@
 </p:notes>
 </file>
 
-<file path=ppt/notesSlides/notesSlide8.xml><?xml version="1.0" encoding="utf-8"?>
-<p:notes xmlns:a="http://schemas.openxmlformats.org/drawingml/2006/main" xmlns:r="http://schemas.openxmlformats.org/officeDocument/2006/relationships" xmlns:mc="http://schemas.openxmlformats.org/markup-compatibility/2006" xmlns:mv="urn:schemas-microsoft-com:mac:vml" xmlns:p="http://schemas.openxmlformats.org/presentationml/2006/main" xmlns:c="http://schemas.openxmlformats.org/drawingml/2006/chart" xmlns:dgm="http://schemas.openxmlformats.org/drawingml/2006/diagram" xmlns:o="urn:schemas-microsoft-com:office:office" xmlns:v="urn:schemas-microsoft-com:vml" xmlns:pvml="urn:schemas-microsoft-com:office:powerpoint" xmlns:com="http://schemas.openxmlformats.org/drawingml/2006/compatibility" xmlns:p14="http://schemas.microsoft.com/office/powerpoint/2010/main" xmlns:p15="http://schemas.microsoft.com/office/powerpoint/2012/main" showMasterPhAnim="0" showMasterSp="0">
+<file path=ppt/notesSlides/notesSlide5.xml><?xml version="1.0" encoding="utf-8"?>
+<p:notes xmlns:a="http://schemas.openxmlformats.org/drawingml/2006/main" xmlns:r="http://schemas.openxmlformats.org/officeDocument/2006/relationships" xmlns:p="http://schemas.openxmlformats.org/presentationml/2006/main" showMasterSp="0" showMasterPhAnim="0">
   <p:cSld>
     <p:spTree>
       <p:nvGrpSpPr>
-        <p:cNvPr id="110" name="Shape 110"/>
+        <p:cNvPr id="1" name="Shape 91"/>
         <p:cNvGrpSpPr/>
         <p:nvPr/>
       </p:nvGrpSpPr>
@@ -2122,21 +2220,27 @@
       </p:grpSpPr>
       <p:sp>
         <p:nvSpPr>
-          <p:cNvPr id="111" name="Google Shape;111;g5ddf4187db_0_59:notes"/>
-          <p:cNvSpPr/>
+          <p:cNvPr id="92" name="Google Shape;92;g5ddf4187db_0_118:notes"/>
+          <p:cNvSpPr>
+            <a:spLocks noGrp="1" noRot="1" noChangeAspect="1"/>
+          </p:cNvSpPr>
           <p:nvPr>
-            <p:ph idx="2" type="sldImg"/>
+            <p:ph type="sldImg" idx="2"/>
           </p:nvPr>
         </p:nvSpPr>
         <p:spPr>
           <a:xfrm>
-            <a:off x="381300" y="685800"/>
+            <a:off x="381000" y="685800"/>
             <a:ext cx="6096000" cy="3429000"/>
           </a:xfrm>
           <a:custGeom>
-            <a:rect b="b" l="l" r="r" t="t"/>
+            <a:avLst/>
+            <a:gdLst/>
+            <a:ahLst/>
+            <a:cxnLst/>
+            <a:rect l="l" t="t" r="r" b="b"/>
             <a:pathLst>
-              <a:path extrusionOk="0" h="120000" w="120000">
+              <a:path w="120000" h="120000" extrusionOk="0">
                 <a:moveTo>
                   <a:pt x="0" y="0"/>
                 </a:moveTo>
@@ -2157,10 +2261,12 @@
       </p:sp>
       <p:sp>
         <p:nvSpPr>
-          <p:cNvPr id="112" name="Google Shape;112;g5ddf4187db_0_59:notes"/>
-          <p:cNvSpPr txBox="1"/>
+          <p:cNvPr id="93" name="Google Shape;93;g5ddf4187db_0_118:notes"/>
+          <p:cNvSpPr txBox="1">
+            <a:spLocks noGrp="1"/>
+          </p:cNvSpPr>
           <p:nvPr>
-            <p:ph idx="1" type="body"/>
+            <p:ph type="body" idx="1"/>
           </p:nvPr>
         </p:nvSpPr>
         <p:spPr>
@@ -2173,12 +2279,12 @@
           </a:prstGeom>
         </p:spPr>
         <p:txBody>
-          <a:bodyPr anchorCtr="0" anchor="t" bIns="91425" lIns="91425" spcFirstLastPara="1" rIns="91425" wrap="square" tIns="91425">
+          <a:bodyPr spcFirstLastPara="1" wrap="square" lIns="91425" tIns="91425" rIns="91425" bIns="91425" anchor="t" anchorCtr="0">
             <a:noAutofit/>
           </a:bodyPr>
           <a:lstStyle/>
           <a:p>
-            <a:pPr indent="0" lvl="0" marL="0" rtl="0" algn="l">
+            <a:pPr marL="0" lvl="0" indent="0" algn="l" rtl="0">
               <a:spcBef>
                 <a:spcPts val="0"/>
               </a:spcBef>
@@ -2187,9 +2293,6 @@
               </a:spcAft>
               <a:buNone/>
             </a:pPr>
-            <a:r>
-              <a:t/>
-            </a:r>
             <a:endParaRPr/>
           </a:p>
         </p:txBody>
@@ -2202,12 +2305,12 @@
 </p:notes>
 </file>
 
-<file path=ppt/notesSlides/notesSlide9.xml><?xml version="1.0" encoding="utf-8"?>
-<p:notes xmlns:a="http://schemas.openxmlformats.org/drawingml/2006/main" xmlns:r="http://schemas.openxmlformats.org/officeDocument/2006/relationships" xmlns:mc="http://schemas.openxmlformats.org/markup-compatibility/2006" xmlns:mv="urn:schemas-microsoft-com:mac:vml" xmlns:p="http://schemas.openxmlformats.org/presentationml/2006/main" xmlns:c="http://schemas.openxmlformats.org/drawingml/2006/chart" xmlns:dgm="http://schemas.openxmlformats.org/drawingml/2006/diagram" xmlns:o="urn:schemas-microsoft-com:office:office" xmlns:v="urn:schemas-microsoft-com:vml" xmlns:pvml="urn:schemas-microsoft-com:office:powerpoint" xmlns:com="http://schemas.openxmlformats.org/drawingml/2006/compatibility" xmlns:p14="http://schemas.microsoft.com/office/powerpoint/2010/main" xmlns:p15="http://schemas.microsoft.com/office/powerpoint/2012/main" showMasterPhAnim="0" showMasterSp="0">
+<file path=ppt/notesSlides/notesSlide6.xml><?xml version="1.0" encoding="utf-8"?>
+<p:notes xmlns:a="http://schemas.openxmlformats.org/drawingml/2006/main" xmlns:r="http://schemas.openxmlformats.org/officeDocument/2006/relationships" xmlns:p="http://schemas.openxmlformats.org/presentationml/2006/main" showMasterSp="0" showMasterPhAnim="0">
   <p:cSld>
     <p:spTree>
       <p:nvGrpSpPr>
-        <p:cNvPr id="117" name="Shape 117"/>
+        <p:cNvPr id="1" name="Shape 98"/>
         <p:cNvGrpSpPr/>
         <p:nvPr/>
       </p:nvGrpSpPr>
@@ -2221,10 +2324,12 @@
       </p:grpSpPr>
       <p:sp>
         <p:nvSpPr>
-          <p:cNvPr id="118" name="Google Shape;118;g5de179ea56_0_0:notes"/>
-          <p:cNvSpPr/>
+          <p:cNvPr id="99" name="Google Shape;99;g5de179ea56_0_16:notes"/>
+          <p:cNvSpPr>
+            <a:spLocks noGrp="1" noRot="1" noChangeAspect="1"/>
+          </p:cNvSpPr>
           <p:nvPr>
-            <p:ph idx="2" type="sldImg"/>
+            <p:ph type="sldImg" idx="2"/>
           </p:nvPr>
         </p:nvSpPr>
         <p:spPr>
@@ -2233,9 +2338,13 @@
             <a:ext cx="6096000" cy="3429000"/>
           </a:xfrm>
           <a:custGeom>
-            <a:rect b="b" l="l" r="r" t="t"/>
+            <a:avLst/>
+            <a:gdLst/>
+            <a:ahLst/>
+            <a:cxnLst/>
+            <a:rect l="l" t="t" r="r" b="b"/>
             <a:pathLst>
-              <a:path extrusionOk="0" h="120000" w="120000">
+              <a:path w="120000" h="120000" extrusionOk="0">
                 <a:moveTo>
                   <a:pt x="0" y="0"/>
                 </a:moveTo>
@@ -2256,10 +2365,12 @@
       </p:sp>
       <p:sp>
         <p:nvSpPr>
-          <p:cNvPr id="119" name="Google Shape;119;g5de179ea56_0_0:notes"/>
-          <p:cNvSpPr txBox="1"/>
+          <p:cNvPr id="100" name="Google Shape;100;g5de179ea56_0_16:notes"/>
+          <p:cNvSpPr txBox="1">
+            <a:spLocks noGrp="1"/>
+          </p:cNvSpPr>
           <p:nvPr>
-            <p:ph idx="1" type="body"/>
+            <p:ph type="body" idx="1"/>
           </p:nvPr>
         </p:nvSpPr>
         <p:spPr>
@@ -2272,12 +2383,12 @@
           </a:prstGeom>
         </p:spPr>
         <p:txBody>
-          <a:bodyPr anchorCtr="0" anchor="t" bIns="91425" lIns="91425" spcFirstLastPara="1" rIns="91425" wrap="square" tIns="91425">
+          <a:bodyPr spcFirstLastPara="1" wrap="square" lIns="91425" tIns="91425" rIns="91425" bIns="91425" anchor="t" anchorCtr="0">
             <a:noAutofit/>
           </a:bodyPr>
           <a:lstStyle/>
           <a:p>
-            <a:pPr indent="0" lvl="0" marL="0" rtl="0" algn="l">
+            <a:pPr marL="0" lvl="0" indent="0" algn="l" rtl="0">
               <a:spcBef>
                 <a:spcPts val="0"/>
               </a:spcBef>
@@ -2286,9 +2397,6 @@
               </a:spcAft>
               <a:buNone/>
             </a:pPr>
-            <a:r>
-              <a:t/>
-            </a:r>
             <a:endParaRPr/>
           </a:p>
         </p:txBody>
@@ -2301,12 +2409,12 @@
 </p:notes>
 </file>
 
-<file path=ppt/slideLayouts/slideLayout1.xml><?xml version="1.0" encoding="utf-8"?>
-<p:sldLayout xmlns:a="http://schemas.openxmlformats.org/drawingml/2006/main" xmlns:r="http://schemas.openxmlformats.org/officeDocument/2006/relationships" xmlns:mc="http://schemas.openxmlformats.org/markup-compatibility/2006" xmlns:mv="urn:schemas-microsoft-com:mac:vml" xmlns:p="http://schemas.openxmlformats.org/presentationml/2006/main" xmlns:c="http://schemas.openxmlformats.org/drawingml/2006/chart" xmlns:dgm="http://schemas.openxmlformats.org/drawingml/2006/diagram" xmlns:o="urn:schemas-microsoft-com:office:office" xmlns:v="urn:schemas-microsoft-com:vml" xmlns:pvml="urn:schemas-microsoft-com:office:powerpoint" xmlns:com="http://schemas.openxmlformats.org/drawingml/2006/compatibility" xmlns:p14="http://schemas.microsoft.com/office/powerpoint/2010/main" xmlns:p15="http://schemas.microsoft.com/office/powerpoint/2012/main" matchingName="Title slide" type="title">
-  <p:cSld name="TITLE">
+<file path=ppt/notesSlides/notesSlide7.xml><?xml version="1.0" encoding="utf-8"?>
+<p:notes xmlns:a="http://schemas.openxmlformats.org/drawingml/2006/main" xmlns:r="http://schemas.openxmlformats.org/officeDocument/2006/relationships" xmlns:p="http://schemas.openxmlformats.org/presentationml/2006/main" showMasterSp="0" showMasterPhAnim="0">
+  <p:cSld>
     <p:spTree>
       <p:nvGrpSpPr>
-        <p:cNvPr id="9" name="Shape 9"/>
+        <p:cNvPr id="1" name="Shape 104"/>
         <p:cNvGrpSpPr/>
         <p:nvPr/>
       </p:nvGrpSpPr>
@@ -2320,6 +2428,323 @@
       </p:grpSpPr>
       <p:sp>
         <p:nvSpPr>
+          <p:cNvPr id="105" name="Google Shape;105;g5de179ea56_0_25:notes"/>
+          <p:cNvSpPr>
+            <a:spLocks noGrp="1" noRot="1" noChangeAspect="1"/>
+          </p:cNvSpPr>
+          <p:nvPr>
+            <p:ph type="sldImg" idx="2"/>
+          </p:nvPr>
+        </p:nvSpPr>
+        <p:spPr>
+          <a:xfrm>
+            <a:off x="381300" y="685800"/>
+            <a:ext cx="6096000" cy="3429000"/>
+          </a:xfrm>
+          <a:custGeom>
+            <a:avLst/>
+            <a:gdLst/>
+            <a:ahLst/>
+            <a:cxnLst/>
+            <a:rect l="l" t="t" r="r" b="b"/>
+            <a:pathLst>
+              <a:path w="120000" h="120000" extrusionOk="0">
+                <a:moveTo>
+                  <a:pt x="0" y="0"/>
+                </a:moveTo>
+                <a:lnTo>
+                  <a:pt x="120000" y="0"/>
+                </a:lnTo>
+                <a:lnTo>
+                  <a:pt x="120000" y="120000"/>
+                </a:lnTo>
+                <a:lnTo>
+                  <a:pt x="0" y="120000"/>
+                </a:lnTo>
+                <a:close/>
+              </a:path>
+            </a:pathLst>
+          </a:custGeom>
+        </p:spPr>
+      </p:sp>
+      <p:sp>
+        <p:nvSpPr>
+          <p:cNvPr id="106" name="Google Shape;106;g5de179ea56_0_25:notes"/>
+          <p:cNvSpPr txBox="1">
+            <a:spLocks noGrp="1"/>
+          </p:cNvSpPr>
+          <p:nvPr>
+            <p:ph type="body" idx="1"/>
+          </p:nvPr>
+        </p:nvSpPr>
+        <p:spPr>
+          <a:xfrm>
+            <a:off x="685800" y="4343400"/>
+            <a:ext cx="5486400" cy="4114800"/>
+          </a:xfrm>
+          <a:prstGeom prst="rect">
+            <a:avLst/>
+          </a:prstGeom>
+        </p:spPr>
+        <p:txBody>
+          <a:bodyPr spcFirstLastPara="1" wrap="square" lIns="91425" tIns="91425" rIns="91425" bIns="91425" anchor="t" anchorCtr="0">
+            <a:noAutofit/>
+          </a:bodyPr>
+          <a:lstStyle/>
+          <a:p>
+            <a:pPr marL="0" lvl="0" indent="0" algn="l" rtl="0">
+              <a:spcBef>
+                <a:spcPts val="0"/>
+              </a:spcBef>
+              <a:spcAft>
+                <a:spcPts val="0"/>
+              </a:spcAft>
+              <a:buNone/>
+            </a:pPr>
+            <a:endParaRPr/>
+          </a:p>
+        </p:txBody>
+      </p:sp>
+    </p:spTree>
+  </p:cSld>
+  <p:clrMapOvr>
+    <a:masterClrMapping/>
+  </p:clrMapOvr>
+</p:notes>
+</file>
+
+<file path=ppt/notesSlides/notesSlide8.xml><?xml version="1.0" encoding="utf-8"?>
+<p:notes xmlns:a="http://schemas.openxmlformats.org/drawingml/2006/main" xmlns:r="http://schemas.openxmlformats.org/officeDocument/2006/relationships" xmlns:p="http://schemas.openxmlformats.org/presentationml/2006/main" showMasterSp="0" showMasterPhAnim="0">
+  <p:cSld>
+    <p:spTree>
+      <p:nvGrpSpPr>
+        <p:cNvPr id="1" name="Shape 110"/>
+        <p:cNvGrpSpPr/>
+        <p:nvPr/>
+      </p:nvGrpSpPr>
+      <p:grpSpPr>
+        <a:xfrm>
+          <a:off x="0" y="0"/>
+          <a:ext cx="0" cy="0"/>
+          <a:chOff x="0" y="0"/>
+          <a:chExt cx="0" cy="0"/>
+        </a:xfrm>
+      </p:grpSpPr>
+      <p:sp>
+        <p:nvSpPr>
+          <p:cNvPr id="111" name="Google Shape;111;g5ddf4187db_0_59:notes"/>
+          <p:cNvSpPr>
+            <a:spLocks noGrp="1" noRot="1" noChangeAspect="1"/>
+          </p:cNvSpPr>
+          <p:nvPr>
+            <p:ph type="sldImg" idx="2"/>
+          </p:nvPr>
+        </p:nvSpPr>
+        <p:spPr>
+          <a:xfrm>
+            <a:off x="381000" y="685800"/>
+            <a:ext cx="6096000" cy="3429000"/>
+          </a:xfrm>
+          <a:custGeom>
+            <a:avLst/>
+            <a:gdLst/>
+            <a:ahLst/>
+            <a:cxnLst/>
+            <a:rect l="l" t="t" r="r" b="b"/>
+            <a:pathLst>
+              <a:path w="120000" h="120000" extrusionOk="0">
+                <a:moveTo>
+                  <a:pt x="0" y="0"/>
+                </a:moveTo>
+                <a:lnTo>
+                  <a:pt x="120000" y="0"/>
+                </a:lnTo>
+                <a:lnTo>
+                  <a:pt x="120000" y="120000"/>
+                </a:lnTo>
+                <a:lnTo>
+                  <a:pt x="0" y="120000"/>
+                </a:lnTo>
+                <a:close/>
+              </a:path>
+            </a:pathLst>
+          </a:custGeom>
+        </p:spPr>
+      </p:sp>
+      <p:sp>
+        <p:nvSpPr>
+          <p:cNvPr id="112" name="Google Shape;112;g5ddf4187db_0_59:notes"/>
+          <p:cNvSpPr txBox="1">
+            <a:spLocks noGrp="1"/>
+          </p:cNvSpPr>
+          <p:nvPr>
+            <p:ph type="body" idx="1"/>
+          </p:nvPr>
+        </p:nvSpPr>
+        <p:spPr>
+          <a:xfrm>
+            <a:off x="685800" y="4343400"/>
+            <a:ext cx="5486400" cy="4114800"/>
+          </a:xfrm>
+          <a:prstGeom prst="rect">
+            <a:avLst/>
+          </a:prstGeom>
+        </p:spPr>
+        <p:txBody>
+          <a:bodyPr spcFirstLastPara="1" wrap="square" lIns="91425" tIns="91425" rIns="91425" bIns="91425" anchor="t" anchorCtr="0">
+            <a:noAutofit/>
+          </a:bodyPr>
+          <a:lstStyle/>
+          <a:p>
+            <a:pPr marL="0" lvl="0" indent="0" algn="l" rtl="0">
+              <a:spcBef>
+                <a:spcPts val="0"/>
+              </a:spcBef>
+              <a:spcAft>
+                <a:spcPts val="0"/>
+              </a:spcAft>
+              <a:buNone/>
+            </a:pPr>
+            <a:endParaRPr/>
+          </a:p>
+        </p:txBody>
+      </p:sp>
+    </p:spTree>
+    <p:extLst>
+      <p:ext uri="{BB962C8B-B14F-4D97-AF65-F5344CB8AC3E}">
+        <p14:creationId xmlns:p14="http://schemas.microsoft.com/office/powerpoint/2010/main" val="3564502630"/>
+      </p:ext>
+    </p:extLst>
+  </p:cSld>
+  <p:clrMapOvr>
+    <a:masterClrMapping/>
+  </p:clrMapOvr>
+</p:notes>
+</file>
+
+<file path=ppt/notesSlides/notesSlide9.xml><?xml version="1.0" encoding="utf-8"?>
+<p:notes xmlns:a="http://schemas.openxmlformats.org/drawingml/2006/main" xmlns:r="http://schemas.openxmlformats.org/officeDocument/2006/relationships" xmlns:p="http://schemas.openxmlformats.org/presentationml/2006/main" showMasterSp="0" showMasterPhAnim="0">
+  <p:cSld>
+    <p:spTree>
+      <p:nvGrpSpPr>
+        <p:cNvPr id="1" name="Shape 110"/>
+        <p:cNvGrpSpPr/>
+        <p:nvPr/>
+      </p:nvGrpSpPr>
+      <p:grpSpPr>
+        <a:xfrm>
+          <a:off x="0" y="0"/>
+          <a:ext cx="0" cy="0"/>
+          <a:chOff x="0" y="0"/>
+          <a:chExt cx="0" cy="0"/>
+        </a:xfrm>
+      </p:grpSpPr>
+      <p:sp>
+        <p:nvSpPr>
+          <p:cNvPr id="111" name="Google Shape;111;g5ddf4187db_0_59:notes"/>
+          <p:cNvSpPr>
+            <a:spLocks noGrp="1" noRot="1" noChangeAspect="1"/>
+          </p:cNvSpPr>
+          <p:nvPr>
+            <p:ph type="sldImg" idx="2"/>
+          </p:nvPr>
+        </p:nvSpPr>
+        <p:spPr>
+          <a:xfrm>
+            <a:off x="381300" y="685800"/>
+            <a:ext cx="6096000" cy="3429000"/>
+          </a:xfrm>
+          <a:custGeom>
+            <a:avLst/>
+            <a:gdLst/>
+            <a:ahLst/>
+            <a:cxnLst/>
+            <a:rect l="l" t="t" r="r" b="b"/>
+            <a:pathLst>
+              <a:path w="120000" h="120000" extrusionOk="0">
+                <a:moveTo>
+                  <a:pt x="0" y="0"/>
+                </a:moveTo>
+                <a:lnTo>
+                  <a:pt x="120000" y="0"/>
+                </a:lnTo>
+                <a:lnTo>
+                  <a:pt x="120000" y="120000"/>
+                </a:lnTo>
+                <a:lnTo>
+                  <a:pt x="0" y="120000"/>
+                </a:lnTo>
+                <a:close/>
+              </a:path>
+            </a:pathLst>
+          </a:custGeom>
+        </p:spPr>
+      </p:sp>
+      <p:sp>
+        <p:nvSpPr>
+          <p:cNvPr id="112" name="Google Shape;112;g5ddf4187db_0_59:notes"/>
+          <p:cNvSpPr txBox="1">
+            <a:spLocks noGrp="1"/>
+          </p:cNvSpPr>
+          <p:nvPr>
+            <p:ph type="body" idx="1"/>
+          </p:nvPr>
+        </p:nvSpPr>
+        <p:spPr>
+          <a:xfrm>
+            <a:off x="685800" y="4343400"/>
+            <a:ext cx="5486400" cy="4114800"/>
+          </a:xfrm>
+          <a:prstGeom prst="rect">
+            <a:avLst/>
+          </a:prstGeom>
+        </p:spPr>
+        <p:txBody>
+          <a:bodyPr spcFirstLastPara="1" wrap="square" lIns="91425" tIns="91425" rIns="91425" bIns="91425" anchor="t" anchorCtr="0">
+            <a:noAutofit/>
+          </a:bodyPr>
+          <a:lstStyle/>
+          <a:p>
+            <a:pPr marL="0" lvl="0" indent="0" algn="l" rtl="0">
+              <a:spcBef>
+                <a:spcPts val="0"/>
+              </a:spcBef>
+              <a:spcAft>
+                <a:spcPts val="0"/>
+              </a:spcAft>
+              <a:buNone/>
+            </a:pPr>
+            <a:endParaRPr/>
+          </a:p>
+        </p:txBody>
+      </p:sp>
+    </p:spTree>
+  </p:cSld>
+  <p:clrMapOvr>
+    <a:masterClrMapping/>
+  </p:clrMapOvr>
+</p:notes>
+</file>
+
+<file path=ppt/slideLayouts/slideLayout1.xml><?xml version="1.0" encoding="utf-8"?>
+<p:sldLayout xmlns:a="http://schemas.openxmlformats.org/drawingml/2006/main" xmlns:r="http://schemas.openxmlformats.org/officeDocument/2006/relationships" xmlns:p="http://schemas.openxmlformats.org/presentationml/2006/main" matchingName="Title slide" type="title">
+  <p:cSld name="TITLE">
+    <p:spTree>
+      <p:nvGrpSpPr>
+        <p:cNvPr id="1" name="Shape 9"/>
+        <p:cNvGrpSpPr/>
+        <p:nvPr/>
+      </p:nvGrpSpPr>
+      <p:grpSpPr>
+        <a:xfrm>
+          <a:off x="0" y="0"/>
+          <a:ext cx="0" cy="0"/>
+          <a:chOff x="0" y="0"/>
+          <a:chExt cx="0" cy="0"/>
+        </a:xfrm>
+      </p:grpSpPr>
+      <p:sp>
+        <p:nvSpPr>
           <p:cNvPr id="10" name="Google Shape;10;p2"/>
           <p:cNvSpPr/>
           <p:nvPr/>
@@ -2330,9 +2755,13 @@
             <a:ext cx="1081625" cy="1124950"/>
           </a:xfrm>
           <a:custGeom>
-            <a:rect b="b" l="l" r="r" t="t"/>
+            <a:avLst/>
+            <a:gdLst/>
+            <a:ahLst/>
+            <a:cxnLst/>
+            <a:rect l="l" t="t" r="r" b="b"/>
             <a:pathLst>
-              <a:path extrusionOk="0" h="44998" w="43265">
+              <a:path w="43265" h="44998" extrusionOk="0">
                 <a:moveTo>
                   <a:pt x="0" y="44998"/>
                 </a:moveTo>
@@ -2346,14 +2775,14 @@
             </a:pathLst>
           </a:custGeom>
           <a:noFill/>
-          <a:ln cap="flat" cmpd="sng" w="28575">
+          <a:ln w="28575" cap="flat" cmpd="sng">
             <a:solidFill>
               <a:schemeClr val="lt2"/>
             </a:solidFill>
             <a:prstDash val="solid"/>
             <a:miter lim="8000"/>
-            <a:headEnd len="sm" w="sm" type="none"/>
-            <a:tailEnd len="sm" w="sm" type="none"/>
+            <a:headEnd type="none" w="sm" len="sm"/>
+            <a:tailEnd type="none" w="sm" len="sm"/>
           </a:ln>
         </p:spPr>
       </p:sp>
@@ -2369,9 +2798,13 @@
             <a:ext cx="1081625" cy="1124950"/>
           </a:xfrm>
           <a:custGeom>
-            <a:rect b="b" l="l" r="r" t="t"/>
+            <a:avLst/>
+            <a:gdLst/>
+            <a:ahLst/>
+            <a:cxnLst/>
+            <a:rect l="l" t="t" r="r" b="b"/>
             <a:pathLst>
-              <a:path extrusionOk="0" h="44998" w="43265">
+              <a:path w="43265" h="44998" extrusionOk="0">
                 <a:moveTo>
                   <a:pt x="0" y="44998"/>
                 </a:moveTo>
@@ -2385,21 +2818,23 @@
             </a:pathLst>
           </a:custGeom>
           <a:noFill/>
-          <a:ln cap="flat" cmpd="sng" w="28575">
+          <a:ln w="28575" cap="flat" cmpd="sng">
             <a:solidFill>
               <a:schemeClr val="lt2"/>
             </a:solidFill>
             <a:prstDash val="solid"/>
             <a:miter lim="8000"/>
-            <a:headEnd len="sm" w="sm" type="none"/>
-            <a:tailEnd len="sm" w="sm" type="none"/>
+            <a:headEnd type="none" w="sm" len="sm"/>
+            <a:tailEnd type="none" w="sm" len="sm"/>
           </a:ln>
         </p:spPr>
       </p:sp>
       <p:sp>
         <p:nvSpPr>
           <p:cNvPr id="12" name="Google Shape;12;p2"/>
-          <p:cNvSpPr txBox="1"/>
+          <p:cNvSpPr txBox="1">
+            <a:spLocks noGrp="1"/>
+          </p:cNvSpPr>
           <p:nvPr>
             <p:ph type="ctrTitle"/>
           </p:nvPr>
@@ -2414,7 +2849,7 @@
           </a:prstGeom>
         </p:spPr>
         <p:txBody>
-          <a:bodyPr anchorCtr="0" anchor="b" bIns="91425" lIns="91425" spcFirstLastPara="1" rIns="91425" wrap="square" tIns="91425">
+          <a:bodyPr spcFirstLastPara="1" wrap="square" lIns="91425" tIns="91425" rIns="91425" bIns="91425" anchor="b" anchorCtr="0">
             <a:noAutofit/>
           </a:bodyPr>
           <a:lstStyle>
@@ -2518,15 +2953,19 @@
               <a:defRPr/>
             </a:lvl9pPr>
           </a:lstStyle>
-          <a:p/>
+          <a:p>
+            <a:endParaRPr/>
+          </a:p>
         </p:txBody>
       </p:sp>
       <p:sp>
         <p:nvSpPr>
           <p:cNvPr id="13" name="Google Shape;13;p2"/>
-          <p:cNvSpPr txBox="1"/>
+          <p:cNvSpPr txBox="1">
+            <a:spLocks noGrp="1"/>
+          </p:cNvSpPr>
           <p:nvPr>
-            <p:ph idx="1" type="subTitle"/>
+            <p:ph type="subTitle" idx="1"/>
           </p:nvPr>
         </p:nvSpPr>
         <p:spPr>
@@ -2539,7 +2978,7 @@
           </a:prstGeom>
         </p:spPr>
         <p:txBody>
-          <a:bodyPr anchorCtr="0" anchor="t" bIns="91425" lIns="91425" spcFirstLastPara="1" rIns="91425" wrap="square" tIns="91425">
+          <a:bodyPr spcFirstLastPara="1" wrap="square" lIns="91425" tIns="91425" rIns="91425" bIns="91425" anchor="t" anchorCtr="0">
             <a:noAutofit/>
           </a:bodyPr>
           <a:lstStyle>
@@ -2724,15 +3163,19 @@
               </a:defRPr>
             </a:lvl9pPr>
           </a:lstStyle>
-          <a:p/>
+          <a:p>
+            <a:endParaRPr/>
+          </a:p>
         </p:txBody>
       </p:sp>
       <p:sp>
         <p:nvSpPr>
           <p:cNvPr id="14" name="Google Shape;14;p2"/>
-          <p:cNvSpPr txBox="1"/>
+          <p:cNvSpPr txBox="1">
+            <a:spLocks noGrp="1"/>
+          </p:cNvSpPr>
           <p:nvPr>
-            <p:ph idx="12" type="sldNum"/>
+            <p:ph type="sldNum" idx="12"/>
           </p:nvPr>
         </p:nvSpPr>
         <p:spPr>
@@ -2745,7 +3188,7 @@
           </a:prstGeom>
         </p:spPr>
         <p:txBody>
-          <a:bodyPr anchorCtr="0" anchor="ctr" bIns="91425" lIns="91425" spcFirstLastPara="1" rIns="91425" wrap="square" tIns="91425">
+          <a:bodyPr spcFirstLastPara="1" wrap="square" lIns="91425" tIns="91425" rIns="91425" bIns="91425" anchor="ctr" anchorCtr="0">
             <a:noAutofit/>
           </a:bodyPr>
           <a:lstStyle>
@@ -2787,7 +3230,7 @@
             </a:lvl9pPr>
           </a:lstStyle>
           <a:p>
-            <a:pPr indent="0" lvl="0" marL="0" rtl="0" algn="r">
+            <a:pPr marL="0" lvl="0" indent="0" algn="r" rtl="0">
               <a:spcBef>
                 <a:spcPts val="0"/>
               </a:spcBef>
@@ -2813,11 +3256,11 @@
 </file>
 
 <file path=ppt/slideLayouts/slideLayout10.xml><?xml version="1.0" encoding="utf-8"?>
-<p:sldLayout xmlns:a="http://schemas.openxmlformats.org/drawingml/2006/main" xmlns:r="http://schemas.openxmlformats.org/officeDocument/2006/relationships" xmlns:mc="http://schemas.openxmlformats.org/markup-compatibility/2006" xmlns:mv="urn:schemas-microsoft-com:mac:vml" xmlns:p="http://schemas.openxmlformats.org/presentationml/2006/main" xmlns:c="http://schemas.openxmlformats.org/drawingml/2006/chart" xmlns:dgm="http://schemas.openxmlformats.org/drawingml/2006/diagram" xmlns:o="urn:schemas-microsoft-com:office:office" xmlns:v="urn:schemas-microsoft-com:vml" xmlns:pvml="urn:schemas-microsoft-com:office:powerpoint" xmlns:com="http://schemas.openxmlformats.org/drawingml/2006/compatibility" xmlns:p14="http://schemas.microsoft.com/office/powerpoint/2010/main" xmlns:p15="http://schemas.microsoft.com/office/powerpoint/2012/main" matchingName="Big number">
+<p:sldLayout xmlns:a="http://schemas.openxmlformats.org/drawingml/2006/main" xmlns:r="http://schemas.openxmlformats.org/officeDocument/2006/relationships" xmlns:p="http://schemas.openxmlformats.org/presentationml/2006/main" matchingName="Big number">
   <p:cSld name="BIG_NUMBER">
     <p:spTree>
       <p:nvGrpSpPr>
-        <p:cNvPr id="51" name="Shape 51"/>
+        <p:cNvPr id="1" name="Shape 51"/>
         <p:cNvGrpSpPr/>
         <p:nvPr/>
       </p:nvGrpSpPr>
@@ -2851,12 +3294,12 @@
           </a:ln>
         </p:spPr>
         <p:txBody>
-          <a:bodyPr anchorCtr="0" anchor="ctr" bIns="91425" lIns="91425" spcFirstLastPara="1" rIns="91425" wrap="square" tIns="91425">
+          <a:bodyPr spcFirstLastPara="1" wrap="square" lIns="91425" tIns="91425" rIns="91425" bIns="91425" anchor="ctr" anchorCtr="0">
             <a:noAutofit/>
           </a:bodyPr>
           <a:lstStyle/>
           <a:p>
-            <a:pPr indent="0" lvl="0" marL="0" rtl="0" algn="l">
+            <a:pPr marL="0" lvl="0" indent="0" algn="l" rtl="0">
               <a:spcBef>
                 <a:spcPts val="0"/>
               </a:spcBef>
@@ -2865,9 +3308,6 @@
               </a:spcAft>
               <a:buNone/>
             </a:pPr>
-            <a:r>
-              <a:t/>
-            </a:r>
             <a:endParaRPr/>
           </a:p>
         </p:txBody>
@@ -2875,9 +3315,11 @@
       <p:sp>
         <p:nvSpPr>
           <p:cNvPr id="53" name="Google Shape;53;p11"/>
-          <p:cNvSpPr txBox="1"/>
+          <p:cNvSpPr txBox="1">
+            <a:spLocks noGrp="1"/>
+          </p:cNvSpPr>
           <p:nvPr>
-            <p:ph hasCustomPrompt="1" type="title"/>
+            <p:ph type="title" hasCustomPrompt="1"/>
           </p:nvPr>
         </p:nvSpPr>
         <p:spPr>
@@ -2890,7 +3332,7 @@
           </a:prstGeom>
         </p:spPr>
         <p:txBody>
-          <a:bodyPr anchorCtr="0" anchor="ctr" bIns="91425" lIns="91425" spcFirstLastPara="1" rIns="91425" wrap="square" tIns="91425">
+          <a:bodyPr spcFirstLastPara="1" wrap="square" lIns="91425" tIns="91425" rIns="91425" bIns="91425" anchor="ctr" anchorCtr="0">
             <a:noAutofit/>
           </a:bodyPr>
           <a:lstStyle>
@@ -3067,9 +3509,11 @@
       <p:sp>
         <p:nvSpPr>
           <p:cNvPr id="54" name="Google Shape;54;p11"/>
-          <p:cNvSpPr txBox="1"/>
+          <p:cNvSpPr txBox="1">
+            <a:spLocks noGrp="1"/>
+          </p:cNvSpPr>
           <p:nvPr>
-            <p:ph idx="1" type="body"/>
+            <p:ph type="body" idx="1"/>
           </p:nvPr>
         </p:nvSpPr>
         <p:spPr>
@@ -3082,11 +3526,11 @@
           </a:prstGeom>
         </p:spPr>
         <p:txBody>
-          <a:bodyPr anchorCtr="0" anchor="t" bIns="91425" lIns="91425" spcFirstLastPara="1" rIns="91425" wrap="square" tIns="91425">
+          <a:bodyPr spcFirstLastPara="1" wrap="square" lIns="91425" tIns="91425" rIns="91425" bIns="91425" anchor="t" anchorCtr="0">
             <a:noAutofit/>
           </a:bodyPr>
           <a:lstStyle>
-            <a:lvl1pPr indent="-342900" lvl="0" marL="457200" algn="ctr">
+            <a:lvl1pPr marL="457200" lvl="0" indent="-342900" algn="ctr">
               <a:spcBef>
                 <a:spcPts val="0"/>
               </a:spcBef>
@@ -3097,7 +3541,7 @@
               <a:buChar char="●"/>
               <a:defRPr/>
             </a:lvl1pPr>
-            <a:lvl2pPr indent="-317500" lvl="1" marL="914400" algn="ctr">
+            <a:lvl2pPr marL="914400" lvl="1" indent="-317500" algn="ctr">
               <a:spcBef>
                 <a:spcPts val="1600"/>
               </a:spcBef>
@@ -3108,7 +3552,7 @@
               <a:buChar char="○"/>
               <a:defRPr/>
             </a:lvl2pPr>
-            <a:lvl3pPr indent="-317500" lvl="2" marL="1371600" algn="ctr">
+            <a:lvl3pPr marL="1371600" lvl="2" indent="-317500" algn="ctr">
               <a:spcBef>
                 <a:spcPts val="1600"/>
               </a:spcBef>
@@ -3119,7 +3563,7 @@
               <a:buChar char="■"/>
               <a:defRPr/>
             </a:lvl3pPr>
-            <a:lvl4pPr indent="-317500" lvl="3" marL="1828800" algn="ctr">
+            <a:lvl4pPr marL="1828800" lvl="3" indent="-317500" algn="ctr">
               <a:spcBef>
                 <a:spcPts val="1600"/>
               </a:spcBef>
@@ -3130,7 +3574,7 @@
               <a:buChar char="●"/>
               <a:defRPr/>
             </a:lvl4pPr>
-            <a:lvl5pPr indent="-317500" lvl="4" marL="2286000" algn="ctr">
+            <a:lvl5pPr marL="2286000" lvl="4" indent="-317500" algn="ctr">
               <a:spcBef>
                 <a:spcPts val="1600"/>
               </a:spcBef>
@@ -3141,7 +3585,7 @@
               <a:buChar char="○"/>
               <a:defRPr/>
             </a:lvl5pPr>
-            <a:lvl6pPr indent="-317500" lvl="5" marL="2743200" algn="ctr">
+            <a:lvl6pPr marL="2743200" lvl="5" indent="-317500" algn="ctr">
               <a:spcBef>
                 <a:spcPts val="1600"/>
               </a:spcBef>
@@ -3152,7 +3596,7 @@
               <a:buChar char="■"/>
               <a:defRPr/>
             </a:lvl6pPr>
-            <a:lvl7pPr indent="-317500" lvl="6" marL="3200400" algn="ctr">
+            <a:lvl7pPr marL="3200400" lvl="6" indent="-317500" algn="ctr">
               <a:spcBef>
                 <a:spcPts val="1600"/>
               </a:spcBef>
@@ -3163,7 +3607,7 @@
               <a:buChar char="●"/>
               <a:defRPr/>
             </a:lvl7pPr>
-            <a:lvl8pPr indent="-317500" lvl="7" marL="3657600" algn="ctr">
+            <a:lvl8pPr marL="3657600" lvl="7" indent="-317500" algn="ctr">
               <a:spcBef>
                 <a:spcPts val="1600"/>
               </a:spcBef>
@@ -3174,7 +3618,7 @@
               <a:buChar char="○"/>
               <a:defRPr/>
             </a:lvl8pPr>
-            <a:lvl9pPr indent="-317500" lvl="8" marL="4114800" algn="ctr">
+            <a:lvl9pPr marL="4114800" lvl="8" indent="-317500" algn="ctr">
               <a:spcBef>
                 <a:spcPts val="1600"/>
               </a:spcBef>
@@ -3186,15 +3630,19 @@
               <a:defRPr/>
             </a:lvl9pPr>
           </a:lstStyle>
-          <a:p/>
+          <a:p>
+            <a:endParaRPr/>
+          </a:p>
         </p:txBody>
       </p:sp>
       <p:sp>
         <p:nvSpPr>
           <p:cNvPr id="55" name="Google Shape;55;p11"/>
-          <p:cNvSpPr txBox="1"/>
+          <p:cNvSpPr txBox="1">
+            <a:spLocks noGrp="1"/>
+          </p:cNvSpPr>
           <p:nvPr>
-            <p:ph idx="12" type="sldNum"/>
+            <p:ph type="sldNum" idx="12"/>
           </p:nvPr>
         </p:nvSpPr>
         <p:spPr>
@@ -3207,7 +3655,7 @@
           </a:prstGeom>
         </p:spPr>
         <p:txBody>
-          <a:bodyPr anchorCtr="0" anchor="ctr" bIns="91425" lIns="91425" spcFirstLastPara="1" rIns="91425" wrap="square" tIns="91425">
+          <a:bodyPr spcFirstLastPara="1" wrap="square" lIns="91425" tIns="91425" rIns="91425" bIns="91425" anchor="ctr" anchorCtr="0">
             <a:noAutofit/>
           </a:bodyPr>
           <a:lstStyle>
@@ -3249,7 +3697,7 @@
             </a:lvl9pPr>
           </a:lstStyle>
           <a:p>
-            <a:pPr indent="0" lvl="0" marL="0" rtl="0" algn="r">
+            <a:pPr marL="0" lvl="0" indent="0" algn="r" rtl="0">
               <a:spcBef>
                 <a:spcPts val="0"/>
               </a:spcBef>
@@ -3275,11 +3723,11 @@
 </file>
 
 <file path=ppt/slideLayouts/slideLayout11.xml><?xml version="1.0" encoding="utf-8"?>
-<p:sldLayout xmlns:a="http://schemas.openxmlformats.org/drawingml/2006/main" xmlns:r="http://schemas.openxmlformats.org/officeDocument/2006/relationships" xmlns:mc="http://schemas.openxmlformats.org/markup-compatibility/2006" xmlns:mv="urn:schemas-microsoft-com:mac:vml" xmlns:p="http://schemas.openxmlformats.org/presentationml/2006/main" xmlns:c="http://schemas.openxmlformats.org/drawingml/2006/chart" xmlns:dgm="http://schemas.openxmlformats.org/drawingml/2006/diagram" xmlns:o="urn:schemas-microsoft-com:office:office" xmlns:v="urn:schemas-microsoft-com:vml" xmlns:pvml="urn:schemas-microsoft-com:office:powerpoint" xmlns:com="http://schemas.openxmlformats.org/drawingml/2006/compatibility" xmlns:p14="http://schemas.microsoft.com/office/powerpoint/2010/main" xmlns:p15="http://schemas.microsoft.com/office/powerpoint/2012/main" matchingName="Blank" type="blank">
+<p:sldLayout xmlns:a="http://schemas.openxmlformats.org/drawingml/2006/main" xmlns:r="http://schemas.openxmlformats.org/officeDocument/2006/relationships" xmlns:p="http://schemas.openxmlformats.org/presentationml/2006/main" matchingName="Blank" type="blank">
   <p:cSld name="BLANK">
     <p:spTree>
       <p:nvGrpSpPr>
-        <p:cNvPr id="56" name="Shape 56"/>
+        <p:cNvPr id="1" name="Shape 56"/>
         <p:cNvGrpSpPr/>
         <p:nvPr/>
       </p:nvGrpSpPr>
@@ -3294,9 +3742,11 @@
       <p:sp>
         <p:nvSpPr>
           <p:cNvPr id="57" name="Google Shape;57;p12"/>
-          <p:cNvSpPr txBox="1"/>
+          <p:cNvSpPr txBox="1">
+            <a:spLocks noGrp="1"/>
+          </p:cNvSpPr>
           <p:nvPr>
-            <p:ph idx="12" type="sldNum"/>
+            <p:ph type="sldNum" idx="12"/>
           </p:nvPr>
         </p:nvSpPr>
         <p:spPr>
@@ -3309,7 +3759,7 @@
           </a:prstGeom>
         </p:spPr>
         <p:txBody>
-          <a:bodyPr anchorCtr="0" anchor="ctr" bIns="91425" lIns="91425" spcFirstLastPara="1" rIns="91425" wrap="square" tIns="91425">
+          <a:bodyPr spcFirstLastPara="1" wrap="square" lIns="91425" tIns="91425" rIns="91425" bIns="91425" anchor="ctr" anchorCtr="0">
             <a:noAutofit/>
           </a:bodyPr>
           <a:lstStyle>
@@ -3351,7 +3801,7 @@
             </a:lvl9pPr>
           </a:lstStyle>
           <a:p>
-            <a:pPr indent="0" lvl="0" marL="0" rtl="0" algn="r">
+            <a:pPr marL="0" lvl="0" indent="0" algn="r" rtl="0">
               <a:spcBef>
                 <a:spcPts val="0"/>
               </a:spcBef>
@@ -3377,11 +3827,11 @@
 </file>
 
 <file path=ppt/slideLayouts/slideLayout2.xml><?xml version="1.0" encoding="utf-8"?>
-<p:sldLayout xmlns:a="http://schemas.openxmlformats.org/drawingml/2006/main" xmlns:r="http://schemas.openxmlformats.org/officeDocument/2006/relationships" xmlns:mc="http://schemas.openxmlformats.org/markup-compatibility/2006" xmlns:mv="urn:schemas-microsoft-com:mac:vml" xmlns:p="http://schemas.openxmlformats.org/presentationml/2006/main" xmlns:c="http://schemas.openxmlformats.org/drawingml/2006/chart" xmlns:dgm="http://schemas.openxmlformats.org/drawingml/2006/diagram" xmlns:o="urn:schemas-microsoft-com:office:office" xmlns:v="urn:schemas-microsoft-com:vml" xmlns:pvml="urn:schemas-microsoft-com:office:powerpoint" xmlns:com="http://schemas.openxmlformats.org/drawingml/2006/compatibility" xmlns:p14="http://schemas.microsoft.com/office/powerpoint/2010/main" xmlns:p15="http://schemas.microsoft.com/office/powerpoint/2012/main" matchingName="Section header" type="secHead">
+<p:sldLayout xmlns:a="http://schemas.openxmlformats.org/drawingml/2006/main" xmlns:r="http://schemas.openxmlformats.org/officeDocument/2006/relationships" xmlns:p="http://schemas.openxmlformats.org/presentationml/2006/main" matchingName="Section header" type="secHead">
   <p:cSld name="SECTION_HEADER">
     <p:spTree>
       <p:nvGrpSpPr>
-        <p:cNvPr id="15" name="Shape 15"/>
+        <p:cNvPr id="1" name="Shape 15"/>
         <p:cNvGrpSpPr/>
         <p:nvPr/>
       </p:nvGrpSpPr>
@@ -3405,9 +3855,13 @@
             <a:ext cx="1081625" cy="1124950"/>
           </a:xfrm>
           <a:custGeom>
-            <a:rect b="b" l="l" r="r" t="t"/>
+            <a:avLst/>
+            <a:gdLst/>
+            <a:ahLst/>
+            <a:cxnLst/>
+            <a:rect l="l" t="t" r="r" b="b"/>
             <a:pathLst>
-              <a:path extrusionOk="0" h="44998" w="43265">
+              <a:path w="43265" h="44998" extrusionOk="0">
                 <a:moveTo>
                   <a:pt x="0" y="44998"/>
                 </a:moveTo>
@@ -3421,14 +3875,14 @@
             </a:pathLst>
           </a:custGeom>
           <a:noFill/>
-          <a:ln cap="flat" cmpd="sng" w="28575">
+          <a:ln w="28575" cap="flat" cmpd="sng">
             <a:solidFill>
               <a:schemeClr val="lt2"/>
             </a:solidFill>
             <a:prstDash val="solid"/>
             <a:miter lim="8000"/>
-            <a:headEnd len="sm" w="sm" type="none"/>
-            <a:tailEnd len="sm" w="sm" type="none"/>
+            <a:headEnd type="none" w="sm" len="sm"/>
+            <a:tailEnd type="none" w="sm" len="sm"/>
           </a:ln>
         </p:spPr>
       </p:sp>
@@ -3439,14 +3893,18 @@
           <p:nvPr/>
         </p:nvSpPr>
         <p:spPr>
-          <a:xfrm flipH="1" rot="10800000">
+          <a:xfrm rot="10800000" flipH="1">
             <a:off x="466425" y="3558325"/>
             <a:ext cx="1081625" cy="1124950"/>
           </a:xfrm>
           <a:custGeom>
-            <a:rect b="b" l="l" r="r" t="t"/>
+            <a:avLst/>
+            <a:gdLst/>
+            <a:ahLst/>
+            <a:cxnLst/>
+            <a:rect l="l" t="t" r="r" b="b"/>
             <a:pathLst>
-              <a:path extrusionOk="0" h="44998" w="43265">
+              <a:path w="43265" h="44998" extrusionOk="0">
                 <a:moveTo>
                   <a:pt x="0" y="44998"/>
                 </a:moveTo>
@@ -3460,21 +3918,23 @@
             </a:pathLst>
           </a:custGeom>
           <a:noFill/>
-          <a:ln cap="flat" cmpd="sng" w="28575">
+          <a:ln w="28575" cap="flat" cmpd="sng">
             <a:solidFill>
               <a:schemeClr val="lt2"/>
             </a:solidFill>
             <a:prstDash val="solid"/>
             <a:miter lim="8000"/>
-            <a:headEnd len="sm" w="sm" type="none"/>
-            <a:tailEnd len="sm" w="sm" type="none"/>
+            <a:headEnd type="none" w="sm" len="sm"/>
+            <a:tailEnd type="none" w="sm" len="sm"/>
           </a:ln>
         </p:spPr>
       </p:sp>
       <p:sp>
         <p:nvSpPr>
           <p:cNvPr id="18" name="Google Shape;18;p3"/>
-          <p:cNvSpPr txBox="1"/>
+          <p:cNvSpPr txBox="1">
+            <a:spLocks noGrp="1"/>
+          </p:cNvSpPr>
           <p:nvPr>
             <p:ph type="title"/>
           </p:nvPr>
@@ -3489,7 +3949,7 @@
           </a:prstGeom>
         </p:spPr>
         <p:txBody>
-          <a:bodyPr anchorCtr="0" anchor="ctr" bIns="91425" lIns="91425" spcFirstLastPara="1" rIns="91425" wrap="square" tIns="91425">
+          <a:bodyPr spcFirstLastPara="1" wrap="square" lIns="91425" tIns="91425" rIns="91425" bIns="91425" anchor="ctr" anchorCtr="0">
             <a:noAutofit/>
           </a:bodyPr>
           <a:lstStyle>
@@ -3593,15 +4053,19 @@
               <a:defRPr/>
             </a:lvl9pPr>
           </a:lstStyle>
-          <a:p/>
+          <a:p>
+            <a:endParaRPr/>
+          </a:p>
         </p:txBody>
       </p:sp>
       <p:sp>
         <p:nvSpPr>
           <p:cNvPr id="19" name="Google Shape;19;p3"/>
-          <p:cNvSpPr txBox="1"/>
+          <p:cNvSpPr txBox="1">
+            <a:spLocks noGrp="1"/>
+          </p:cNvSpPr>
           <p:nvPr>
-            <p:ph idx="12" type="sldNum"/>
+            <p:ph type="sldNum" idx="12"/>
           </p:nvPr>
         </p:nvSpPr>
         <p:spPr>
@@ -3614,7 +4078,7 @@
           </a:prstGeom>
         </p:spPr>
         <p:txBody>
-          <a:bodyPr anchorCtr="0" anchor="ctr" bIns="91425" lIns="91425" spcFirstLastPara="1" rIns="91425" wrap="square" tIns="91425">
+          <a:bodyPr spcFirstLastPara="1" wrap="square" lIns="91425" tIns="91425" rIns="91425" bIns="91425" anchor="ctr" anchorCtr="0">
             <a:noAutofit/>
           </a:bodyPr>
           <a:lstStyle>
@@ -3656,7 +4120,7 @@
             </a:lvl9pPr>
           </a:lstStyle>
           <a:p>
-            <a:pPr indent="0" lvl="0" marL="0" rtl="0" algn="r">
+            <a:pPr marL="0" lvl="0" indent="0" algn="r" rtl="0">
               <a:spcBef>
                 <a:spcPts val="0"/>
               </a:spcBef>
@@ -3682,11 +4146,11 @@
 </file>
 
 <file path=ppt/slideLayouts/slideLayout3.xml><?xml version="1.0" encoding="utf-8"?>
-<p:sldLayout xmlns:a="http://schemas.openxmlformats.org/drawingml/2006/main" xmlns:r="http://schemas.openxmlformats.org/officeDocument/2006/relationships" xmlns:mc="http://schemas.openxmlformats.org/markup-compatibility/2006" xmlns:mv="urn:schemas-microsoft-com:mac:vml" xmlns:p="http://schemas.openxmlformats.org/presentationml/2006/main" xmlns:c="http://schemas.openxmlformats.org/drawingml/2006/chart" xmlns:dgm="http://schemas.openxmlformats.org/drawingml/2006/diagram" xmlns:o="urn:schemas-microsoft-com:office:office" xmlns:v="urn:schemas-microsoft-com:vml" xmlns:pvml="urn:schemas-microsoft-com:office:powerpoint" xmlns:com="http://schemas.openxmlformats.org/drawingml/2006/compatibility" xmlns:p14="http://schemas.microsoft.com/office/powerpoint/2010/main" xmlns:p15="http://schemas.microsoft.com/office/powerpoint/2012/main" matchingName="Title and body" type="tx">
+<p:sldLayout xmlns:a="http://schemas.openxmlformats.org/drawingml/2006/main" xmlns:r="http://schemas.openxmlformats.org/officeDocument/2006/relationships" xmlns:p="http://schemas.openxmlformats.org/presentationml/2006/main" matchingName="Title and body" type="tx">
   <p:cSld name="TITLE_AND_BODY">
     <p:spTree>
       <p:nvGrpSpPr>
-        <p:cNvPr id="20" name="Shape 20"/>
+        <p:cNvPr id="1" name="Shape 20"/>
         <p:cNvGrpSpPr/>
         <p:nvPr/>
       </p:nvGrpSpPr>
@@ -3720,12 +4184,12 @@
           </a:ln>
         </p:spPr>
         <p:txBody>
-          <a:bodyPr anchorCtr="0" anchor="ctr" bIns="91425" lIns="91425" spcFirstLastPara="1" rIns="91425" wrap="square" tIns="91425">
+          <a:bodyPr spcFirstLastPara="1" wrap="square" lIns="91425" tIns="91425" rIns="91425" bIns="91425" anchor="ctr" anchorCtr="0">
             <a:noAutofit/>
           </a:bodyPr>
           <a:lstStyle/>
           <a:p>
-            <a:pPr indent="0" lvl="0" marL="0" rtl="0" algn="l">
+            <a:pPr marL="0" lvl="0" indent="0" algn="l" rtl="0">
               <a:spcBef>
                 <a:spcPts val="0"/>
               </a:spcBef>
@@ -3734,9 +4198,6 @@
               </a:spcAft>
               <a:buNone/>
             </a:pPr>
-            <a:r>
-              <a:t/>
-            </a:r>
             <a:endParaRPr/>
           </a:p>
         </p:txBody>
@@ -3744,7 +4205,9 @@
       <p:sp>
         <p:nvSpPr>
           <p:cNvPr id="22" name="Google Shape;22;p4"/>
-          <p:cNvSpPr txBox="1"/>
+          <p:cNvSpPr txBox="1">
+            <a:spLocks noGrp="1"/>
+          </p:cNvSpPr>
           <p:nvPr>
             <p:ph type="title"/>
           </p:nvPr>
@@ -3759,7 +4222,7 @@
           </a:prstGeom>
         </p:spPr>
         <p:txBody>
-          <a:bodyPr anchorCtr="0" anchor="b" bIns="91425" lIns="91425" spcFirstLastPara="1" rIns="91425" wrap="square" tIns="91425">
+          <a:bodyPr spcFirstLastPara="1" wrap="square" lIns="91425" tIns="91425" rIns="91425" bIns="91425" anchor="b" anchorCtr="0">
             <a:noAutofit/>
           </a:bodyPr>
           <a:lstStyle>
@@ -3863,15 +4326,19 @@
               <a:defRPr/>
             </a:lvl9pPr>
           </a:lstStyle>
-          <a:p/>
+          <a:p>
+            <a:endParaRPr/>
+          </a:p>
         </p:txBody>
       </p:sp>
       <p:sp>
         <p:nvSpPr>
           <p:cNvPr id="23" name="Google Shape;23;p4"/>
-          <p:cNvSpPr txBox="1"/>
+          <p:cNvSpPr txBox="1">
+            <a:spLocks noGrp="1"/>
+          </p:cNvSpPr>
           <p:nvPr>
-            <p:ph idx="1" type="body"/>
+            <p:ph type="body" idx="1"/>
           </p:nvPr>
         </p:nvSpPr>
         <p:spPr>
@@ -3884,11 +4351,11 @@
           </a:prstGeom>
         </p:spPr>
         <p:txBody>
-          <a:bodyPr anchorCtr="0" anchor="t" bIns="91425" lIns="91425" spcFirstLastPara="1" rIns="91425" wrap="square" tIns="91425">
+          <a:bodyPr spcFirstLastPara="1" wrap="square" lIns="91425" tIns="91425" rIns="91425" bIns="91425" anchor="t" anchorCtr="0">
             <a:noAutofit/>
           </a:bodyPr>
           <a:lstStyle>
-            <a:lvl1pPr indent="-342900" lvl="0" marL="457200">
+            <a:lvl1pPr marL="457200" lvl="0" indent="-342900">
               <a:spcBef>
                 <a:spcPts val="0"/>
               </a:spcBef>
@@ -3899,7 +4366,7 @@
               <a:buChar char="●"/>
               <a:defRPr/>
             </a:lvl1pPr>
-            <a:lvl2pPr indent="-317500" lvl="1" marL="914400">
+            <a:lvl2pPr marL="914400" lvl="1" indent="-317500">
               <a:spcBef>
                 <a:spcPts val="1600"/>
               </a:spcBef>
@@ -3910,7 +4377,7 @@
               <a:buChar char="○"/>
               <a:defRPr/>
             </a:lvl2pPr>
-            <a:lvl3pPr indent="-317500" lvl="2" marL="1371600">
+            <a:lvl3pPr marL="1371600" lvl="2" indent="-317500">
               <a:spcBef>
                 <a:spcPts val="1600"/>
               </a:spcBef>
@@ -3921,7 +4388,7 @@
               <a:buChar char="■"/>
               <a:defRPr/>
             </a:lvl3pPr>
-            <a:lvl4pPr indent="-317500" lvl="3" marL="1828800">
+            <a:lvl4pPr marL="1828800" lvl="3" indent="-317500">
               <a:spcBef>
                 <a:spcPts val="1600"/>
               </a:spcBef>
@@ -3932,7 +4399,7 @@
               <a:buChar char="●"/>
               <a:defRPr/>
             </a:lvl4pPr>
-            <a:lvl5pPr indent="-317500" lvl="4" marL="2286000">
+            <a:lvl5pPr marL="2286000" lvl="4" indent="-317500">
               <a:spcBef>
                 <a:spcPts val="1600"/>
               </a:spcBef>
@@ -3943,7 +4410,7 @@
               <a:buChar char="○"/>
               <a:defRPr/>
             </a:lvl5pPr>
-            <a:lvl6pPr indent="-317500" lvl="5" marL="2743200">
+            <a:lvl6pPr marL="2743200" lvl="5" indent="-317500">
               <a:spcBef>
                 <a:spcPts val="1600"/>
               </a:spcBef>
@@ -3954,7 +4421,7 @@
               <a:buChar char="■"/>
               <a:defRPr/>
             </a:lvl6pPr>
-            <a:lvl7pPr indent="-317500" lvl="6" marL="3200400">
+            <a:lvl7pPr marL="3200400" lvl="6" indent="-317500">
               <a:spcBef>
                 <a:spcPts val="1600"/>
               </a:spcBef>
@@ -3965,7 +4432,7 @@
               <a:buChar char="●"/>
               <a:defRPr/>
             </a:lvl7pPr>
-            <a:lvl8pPr indent="-317500" lvl="7" marL="3657600">
+            <a:lvl8pPr marL="3657600" lvl="7" indent="-317500">
               <a:spcBef>
                 <a:spcPts val="1600"/>
               </a:spcBef>
@@ -3976,7 +4443,7 @@
               <a:buChar char="○"/>
               <a:defRPr/>
             </a:lvl8pPr>
-            <a:lvl9pPr indent="-317500" lvl="8" marL="4114800">
+            <a:lvl9pPr marL="4114800" lvl="8" indent="-317500">
               <a:spcBef>
                 <a:spcPts val="1600"/>
               </a:spcBef>
@@ -3988,15 +4455,19 @@
               <a:defRPr/>
             </a:lvl9pPr>
           </a:lstStyle>
-          <a:p/>
+          <a:p>
+            <a:endParaRPr/>
+          </a:p>
         </p:txBody>
       </p:sp>
       <p:sp>
         <p:nvSpPr>
           <p:cNvPr id="24" name="Google Shape;24;p4"/>
-          <p:cNvSpPr txBox="1"/>
+          <p:cNvSpPr txBox="1">
+            <a:spLocks noGrp="1"/>
+          </p:cNvSpPr>
           <p:nvPr>
-            <p:ph idx="12" type="sldNum"/>
+            <p:ph type="sldNum" idx="12"/>
           </p:nvPr>
         </p:nvSpPr>
         <p:spPr>
@@ -4009,7 +4480,7 @@
           </a:prstGeom>
         </p:spPr>
         <p:txBody>
-          <a:bodyPr anchorCtr="0" anchor="ctr" bIns="91425" lIns="91425" spcFirstLastPara="1" rIns="91425" wrap="square" tIns="91425">
+          <a:bodyPr spcFirstLastPara="1" wrap="square" lIns="91425" tIns="91425" rIns="91425" bIns="91425" anchor="ctr" anchorCtr="0">
             <a:noAutofit/>
           </a:bodyPr>
           <a:lstStyle>
@@ -4051,7 +4522,7 @@
             </a:lvl9pPr>
           </a:lstStyle>
           <a:p>
-            <a:pPr indent="0" lvl="0" marL="0" rtl="0" algn="r">
+            <a:pPr marL="0" lvl="0" indent="0" algn="r" rtl="0">
               <a:spcBef>
                 <a:spcPts val="0"/>
               </a:spcBef>
@@ -4077,11 +4548,11 @@
 </file>
 
 <file path=ppt/slideLayouts/slideLayout4.xml><?xml version="1.0" encoding="utf-8"?>
-<p:sldLayout xmlns:a="http://schemas.openxmlformats.org/drawingml/2006/main" xmlns:r="http://schemas.openxmlformats.org/officeDocument/2006/relationships" xmlns:mc="http://schemas.openxmlformats.org/markup-compatibility/2006" xmlns:mv="urn:schemas-microsoft-com:mac:vml" xmlns:p="http://schemas.openxmlformats.org/presentationml/2006/main" xmlns:c="http://schemas.openxmlformats.org/drawingml/2006/chart" xmlns:dgm="http://schemas.openxmlformats.org/drawingml/2006/diagram" xmlns:o="urn:schemas-microsoft-com:office:office" xmlns:v="urn:schemas-microsoft-com:vml" xmlns:pvml="urn:schemas-microsoft-com:office:powerpoint" xmlns:com="http://schemas.openxmlformats.org/drawingml/2006/compatibility" xmlns:p14="http://schemas.microsoft.com/office/powerpoint/2010/main" xmlns:p15="http://schemas.microsoft.com/office/powerpoint/2012/main" matchingName="Title and two columns" type="twoColTx">
+<p:sldLayout xmlns:a="http://schemas.openxmlformats.org/drawingml/2006/main" xmlns:r="http://schemas.openxmlformats.org/officeDocument/2006/relationships" xmlns:p="http://schemas.openxmlformats.org/presentationml/2006/main" matchingName="Title and two columns" type="twoColTx">
   <p:cSld name="TITLE_AND_TWO_COLUMNS">
     <p:spTree>
       <p:nvGrpSpPr>
-        <p:cNvPr id="25" name="Shape 25"/>
+        <p:cNvPr id="1" name="Shape 25"/>
         <p:cNvGrpSpPr/>
         <p:nvPr/>
       </p:nvGrpSpPr>
@@ -4096,7 +4567,9 @@
       <p:sp>
         <p:nvSpPr>
           <p:cNvPr id="26" name="Google Shape;26;p5"/>
-          <p:cNvSpPr txBox="1"/>
+          <p:cNvSpPr txBox="1">
+            <a:spLocks noGrp="1"/>
+          </p:cNvSpPr>
           <p:nvPr>
             <p:ph type="title"/>
           </p:nvPr>
@@ -4111,7 +4584,7 @@
           </a:prstGeom>
         </p:spPr>
         <p:txBody>
-          <a:bodyPr anchorCtr="0" anchor="b" bIns="91425" lIns="91425" spcFirstLastPara="1" rIns="91425" wrap="square" tIns="91425">
+          <a:bodyPr spcFirstLastPara="1" wrap="square" lIns="91425" tIns="91425" rIns="91425" bIns="91425" anchor="b" anchorCtr="0">
             <a:noAutofit/>
           </a:bodyPr>
           <a:lstStyle>
@@ -4215,15 +4688,19 @@
               <a:defRPr/>
             </a:lvl9pPr>
           </a:lstStyle>
-          <a:p/>
+          <a:p>
+            <a:endParaRPr/>
+          </a:p>
         </p:txBody>
       </p:sp>
       <p:sp>
         <p:nvSpPr>
           <p:cNvPr id="27" name="Google Shape;27;p5"/>
-          <p:cNvSpPr txBox="1"/>
+          <p:cNvSpPr txBox="1">
+            <a:spLocks noGrp="1"/>
+          </p:cNvSpPr>
           <p:nvPr>
-            <p:ph idx="1" type="body"/>
+            <p:ph type="body" idx="1"/>
           </p:nvPr>
         </p:nvSpPr>
         <p:spPr>
@@ -4236,11 +4713,11 @@
           </a:prstGeom>
         </p:spPr>
         <p:txBody>
-          <a:bodyPr anchorCtr="0" anchor="t" bIns="91425" lIns="91425" spcFirstLastPara="1" rIns="91425" wrap="square" tIns="91425">
+          <a:bodyPr spcFirstLastPara="1" wrap="square" lIns="91425" tIns="91425" rIns="91425" bIns="91425" anchor="t" anchorCtr="0">
             <a:noAutofit/>
           </a:bodyPr>
           <a:lstStyle>
-            <a:lvl1pPr indent="-317500" lvl="0" marL="457200">
+            <a:lvl1pPr marL="457200" lvl="0" indent="-317500">
               <a:spcBef>
                 <a:spcPts val="0"/>
               </a:spcBef>
@@ -4251,7 +4728,7 @@
               <a:buChar char="●"/>
               <a:defRPr sz="1400"/>
             </a:lvl1pPr>
-            <a:lvl2pPr indent="-304800" lvl="1" marL="914400">
+            <a:lvl2pPr marL="914400" lvl="1" indent="-304800">
               <a:spcBef>
                 <a:spcPts val="1600"/>
               </a:spcBef>
@@ -4262,7 +4739,7 @@
               <a:buChar char="○"/>
               <a:defRPr sz="1200"/>
             </a:lvl2pPr>
-            <a:lvl3pPr indent="-304800" lvl="2" marL="1371600">
+            <a:lvl3pPr marL="1371600" lvl="2" indent="-304800">
               <a:spcBef>
                 <a:spcPts val="1600"/>
               </a:spcBef>
@@ -4273,7 +4750,7 @@
               <a:buChar char="■"/>
               <a:defRPr sz="1200"/>
             </a:lvl3pPr>
-            <a:lvl4pPr indent="-304800" lvl="3" marL="1828800">
+            <a:lvl4pPr marL="1828800" lvl="3" indent="-304800">
               <a:spcBef>
                 <a:spcPts val="1600"/>
               </a:spcBef>
@@ -4284,7 +4761,7 @@
               <a:buChar char="●"/>
               <a:defRPr sz="1200"/>
             </a:lvl4pPr>
-            <a:lvl5pPr indent="-304800" lvl="4" marL="2286000">
+            <a:lvl5pPr marL="2286000" lvl="4" indent="-304800">
               <a:spcBef>
                 <a:spcPts val="1600"/>
               </a:spcBef>
@@ -4295,7 +4772,7 @@
               <a:buChar char="○"/>
               <a:defRPr sz="1200"/>
             </a:lvl5pPr>
-            <a:lvl6pPr indent="-304800" lvl="5" marL="2743200">
+            <a:lvl6pPr marL="2743200" lvl="5" indent="-304800">
               <a:spcBef>
                 <a:spcPts val="1600"/>
               </a:spcBef>
@@ -4306,7 +4783,7 @@
               <a:buChar char="■"/>
               <a:defRPr sz="1200"/>
             </a:lvl6pPr>
-            <a:lvl7pPr indent="-304800" lvl="6" marL="3200400">
+            <a:lvl7pPr marL="3200400" lvl="6" indent="-304800">
               <a:spcBef>
                 <a:spcPts val="1600"/>
               </a:spcBef>
@@ -4317,7 +4794,7 @@
               <a:buChar char="●"/>
               <a:defRPr sz="1200"/>
             </a:lvl7pPr>
-            <a:lvl8pPr indent="-304800" lvl="7" marL="3657600">
+            <a:lvl8pPr marL="3657600" lvl="7" indent="-304800">
               <a:spcBef>
                 <a:spcPts val="1600"/>
               </a:spcBef>
@@ -4328,7 +4805,7 @@
               <a:buChar char="○"/>
               <a:defRPr sz="1200"/>
             </a:lvl8pPr>
-            <a:lvl9pPr indent="-304800" lvl="8" marL="4114800">
+            <a:lvl9pPr marL="4114800" lvl="8" indent="-304800">
               <a:spcBef>
                 <a:spcPts val="1600"/>
               </a:spcBef>
@@ -4340,15 +4817,19 @@
               <a:defRPr sz="1200"/>
             </a:lvl9pPr>
           </a:lstStyle>
-          <a:p/>
+          <a:p>
+            <a:endParaRPr/>
+          </a:p>
         </p:txBody>
       </p:sp>
       <p:sp>
         <p:nvSpPr>
           <p:cNvPr id="28" name="Google Shape;28;p5"/>
-          <p:cNvSpPr txBox="1"/>
+          <p:cNvSpPr txBox="1">
+            <a:spLocks noGrp="1"/>
+          </p:cNvSpPr>
           <p:nvPr>
-            <p:ph idx="2" type="body"/>
+            <p:ph type="body" idx="2"/>
           </p:nvPr>
         </p:nvSpPr>
         <p:spPr>
@@ -4361,11 +4842,11 @@
           </a:prstGeom>
         </p:spPr>
         <p:txBody>
-          <a:bodyPr anchorCtr="0" anchor="t" bIns="91425" lIns="91425" spcFirstLastPara="1" rIns="91425" wrap="square" tIns="91425">
+          <a:bodyPr spcFirstLastPara="1" wrap="square" lIns="91425" tIns="91425" rIns="91425" bIns="91425" anchor="t" anchorCtr="0">
             <a:noAutofit/>
           </a:bodyPr>
           <a:lstStyle>
-            <a:lvl1pPr indent="-317500" lvl="0" marL="457200">
+            <a:lvl1pPr marL="457200" lvl="0" indent="-317500">
               <a:spcBef>
                 <a:spcPts val="0"/>
               </a:spcBef>
@@ -4376,7 +4857,7 @@
               <a:buChar char="●"/>
               <a:defRPr sz="1400"/>
             </a:lvl1pPr>
-            <a:lvl2pPr indent="-304800" lvl="1" marL="914400">
+            <a:lvl2pPr marL="914400" lvl="1" indent="-304800">
               <a:spcBef>
                 <a:spcPts val="1600"/>
               </a:spcBef>
@@ -4387,7 +4868,7 @@
               <a:buChar char="○"/>
               <a:defRPr sz="1200"/>
             </a:lvl2pPr>
-            <a:lvl3pPr indent="-304800" lvl="2" marL="1371600">
+            <a:lvl3pPr marL="1371600" lvl="2" indent="-304800">
               <a:spcBef>
                 <a:spcPts val="1600"/>
               </a:spcBef>
@@ -4398,7 +4879,7 @@
               <a:buChar char="■"/>
               <a:defRPr sz="1200"/>
             </a:lvl3pPr>
-            <a:lvl4pPr indent="-304800" lvl="3" marL="1828800">
+            <a:lvl4pPr marL="1828800" lvl="3" indent="-304800">
               <a:spcBef>
                 <a:spcPts val="1600"/>
               </a:spcBef>
@@ -4409,7 +4890,7 @@
               <a:buChar char="●"/>
               <a:defRPr sz="1200"/>
             </a:lvl4pPr>
-            <a:lvl5pPr indent="-304800" lvl="4" marL="2286000">
+            <a:lvl5pPr marL="2286000" lvl="4" indent="-304800">
               <a:spcBef>
                 <a:spcPts val="1600"/>
               </a:spcBef>
@@ -4420,7 +4901,7 @@
               <a:buChar char="○"/>
               <a:defRPr sz="1200"/>
             </a:lvl5pPr>
-            <a:lvl6pPr indent="-304800" lvl="5" marL="2743200">
+            <a:lvl6pPr marL="2743200" lvl="5" indent="-304800">
               <a:spcBef>
                 <a:spcPts val="1600"/>
               </a:spcBef>
@@ -4431,7 +4912,7 @@
               <a:buChar char="■"/>
               <a:defRPr sz="1200"/>
             </a:lvl6pPr>
-            <a:lvl7pPr indent="-304800" lvl="6" marL="3200400">
+            <a:lvl7pPr marL="3200400" lvl="6" indent="-304800">
               <a:spcBef>
                 <a:spcPts val="1600"/>
               </a:spcBef>
@@ -4442,7 +4923,7 @@
               <a:buChar char="●"/>
               <a:defRPr sz="1200"/>
             </a:lvl7pPr>
-            <a:lvl8pPr indent="-304800" lvl="7" marL="3657600">
+            <a:lvl8pPr marL="3657600" lvl="7" indent="-304800">
               <a:spcBef>
                 <a:spcPts val="1600"/>
               </a:spcBef>
@@ -4453,7 +4934,7 @@
               <a:buChar char="○"/>
               <a:defRPr sz="1200"/>
             </a:lvl8pPr>
-            <a:lvl9pPr indent="-304800" lvl="8" marL="4114800">
+            <a:lvl9pPr marL="4114800" lvl="8" indent="-304800">
               <a:spcBef>
                 <a:spcPts val="1600"/>
               </a:spcBef>
@@ -4465,15 +4946,19 @@
               <a:defRPr sz="1200"/>
             </a:lvl9pPr>
           </a:lstStyle>
-          <a:p/>
+          <a:p>
+            <a:endParaRPr/>
+          </a:p>
         </p:txBody>
       </p:sp>
       <p:sp>
         <p:nvSpPr>
           <p:cNvPr id="29" name="Google Shape;29;p5"/>
-          <p:cNvSpPr txBox="1"/>
+          <p:cNvSpPr txBox="1">
+            <a:spLocks noGrp="1"/>
+          </p:cNvSpPr>
           <p:nvPr>
-            <p:ph idx="12" type="sldNum"/>
+            <p:ph type="sldNum" idx="12"/>
           </p:nvPr>
         </p:nvSpPr>
         <p:spPr>
@@ -4486,7 +4971,7 @@
           </a:prstGeom>
         </p:spPr>
         <p:txBody>
-          <a:bodyPr anchorCtr="0" anchor="ctr" bIns="91425" lIns="91425" spcFirstLastPara="1" rIns="91425" wrap="square" tIns="91425">
+          <a:bodyPr spcFirstLastPara="1" wrap="square" lIns="91425" tIns="91425" rIns="91425" bIns="91425" anchor="ctr" anchorCtr="0">
             <a:noAutofit/>
           </a:bodyPr>
           <a:lstStyle>
@@ -4528,7 +5013,7 @@
             </a:lvl9pPr>
           </a:lstStyle>
           <a:p>
-            <a:pPr indent="0" lvl="0" marL="0" rtl="0" algn="r">
+            <a:pPr marL="0" lvl="0" indent="0" algn="r" rtl="0">
               <a:spcBef>
                 <a:spcPts val="0"/>
               </a:spcBef>
@@ -4554,11 +5039,11 @@
 </file>
 
 <file path=ppt/slideLayouts/slideLayout5.xml><?xml version="1.0" encoding="utf-8"?>
-<p:sldLayout xmlns:a="http://schemas.openxmlformats.org/drawingml/2006/main" xmlns:r="http://schemas.openxmlformats.org/officeDocument/2006/relationships" xmlns:mc="http://schemas.openxmlformats.org/markup-compatibility/2006" xmlns:mv="urn:schemas-microsoft-com:mac:vml" xmlns:p="http://schemas.openxmlformats.org/presentationml/2006/main" xmlns:c="http://schemas.openxmlformats.org/drawingml/2006/chart" xmlns:dgm="http://schemas.openxmlformats.org/drawingml/2006/diagram" xmlns:o="urn:schemas-microsoft-com:office:office" xmlns:v="urn:schemas-microsoft-com:vml" xmlns:pvml="urn:schemas-microsoft-com:office:powerpoint" xmlns:com="http://schemas.openxmlformats.org/drawingml/2006/compatibility" xmlns:p14="http://schemas.microsoft.com/office/powerpoint/2010/main" xmlns:p15="http://schemas.microsoft.com/office/powerpoint/2012/main" matchingName="Title only" type="titleOnly">
+<p:sldLayout xmlns:a="http://schemas.openxmlformats.org/drawingml/2006/main" xmlns:r="http://schemas.openxmlformats.org/officeDocument/2006/relationships" xmlns:p="http://schemas.openxmlformats.org/presentationml/2006/main" matchingName="Title only" type="titleOnly">
   <p:cSld name="TITLE_ONLY">
     <p:spTree>
       <p:nvGrpSpPr>
-        <p:cNvPr id="30" name="Shape 30"/>
+        <p:cNvPr id="1" name="Shape 30"/>
         <p:cNvGrpSpPr/>
         <p:nvPr/>
       </p:nvGrpSpPr>
@@ -4573,7 +5058,9 @@
       <p:sp>
         <p:nvSpPr>
           <p:cNvPr id="31" name="Google Shape;31;p6"/>
-          <p:cNvSpPr txBox="1"/>
+          <p:cNvSpPr txBox="1">
+            <a:spLocks noGrp="1"/>
+          </p:cNvSpPr>
           <p:nvPr>
             <p:ph type="title"/>
           </p:nvPr>
@@ -4588,7 +5075,7 @@
           </a:prstGeom>
         </p:spPr>
         <p:txBody>
-          <a:bodyPr anchorCtr="0" anchor="b" bIns="91425" lIns="91425" spcFirstLastPara="1" rIns="91425" wrap="square" tIns="91425">
+          <a:bodyPr spcFirstLastPara="1" wrap="square" lIns="91425" tIns="91425" rIns="91425" bIns="91425" anchor="b" anchorCtr="0">
             <a:noAutofit/>
           </a:bodyPr>
           <a:lstStyle>
@@ -4692,15 +5179,19 @@
               <a:defRPr/>
             </a:lvl9pPr>
           </a:lstStyle>
-          <a:p/>
+          <a:p>
+            <a:endParaRPr/>
+          </a:p>
         </p:txBody>
       </p:sp>
       <p:sp>
         <p:nvSpPr>
           <p:cNvPr id="32" name="Google Shape;32;p6"/>
-          <p:cNvSpPr txBox="1"/>
+          <p:cNvSpPr txBox="1">
+            <a:spLocks noGrp="1"/>
+          </p:cNvSpPr>
           <p:nvPr>
-            <p:ph idx="12" type="sldNum"/>
+            <p:ph type="sldNum" idx="12"/>
           </p:nvPr>
         </p:nvSpPr>
         <p:spPr>
@@ -4713,7 +5204,7 @@
           </a:prstGeom>
         </p:spPr>
         <p:txBody>
-          <a:bodyPr anchorCtr="0" anchor="ctr" bIns="91425" lIns="91425" spcFirstLastPara="1" rIns="91425" wrap="square" tIns="91425">
+          <a:bodyPr spcFirstLastPara="1" wrap="square" lIns="91425" tIns="91425" rIns="91425" bIns="91425" anchor="ctr" anchorCtr="0">
             <a:noAutofit/>
           </a:bodyPr>
           <a:lstStyle>
@@ -4755,7 +5246,7 @@
             </a:lvl9pPr>
           </a:lstStyle>
           <a:p>
-            <a:pPr indent="0" lvl="0" marL="0" rtl="0" algn="r">
+            <a:pPr marL="0" lvl="0" indent="0" algn="r" rtl="0">
               <a:spcBef>
                 <a:spcPts val="0"/>
               </a:spcBef>
@@ -4781,11 +5272,11 @@
 </file>
 
 <file path=ppt/slideLayouts/slideLayout6.xml><?xml version="1.0" encoding="utf-8"?>
-<p:sldLayout xmlns:a="http://schemas.openxmlformats.org/drawingml/2006/main" xmlns:r="http://schemas.openxmlformats.org/officeDocument/2006/relationships" xmlns:mc="http://schemas.openxmlformats.org/markup-compatibility/2006" xmlns:mv="urn:schemas-microsoft-com:mac:vml" xmlns:p="http://schemas.openxmlformats.org/presentationml/2006/main" xmlns:c="http://schemas.openxmlformats.org/drawingml/2006/chart" xmlns:dgm="http://schemas.openxmlformats.org/drawingml/2006/diagram" xmlns:o="urn:schemas-microsoft-com:office:office" xmlns:v="urn:schemas-microsoft-com:vml" xmlns:pvml="urn:schemas-microsoft-com:office:powerpoint" xmlns:com="http://schemas.openxmlformats.org/drawingml/2006/compatibility" xmlns:p14="http://schemas.microsoft.com/office/powerpoint/2010/main" xmlns:p15="http://schemas.microsoft.com/office/powerpoint/2012/main" matchingName="One column text">
+<p:sldLayout xmlns:a="http://schemas.openxmlformats.org/drawingml/2006/main" xmlns:r="http://schemas.openxmlformats.org/officeDocument/2006/relationships" xmlns:p="http://schemas.openxmlformats.org/presentationml/2006/main" matchingName="One column text">
   <p:cSld name="ONE_COLUMN_TEXT">
     <p:spTree>
       <p:nvGrpSpPr>
-        <p:cNvPr id="33" name="Shape 33"/>
+        <p:cNvPr id="1" name="Shape 33"/>
         <p:cNvGrpSpPr/>
         <p:nvPr/>
       </p:nvGrpSpPr>
@@ -4800,7 +5291,9 @@
       <p:sp>
         <p:nvSpPr>
           <p:cNvPr id="34" name="Google Shape;34;p7"/>
-          <p:cNvSpPr txBox="1"/>
+          <p:cNvSpPr txBox="1">
+            <a:spLocks noGrp="1"/>
+          </p:cNvSpPr>
           <p:nvPr>
             <p:ph type="title"/>
           </p:nvPr>
@@ -4815,7 +5308,7 @@
           </a:prstGeom>
         </p:spPr>
         <p:txBody>
-          <a:bodyPr anchorCtr="0" anchor="b" bIns="91425" lIns="91425" spcFirstLastPara="1" rIns="91425" wrap="square" tIns="91425">
+          <a:bodyPr spcFirstLastPara="1" wrap="square" lIns="91425" tIns="91425" rIns="91425" bIns="91425" anchor="b" anchorCtr="0">
             <a:noAutofit/>
           </a:bodyPr>
           <a:lstStyle>
@@ -4919,15 +5412,19 @@
               <a:defRPr sz="3000"/>
             </a:lvl9pPr>
           </a:lstStyle>
-          <a:p/>
+          <a:p>
+            <a:endParaRPr/>
+          </a:p>
         </p:txBody>
       </p:sp>
       <p:sp>
         <p:nvSpPr>
           <p:cNvPr id="35" name="Google Shape;35;p7"/>
-          <p:cNvSpPr txBox="1"/>
+          <p:cNvSpPr txBox="1">
+            <a:spLocks noGrp="1"/>
+          </p:cNvSpPr>
           <p:nvPr>
-            <p:ph idx="1" type="body"/>
+            <p:ph type="body" idx="1"/>
           </p:nvPr>
         </p:nvSpPr>
         <p:spPr>
@@ -4940,11 +5437,11 @@
           </a:prstGeom>
         </p:spPr>
         <p:txBody>
-          <a:bodyPr anchorCtr="0" anchor="t" bIns="91425" lIns="91425" spcFirstLastPara="1" rIns="91425" wrap="square" tIns="91425">
+          <a:bodyPr spcFirstLastPara="1" wrap="square" lIns="91425" tIns="91425" rIns="91425" bIns="91425" anchor="t" anchorCtr="0">
             <a:noAutofit/>
           </a:bodyPr>
           <a:lstStyle>
-            <a:lvl1pPr indent="-304800" lvl="0" marL="457200">
+            <a:lvl1pPr marL="457200" lvl="0" indent="-304800">
               <a:spcBef>
                 <a:spcPts val="0"/>
               </a:spcBef>
@@ -4955,7 +5452,7 @@
               <a:buChar char="●"/>
               <a:defRPr sz="1200"/>
             </a:lvl1pPr>
-            <a:lvl2pPr indent="-304800" lvl="1" marL="914400">
+            <a:lvl2pPr marL="914400" lvl="1" indent="-304800">
               <a:spcBef>
                 <a:spcPts val="1600"/>
               </a:spcBef>
@@ -4966,7 +5463,7 @@
               <a:buChar char="○"/>
               <a:defRPr sz="1200"/>
             </a:lvl2pPr>
-            <a:lvl3pPr indent="-304800" lvl="2" marL="1371600">
+            <a:lvl3pPr marL="1371600" lvl="2" indent="-304800">
               <a:spcBef>
                 <a:spcPts val="1600"/>
               </a:spcBef>
@@ -4977,7 +5474,7 @@
               <a:buChar char="■"/>
               <a:defRPr sz="1200"/>
             </a:lvl3pPr>
-            <a:lvl4pPr indent="-304800" lvl="3" marL="1828800">
+            <a:lvl4pPr marL="1828800" lvl="3" indent="-304800">
               <a:spcBef>
                 <a:spcPts val="1600"/>
               </a:spcBef>
@@ -4988,7 +5485,7 @@
               <a:buChar char="●"/>
               <a:defRPr sz="1200"/>
             </a:lvl4pPr>
-            <a:lvl5pPr indent="-304800" lvl="4" marL="2286000">
+            <a:lvl5pPr marL="2286000" lvl="4" indent="-304800">
               <a:spcBef>
                 <a:spcPts val="1600"/>
               </a:spcBef>
@@ -4999,7 +5496,7 @@
               <a:buChar char="○"/>
               <a:defRPr sz="1200"/>
             </a:lvl5pPr>
-            <a:lvl6pPr indent="-304800" lvl="5" marL="2743200">
+            <a:lvl6pPr marL="2743200" lvl="5" indent="-304800">
               <a:spcBef>
                 <a:spcPts val="1600"/>
               </a:spcBef>
@@ -5010,7 +5507,7 @@
               <a:buChar char="■"/>
               <a:defRPr sz="1200"/>
             </a:lvl6pPr>
-            <a:lvl7pPr indent="-304800" lvl="6" marL="3200400">
+            <a:lvl7pPr marL="3200400" lvl="6" indent="-304800">
               <a:spcBef>
                 <a:spcPts val="1600"/>
               </a:spcBef>
@@ -5021,7 +5518,7 @@
               <a:buChar char="●"/>
               <a:defRPr sz="1200"/>
             </a:lvl7pPr>
-            <a:lvl8pPr indent="-304800" lvl="7" marL="3657600">
+            <a:lvl8pPr marL="3657600" lvl="7" indent="-304800">
               <a:spcBef>
                 <a:spcPts val="1600"/>
               </a:spcBef>
@@ -5032,7 +5529,7 @@
               <a:buChar char="○"/>
               <a:defRPr sz="1200"/>
             </a:lvl8pPr>
-            <a:lvl9pPr indent="-304800" lvl="8" marL="4114800">
+            <a:lvl9pPr marL="4114800" lvl="8" indent="-304800">
               <a:spcBef>
                 <a:spcPts val="1600"/>
               </a:spcBef>
@@ -5044,15 +5541,19 @@
               <a:defRPr sz="1200"/>
             </a:lvl9pPr>
           </a:lstStyle>
-          <a:p/>
+          <a:p>
+            <a:endParaRPr/>
+          </a:p>
         </p:txBody>
       </p:sp>
       <p:sp>
         <p:nvSpPr>
           <p:cNvPr id="36" name="Google Shape;36;p7"/>
-          <p:cNvSpPr txBox="1"/>
+          <p:cNvSpPr txBox="1">
+            <a:spLocks noGrp="1"/>
+          </p:cNvSpPr>
           <p:nvPr>
-            <p:ph idx="12" type="sldNum"/>
+            <p:ph type="sldNum" idx="12"/>
           </p:nvPr>
         </p:nvSpPr>
         <p:spPr>
@@ -5065,7 +5566,7 @@
           </a:prstGeom>
         </p:spPr>
         <p:txBody>
-          <a:bodyPr anchorCtr="0" anchor="ctr" bIns="91425" lIns="91425" spcFirstLastPara="1" rIns="91425" wrap="square" tIns="91425">
+          <a:bodyPr spcFirstLastPara="1" wrap="square" lIns="91425" tIns="91425" rIns="91425" bIns="91425" anchor="ctr" anchorCtr="0">
             <a:noAutofit/>
           </a:bodyPr>
           <a:lstStyle>
@@ -5107,7 +5608,7 @@
             </a:lvl9pPr>
           </a:lstStyle>
           <a:p>
-            <a:pPr indent="0" lvl="0" marL="0" rtl="0" algn="r">
+            <a:pPr marL="0" lvl="0" indent="0" algn="r" rtl="0">
               <a:spcBef>
                 <a:spcPts val="0"/>
               </a:spcBef>
@@ -5133,11 +5634,11 @@
 </file>
 
 <file path=ppt/slideLayouts/slideLayout7.xml><?xml version="1.0" encoding="utf-8"?>
-<p:sldLayout xmlns:a="http://schemas.openxmlformats.org/drawingml/2006/main" xmlns:r="http://schemas.openxmlformats.org/officeDocument/2006/relationships" xmlns:mc="http://schemas.openxmlformats.org/markup-compatibility/2006" xmlns:mv="urn:schemas-microsoft-com:mac:vml" xmlns:p="http://schemas.openxmlformats.org/presentationml/2006/main" xmlns:c="http://schemas.openxmlformats.org/drawingml/2006/chart" xmlns:dgm="http://schemas.openxmlformats.org/drawingml/2006/diagram" xmlns:o="urn:schemas-microsoft-com:office:office" xmlns:v="urn:schemas-microsoft-com:vml" xmlns:pvml="urn:schemas-microsoft-com:office:powerpoint" xmlns:com="http://schemas.openxmlformats.org/drawingml/2006/compatibility" xmlns:p14="http://schemas.microsoft.com/office/powerpoint/2010/main" xmlns:p15="http://schemas.microsoft.com/office/powerpoint/2012/main" matchingName="Main point">
+<p:sldLayout xmlns:a="http://schemas.openxmlformats.org/drawingml/2006/main" xmlns:r="http://schemas.openxmlformats.org/officeDocument/2006/relationships" xmlns:p="http://schemas.openxmlformats.org/presentationml/2006/main" matchingName="Main point">
   <p:cSld name="MAIN_POINT">
     <p:spTree>
       <p:nvGrpSpPr>
-        <p:cNvPr id="37" name="Shape 37"/>
+        <p:cNvPr id="1" name="Shape 37"/>
         <p:cNvGrpSpPr/>
         <p:nvPr/>
       </p:nvGrpSpPr>
@@ -5171,12 +5672,12 @@
           </a:ln>
         </p:spPr>
         <p:txBody>
-          <a:bodyPr anchorCtr="0" anchor="ctr" bIns="91425" lIns="91425" spcFirstLastPara="1" rIns="91425" wrap="square" tIns="91425">
+          <a:bodyPr spcFirstLastPara="1" wrap="square" lIns="91425" tIns="91425" rIns="91425" bIns="91425" anchor="ctr" anchorCtr="0">
             <a:noAutofit/>
           </a:bodyPr>
           <a:lstStyle/>
           <a:p>
-            <a:pPr indent="0" lvl="0" marL="0" rtl="0" algn="l">
+            <a:pPr marL="0" lvl="0" indent="0" algn="l" rtl="0">
               <a:spcBef>
                 <a:spcPts val="0"/>
               </a:spcBef>
@@ -5185,9 +5686,6 @@
               </a:spcAft>
               <a:buNone/>
             </a:pPr>
-            <a:r>
-              <a:t/>
-            </a:r>
             <a:endParaRPr/>
           </a:p>
         </p:txBody>
@@ -5195,7 +5693,9 @@
       <p:sp>
         <p:nvSpPr>
           <p:cNvPr id="39" name="Google Shape;39;p8"/>
-          <p:cNvSpPr txBox="1"/>
+          <p:cNvSpPr txBox="1">
+            <a:spLocks noGrp="1"/>
+          </p:cNvSpPr>
           <p:nvPr>
             <p:ph type="title"/>
           </p:nvPr>
@@ -5210,7 +5710,7 @@
           </a:prstGeom>
         </p:spPr>
         <p:txBody>
-          <a:bodyPr anchorCtr="0" anchor="ctr" bIns="91425" lIns="91425" spcFirstLastPara="1" rIns="91425" wrap="square" tIns="91425">
+          <a:bodyPr spcFirstLastPara="1" wrap="square" lIns="91425" tIns="91425" rIns="91425" bIns="91425" anchor="ctr" anchorCtr="0">
             <a:noAutofit/>
           </a:bodyPr>
           <a:lstStyle>
@@ -5314,15 +5814,19 @@
               <a:defRPr sz="4800"/>
             </a:lvl9pPr>
           </a:lstStyle>
-          <a:p/>
+          <a:p>
+            <a:endParaRPr/>
+          </a:p>
         </p:txBody>
       </p:sp>
       <p:sp>
         <p:nvSpPr>
           <p:cNvPr id="40" name="Google Shape;40;p8"/>
-          <p:cNvSpPr txBox="1"/>
+          <p:cNvSpPr txBox="1">
+            <a:spLocks noGrp="1"/>
+          </p:cNvSpPr>
           <p:nvPr>
-            <p:ph idx="12" type="sldNum"/>
+            <p:ph type="sldNum" idx="12"/>
           </p:nvPr>
         </p:nvSpPr>
         <p:spPr>
@@ -5335,7 +5839,7 @@
           </a:prstGeom>
         </p:spPr>
         <p:txBody>
-          <a:bodyPr anchorCtr="0" anchor="ctr" bIns="91425" lIns="91425" spcFirstLastPara="1" rIns="91425" wrap="square" tIns="91425">
+          <a:bodyPr spcFirstLastPara="1" wrap="square" lIns="91425" tIns="91425" rIns="91425" bIns="91425" anchor="ctr" anchorCtr="0">
             <a:noAutofit/>
           </a:bodyPr>
           <a:lstStyle>
@@ -5377,7 +5881,7 @@
             </a:lvl9pPr>
           </a:lstStyle>
           <a:p>
-            <a:pPr indent="0" lvl="0" marL="0" rtl="0" algn="r">
+            <a:pPr marL="0" lvl="0" indent="0" algn="r" rtl="0">
               <a:spcBef>
                 <a:spcPts val="0"/>
               </a:spcBef>
@@ -5403,11 +5907,11 @@
 </file>
 
 <file path=ppt/slideLayouts/slideLayout8.xml><?xml version="1.0" encoding="utf-8"?>
-<p:sldLayout xmlns:a="http://schemas.openxmlformats.org/drawingml/2006/main" xmlns:r="http://schemas.openxmlformats.org/officeDocument/2006/relationships" xmlns:mc="http://schemas.openxmlformats.org/markup-compatibility/2006" xmlns:mv="urn:schemas-microsoft-com:mac:vml" xmlns:p="http://schemas.openxmlformats.org/presentationml/2006/main" xmlns:c="http://schemas.openxmlformats.org/drawingml/2006/chart" xmlns:dgm="http://schemas.openxmlformats.org/drawingml/2006/diagram" xmlns:o="urn:schemas-microsoft-com:office:office" xmlns:v="urn:schemas-microsoft-com:vml" xmlns:pvml="urn:schemas-microsoft-com:office:powerpoint" xmlns:com="http://schemas.openxmlformats.org/drawingml/2006/compatibility" xmlns:p14="http://schemas.microsoft.com/office/powerpoint/2010/main" xmlns:p15="http://schemas.microsoft.com/office/powerpoint/2012/main" matchingName="Section title and description">
+<p:sldLayout xmlns:a="http://schemas.openxmlformats.org/drawingml/2006/main" xmlns:r="http://schemas.openxmlformats.org/officeDocument/2006/relationships" xmlns:p="http://schemas.openxmlformats.org/presentationml/2006/main" matchingName="Section title and description">
   <p:cSld name="SECTION_TITLE_AND_DESCRIPTION">
     <p:spTree>
       <p:nvGrpSpPr>
-        <p:cNvPr id="41" name="Shape 41"/>
+        <p:cNvPr id="1" name="Shape 41"/>
         <p:cNvGrpSpPr/>
         <p:nvPr/>
       </p:nvGrpSpPr>
@@ -5441,12 +5945,12 @@
           </a:ln>
         </p:spPr>
         <p:txBody>
-          <a:bodyPr anchorCtr="0" anchor="ctr" bIns="91425" lIns="91425" spcFirstLastPara="1" rIns="91425" wrap="square" tIns="91425">
+          <a:bodyPr spcFirstLastPara="1" wrap="square" lIns="91425" tIns="91425" rIns="91425" bIns="91425" anchor="ctr" anchorCtr="0">
             <a:noAutofit/>
           </a:bodyPr>
           <a:lstStyle/>
           <a:p>
-            <a:pPr indent="0" lvl="0" marL="0" rtl="0" algn="l">
+            <a:pPr marL="0" lvl="0" indent="0" algn="l" rtl="0">
               <a:spcBef>
                 <a:spcPts val="0"/>
               </a:spcBef>
@@ -5455,9 +5959,6 @@
               </a:spcAft>
               <a:buNone/>
             </a:pPr>
-            <a:r>
-              <a:t/>
-            </a:r>
             <a:endParaRPr/>
           </a:p>
         </p:txBody>
@@ -5477,21 +5978,23 @@
             <a:avLst/>
           </a:prstGeom>
           <a:noFill/>
-          <a:ln cap="flat" cmpd="sng" w="19050">
+          <a:ln w="19050" cap="flat" cmpd="sng">
             <a:solidFill>
               <a:schemeClr val="lt1"/>
             </a:solidFill>
             <a:prstDash val="solid"/>
             <a:round/>
-            <a:headEnd len="sm" w="sm" type="none"/>
-            <a:tailEnd len="sm" w="sm" type="none"/>
+            <a:headEnd type="none" w="sm" len="sm"/>
+            <a:tailEnd type="none" w="sm" len="sm"/>
           </a:ln>
         </p:spPr>
       </p:cxnSp>
       <p:sp>
         <p:nvSpPr>
           <p:cNvPr id="44" name="Google Shape;44;p9"/>
-          <p:cNvSpPr txBox="1"/>
+          <p:cNvSpPr txBox="1">
+            <a:spLocks noGrp="1"/>
+          </p:cNvSpPr>
           <p:nvPr>
             <p:ph type="title"/>
           </p:nvPr>
@@ -5506,7 +6009,7 @@
           </a:prstGeom>
         </p:spPr>
         <p:txBody>
-          <a:bodyPr anchorCtr="0" anchor="b" bIns="91425" lIns="91425" spcFirstLastPara="1" rIns="91425" wrap="square" tIns="91425">
+          <a:bodyPr spcFirstLastPara="1" wrap="square" lIns="91425" tIns="91425" rIns="91425" bIns="91425" anchor="b" anchorCtr="0">
             <a:noAutofit/>
           </a:bodyPr>
           <a:lstStyle>
@@ -5673,15 +6176,19 @@
               </a:defRPr>
             </a:lvl9pPr>
           </a:lstStyle>
-          <a:p/>
+          <a:p>
+            <a:endParaRPr/>
+          </a:p>
         </p:txBody>
       </p:sp>
       <p:sp>
         <p:nvSpPr>
           <p:cNvPr id="45" name="Google Shape;45;p9"/>
-          <p:cNvSpPr txBox="1"/>
+          <p:cNvSpPr txBox="1">
+            <a:spLocks noGrp="1"/>
+          </p:cNvSpPr>
           <p:nvPr>
-            <p:ph idx="1" type="subTitle"/>
+            <p:ph type="subTitle" idx="1"/>
           </p:nvPr>
         </p:nvSpPr>
         <p:spPr>
@@ -5694,7 +6201,7 @@
           </a:prstGeom>
         </p:spPr>
         <p:txBody>
-          <a:bodyPr anchorCtr="0" anchor="t" bIns="91425" lIns="91425" spcFirstLastPara="1" rIns="91425" wrap="square" tIns="91425">
+          <a:bodyPr spcFirstLastPara="1" wrap="square" lIns="91425" tIns="91425" rIns="91425" bIns="91425" anchor="t" anchorCtr="0">
             <a:noAutofit/>
           </a:bodyPr>
           <a:lstStyle>
@@ -5879,15 +6386,19 @@
               </a:defRPr>
             </a:lvl9pPr>
           </a:lstStyle>
-          <a:p/>
+          <a:p>
+            <a:endParaRPr/>
+          </a:p>
         </p:txBody>
       </p:sp>
       <p:sp>
         <p:nvSpPr>
           <p:cNvPr id="46" name="Google Shape;46;p9"/>
-          <p:cNvSpPr txBox="1"/>
+          <p:cNvSpPr txBox="1">
+            <a:spLocks noGrp="1"/>
+          </p:cNvSpPr>
           <p:nvPr>
-            <p:ph idx="2" type="body"/>
+            <p:ph type="body" idx="2"/>
           </p:nvPr>
         </p:nvSpPr>
         <p:spPr>
@@ -5900,11 +6411,11 @@
           </a:prstGeom>
         </p:spPr>
         <p:txBody>
-          <a:bodyPr anchorCtr="0" anchor="ctr" bIns="91425" lIns="91425" spcFirstLastPara="1" rIns="91425" wrap="square" tIns="91425">
+          <a:bodyPr spcFirstLastPara="1" wrap="square" lIns="91425" tIns="91425" rIns="91425" bIns="91425" anchor="ctr" anchorCtr="0">
             <a:noAutofit/>
           </a:bodyPr>
           <a:lstStyle>
-            <a:lvl1pPr indent="-342900" lvl="0" marL="457200">
+            <a:lvl1pPr marL="457200" lvl="0" indent="-342900">
               <a:spcBef>
                 <a:spcPts val="0"/>
               </a:spcBef>
@@ -5922,7 +6433,7 @@
                 </a:solidFill>
               </a:defRPr>
             </a:lvl1pPr>
-            <a:lvl2pPr indent="-317500" lvl="1" marL="914400">
+            <a:lvl2pPr marL="914400" lvl="1" indent="-317500">
               <a:spcBef>
                 <a:spcPts val="1600"/>
               </a:spcBef>
@@ -5940,7 +6451,7 @@
                 </a:solidFill>
               </a:defRPr>
             </a:lvl2pPr>
-            <a:lvl3pPr indent="-317500" lvl="2" marL="1371600">
+            <a:lvl3pPr marL="1371600" lvl="2" indent="-317500">
               <a:spcBef>
                 <a:spcPts val="1600"/>
               </a:spcBef>
@@ -5958,7 +6469,7 @@
                 </a:solidFill>
               </a:defRPr>
             </a:lvl3pPr>
-            <a:lvl4pPr indent="-317500" lvl="3" marL="1828800">
+            <a:lvl4pPr marL="1828800" lvl="3" indent="-317500">
               <a:spcBef>
                 <a:spcPts val="1600"/>
               </a:spcBef>
@@ -5976,7 +6487,7 @@
                 </a:solidFill>
               </a:defRPr>
             </a:lvl4pPr>
-            <a:lvl5pPr indent="-317500" lvl="4" marL="2286000">
+            <a:lvl5pPr marL="2286000" lvl="4" indent="-317500">
               <a:spcBef>
                 <a:spcPts val="1600"/>
               </a:spcBef>
@@ -5994,7 +6505,7 @@
                 </a:solidFill>
               </a:defRPr>
             </a:lvl5pPr>
-            <a:lvl6pPr indent="-317500" lvl="5" marL="2743200">
+            <a:lvl6pPr marL="2743200" lvl="5" indent="-317500">
               <a:spcBef>
                 <a:spcPts val="1600"/>
               </a:spcBef>
@@ -6012,7 +6523,7 @@
                 </a:solidFill>
               </a:defRPr>
             </a:lvl6pPr>
-            <a:lvl7pPr indent="-317500" lvl="6" marL="3200400">
+            <a:lvl7pPr marL="3200400" lvl="6" indent="-317500">
               <a:spcBef>
                 <a:spcPts val="1600"/>
               </a:spcBef>
@@ -6030,7 +6541,7 @@
                 </a:solidFill>
               </a:defRPr>
             </a:lvl7pPr>
-            <a:lvl8pPr indent="-317500" lvl="7" marL="3657600">
+            <a:lvl8pPr marL="3657600" lvl="7" indent="-317500">
               <a:spcBef>
                 <a:spcPts val="1600"/>
               </a:spcBef>
@@ -6048,7 +6559,7 @@
                 </a:solidFill>
               </a:defRPr>
             </a:lvl8pPr>
-            <a:lvl9pPr indent="-317500" lvl="8" marL="4114800">
+            <a:lvl9pPr marL="4114800" lvl="8" indent="-317500">
               <a:spcBef>
                 <a:spcPts val="1600"/>
               </a:spcBef>
@@ -6067,15 +6578,19 @@
               </a:defRPr>
             </a:lvl9pPr>
           </a:lstStyle>
-          <a:p/>
+          <a:p>
+            <a:endParaRPr/>
+          </a:p>
         </p:txBody>
       </p:sp>
       <p:sp>
         <p:nvSpPr>
           <p:cNvPr id="47" name="Google Shape;47;p9"/>
-          <p:cNvSpPr txBox="1"/>
+          <p:cNvSpPr txBox="1">
+            <a:spLocks noGrp="1"/>
+          </p:cNvSpPr>
           <p:nvPr>
-            <p:ph idx="12" type="sldNum"/>
+            <p:ph type="sldNum" idx="12"/>
           </p:nvPr>
         </p:nvSpPr>
         <p:spPr>
@@ -6088,7 +6603,7 @@
           </a:prstGeom>
         </p:spPr>
         <p:txBody>
-          <a:bodyPr anchorCtr="0" anchor="ctr" bIns="91425" lIns="91425" spcFirstLastPara="1" rIns="91425" wrap="square" tIns="91425">
+          <a:bodyPr spcFirstLastPara="1" wrap="square" lIns="91425" tIns="91425" rIns="91425" bIns="91425" anchor="ctr" anchorCtr="0">
             <a:noAutofit/>
           </a:bodyPr>
           <a:lstStyle>
@@ -6166,7 +6681,7 @@
             </a:lvl9pPr>
           </a:lstStyle>
           <a:p>
-            <a:pPr indent="0" lvl="0" marL="0" rtl="0" algn="r">
+            <a:pPr marL="0" lvl="0" indent="0" algn="r" rtl="0">
               <a:spcBef>
                 <a:spcPts val="0"/>
               </a:spcBef>
@@ -6192,11 +6707,11 @@
 </file>
 
 <file path=ppt/slideLayouts/slideLayout9.xml><?xml version="1.0" encoding="utf-8"?>
-<p:sldLayout xmlns:a="http://schemas.openxmlformats.org/drawingml/2006/main" xmlns:r="http://schemas.openxmlformats.org/officeDocument/2006/relationships" xmlns:mc="http://schemas.openxmlformats.org/markup-compatibility/2006" xmlns:mv="urn:schemas-microsoft-com:mac:vml" xmlns:p="http://schemas.openxmlformats.org/presentationml/2006/main" xmlns:c="http://schemas.openxmlformats.org/drawingml/2006/chart" xmlns:dgm="http://schemas.openxmlformats.org/drawingml/2006/diagram" xmlns:o="urn:schemas-microsoft-com:office:office" xmlns:v="urn:schemas-microsoft-com:vml" xmlns:pvml="urn:schemas-microsoft-com:office:powerpoint" xmlns:com="http://schemas.openxmlformats.org/drawingml/2006/compatibility" xmlns:p14="http://schemas.microsoft.com/office/powerpoint/2010/main" xmlns:p15="http://schemas.microsoft.com/office/powerpoint/2012/main" matchingName="Caption">
+<p:sldLayout xmlns:a="http://schemas.openxmlformats.org/drawingml/2006/main" xmlns:r="http://schemas.openxmlformats.org/officeDocument/2006/relationships" xmlns:p="http://schemas.openxmlformats.org/presentationml/2006/main" matchingName="Caption">
   <p:cSld name="CAPTION_ONLY">
     <p:spTree>
       <p:nvGrpSpPr>
-        <p:cNvPr id="48" name="Shape 48"/>
+        <p:cNvPr id="1" name="Shape 48"/>
         <p:cNvGrpSpPr/>
         <p:nvPr/>
       </p:nvGrpSpPr>
@@ -6211,9 +6726,11 @@
       <p:sp>
         <p:nvSpPr>
           <p:cNvPr id="49" name="Google Shape;49;p10"/>
-          <p:cNvSpPr txBox="1"/>
+          <p:cNvSpPr txBox="1">
+            <a:spLocks noGrp="1"/>
+          </p:cNvSpPr>
           <p:nvPr>
-            <p:ph idx="1" type="body"/>
+            <p:ph type="body" idx="1"/>
           </p:nvPr>
         </p:nvSpPr>
         <p:spPr>
@@ -6226,11 +6743,11 @@
           </a:prstGeom>
         </p:spPr>
         <p:txBody>
-          <a:bodyPr anchorCtr="0" anchor="ctr" bIns="91425" lIns="91425" spcFirstLastPara="1" rIns="91425" wrap="square" tIns="91425">
+          <a:bodyPr spcFirstLastPara="1" wrap="square" lIns="91425" tIns="91425" rIns="91425" bIns="91425" anchor="ctr" anchorCtr="0">
             <a:noAutofit/>
           </a:bodyPr>
           <a:lstStyle>
-            <a:lvl1pPr indent="-228600" lvl="0" marL="457200">
+            <a:lvl1pPr marL="457200" lvl="0" indent="-228600">
               <a:lnSpc>
                 <a:spcPct val="100000"/>
               </a:lnSpc>
@@ -6251,15 +6768,19 @@
               </a:defRPr>
             </a:lvl1pPr>
           </a:lstStyle>
-          <a:p/>
+          <a:p>
+            <a:endParaRPr/>
+          </a:p>
         </p:txBody>
       </p:sp>
       <p:sp>
         <p:nvSpPr>
           <p:cNvPr id="50" name="Google Shape;50;p10"/>
-          <p:cNvSpPr txBox="1"/>
+          <p:cNvSpPr txBox="1">
+            <a:spLocks noGrp="1"/>
+          </p:cNvSpPr>
           <p:nvPr>
-            <p:ph idx="12" type="sldNum"/>
+            <p:ph type="sldNum" idx="12"/>
           </p:nvPr>
         </p:nvSpPr>
         <p:spPr>
@@ -6272,7 +6793,7 @@
           </a:prstGeom>
         </p:spPr>
         <p:txBody>
-          <a:bodyPr anchorCtr="0" anchor="ctr" bIns="91425" lIns="91425" spcFirstLastPara="1" rIns="91425" wrap="square" tIns="91425">
+          <a:bodyPr spcFirstLastPara="1" wrap="square" lIns="91425" tIns="91425" rIns="91425" bIns="91425" anchor="ctr" anchorCtr="0">
             <a:noAutofit/>
           </a:bodyPr>
           <a:lstStyle>
@@ -6314,7 +6835,7 @@
             </a:lvl9pPr>
           </a:lstStyle>
           <a:p>
-            <a:pPr indent="0" lvl="0" marL="0" rtl="0" algn="r">
+            <a:pPr marL="0" lvl="0" indent="0" algn="r" rtl="0">
               <a:spcBef>
                 <a:spcPts val="0"/>
               </a:spcBef>
@@ -6340,18 +6861,19 @@
 </file>
 
 <file path=ppt/slideMasters/slideMaster1.xml><?xml version="1.0" encoding="utf-8"?>
-<p:sldMaster xmlns:a="http://schemas.openxmlformats.org/drawingml/2006/main" xmlns:r="http://schemas.openxmlformats.org/officeDocument/2006/relationships" xmlns:mc="http://schemas.openxmlformats.org/markup-compatibility/2006" xmlns:mv="urn:schemas-microsoft-com:mac:vml" xmlns:p="http://schemas.openxmlformats.org/presentationml/2006/main" xmlns:c="http://schemas.openxmlformats.org/drawingml/2006/chart" xmlns:dgm="http://schemas.openxmlformats.org/drawingml/2006/diagram" xmlns:o="urn:schemas-microsoft-com:office:office" xmlns:v="urn:schemas-microsoft-com:vml" xmlns:pvml="urn:schemas-microsoft-com:office:powerpoint" xmlns:com="http://schemas.openxmlformats.org/drawingml/2006/compatibility" xmlns:p14="http://schemas.microsoft.com/office/powerpoint/2010/main" xmlns:p15="http://schemas.microsoft.com/office/powerpoint/2012/main">
+<p:sldMaster xmlns:a="http://schemas.openxmlformats.org/drawingml/2006/main" xmlns:r="http://schemas.openxmlformats.org/officeDocument/2006/relationships" xmlns:p="http://schemas.openxmlformats.org/presentationml/2006/main">
   <p:cSld name="luxe">
     <p:bg>
       <p:bgPr>
         <a:solidFill>
           <a:schemeClr val="lt1"/>
         </a:solidFill>
+        <a:effectLst/>
       </p:bgPr>
     </p:bg>
     <p:spTree>
       <p:nvGrpSpPr>
-        <p:cNvPr id="5" name="Shape 5"/>
+        <p:cNvPr id="1" name="Shape 5"/>
         <p:cNvGrpSpPr/>
         <p:nvPr/>
       </p:nvGrpSpPr>
@@ -6366,7 +6888,9 @@
       <p:sp>
         <p:nvSpPr>
           <p:cNvPr id="6" name="Google Shape;6;p1"/>
-          <p:cNvSpPr txBox="1"/>
+          <p:cNvSpPr txBox="1">
+            <a:spLocks noGrp="1"/>
+          </p:cNvSpPr>
           <p:nvPr>
             <p:ph type="title"/>
           </p:nvPr>
@@ -6385,7 +6909,7 @@
           </a:ln>
         </p:spPr>
         <p:txBody>
-          <a:bodyPr anchorCtr="0" anchor="b" bIns="91425" lIns="91425" spcFirstLastPara="1" rIns="91425" wrap="square" tIns="91425">
+          <a:bodyPr spcFirstLastPara="1" wrap="square" lIns="91425" tIns="91425" rIns="91425" bIns="91425" anchor="b" anchorCtr="0">
             <a:noAutofit/>
           </a:bodyPr>
           <a:lstStyle>
@@ -6597,15 +7121,19 @@
               </a:defRPr>
             </a:lvl9pPr>
           </a:lstStyle>
-          <a:p/>
+          <a:p>
+            <a:endParaRPr/>
+          </a:p>
         </p:txBody>
       </p:sp>
       <p:sp>
         <p:nvSpPr>
           <p:cNvPr id="7" name="Google Shape;7;p1"/>
-          <p:cNvSpPr txBox="1"/>
+          <p:cNvSpPr txBox="1">
+            <a:spLocks noGrp="1"/>
+          </p:cNvSpPr>
           <p:nvPr>
-            <p:ph idx="1" type="body"/>
+            <p:ph type="body" idx="1"/>
           </p:nvPr>
         </p:nvSpPr>
         <p:spPr>
@@ -6622,11 +7150,11 @@
           </a:ln>
         </p:spPr>
         <p:txBody>
-          <a:bodyPr anchorCtr="0" anchor="t" bIns="91425" lIns="91425" spcFirstLastPara="1" rIns="91425" wrap="square" tIns="91425">
+          <a:bodyPr spcFirstLastPara="1" wrap="square" lIns="91425" tIns="91425" rIns="91425" bIns="91425" anchor="t" anchorCtr="0">
             <a:noAutofit/>
           </a:bodyPr>
           <a:lstStyle>
-            <a:lvl1pPr indent="-342900" lvl="0" marL="457200">
+            <a:lvl1pPr marL="457200" lvl="0" indent="-342900">
               <a:lnSpc>
                 <a:spcPct val="115000"/>
               </a:lnSpc>
@@ -6652,7 +7180,7 @@
                 <a:sym typeface="Open Sans"/>
               </a:defRPr>
             </a:lvl1pPr>
-            <a:lvl2pPr indent="-317500" lvl="1" marL="914400">
+            <a:lvl2pPr marL="914400" lvl="1" indent="-317500">
               <a:lnSpc>
                 <a:spcPct val="115000"/>
               </a:lnSpc>
@@ -6678,7 +7206,7 @@
                 <a:sym typeface="Open Sans"/>
               </a:defRPr>
             </a:lvl2pPr>
-            <a:lvl3pPr indent="-317500" lvl="2" marL="1371600">
+            <a:lvl3pPr marL="1371600" lvl="2" indent="-317500">
               <a:lnSpc>
                 <a:spcPct val="115000"/>
               </a:lnSpc>
@@ -6704,7 +7232,7 @@
                 <a:sym typeface="Open Sans"/>
               </a:defRPr>
             </a:lvl3pPr>
-            <a:lvl4pPr indent="-317500" lvl="3" marL="1828800">
+            <a:lvl4pPr marL="1828800" lvl="3" indent="-317500">
               <a:lnSpc>
                 <a:spcPct val="115000"/>
               </a:lnSpc>
@@ -6730,7 +7258,7 @@
                 <a:sym typeface="Open Sans"/>
               </a:defRPr>
             </a:lvl4pPr>
-            <a:lvl5pPr indent="-317500" lvl="4" marL="2286000">
+            <a:lvl5pPr marL="2286000" lvl="4" indent="-317500">
               <a:lnSpc>
                 <a:spcPct val="115000"/>
               </a:lnSpc>
@@ -6756,7 +7284,7 @@
                 <a:sym typeface="Open Sans"/>
               </a:defRPr>
             </a:lvl5pPr>
-            <a:lvl6pPr indent="-317500" lvl="5" marL="2743200">
+            <a:lvl6pPr marL="2743200" lvl="5" indent="-317500">
               <a:lnSpc>
                 <a:spcPct val="115000"/>
               </a:lnSpc>
@@ -6782,7 +7310,7 @@
                 <a:sym typeface="Open Sans"/>
               </a:defRPr>
             </a:lvl6pPr>
-            <a:lvl7pPr indent="-317500" lvl="6" marL="3200400">
+            <a:lvl7pPr marL="3200400" lvl="6" indent="-317500">
               <a:lnSpc>
                 <a:spcPct val="115000"/>
               </a:lnSpc>
@@ -6808,7 +7336,7 @@
                 <a:sym typeface="Open Sans"/>
               </a:defRPr>
             </a:lvl7pPr>
-            <a:lvl8pPr indent="-317500" lvl="7" marL="3657600">
+            <a:lvl8pPr marL="3657600" lvl="7" indent="-317500">
               <a:lnSpc>
                 <a:spcPct val="115000"/>
               </a:lnSpc>
@@ -6834,7 +7362,7 @@
                 <a:sym typeface="Open Sans"/>
               </a:defRPr>
             </a:lvl8pPr>
-            <a:lvl9pPr indent="-317500" lvl="8" marL="4114800">
+            <a:lvl9pPr marL="4114800" lvl="8" indent="-317500">
               <a:lnSpc>
                 <a:spcPct val="115000"/>
               </a:lnSpc>
@@ -6861,15 +7389,19 @@
               </a:defRPr>
             </a:lvl9pPr>
           </a:lstStyle>
-          <a:p/>
+          <a:p>
+            <a:endParaRPr/>
+          </a:p>
         </p:txBody>
       </p:sp>
       <p:sp>
         <p:nvSpPr>
           <p:cNvPr id="8" name="Google Shape;8;p1"/>
-          <p:cNvSpPr txBox="1"/>
+          <p:cNvSpPr txBox="1">
+            <a:spLocks noGrp="1"/>
+          </p:cNvSpPr>
           <p:nvPr>
-            <p:ph idx="12" type="sldNum"/>
+            <p:ph type="sldNum" idx="12"/>
           </p:nvPr>
         </p:nvSpPr>
         <p:spPr>
@@ -6886,7 +7418,7 @@
           </a:ln>
         </p:spPr>
         <p:txBody>
-          <a:bodyPr anchorCtr="0" anchor="ctr" bIns="91425" lIns="91425" spcFirstLastPara="1" rIns="91425" wrap="square" tIns="91425">
+          <a:bodyPr spcFirstLastPara="1" wrap="square" lIns="91425" tIns="91425" rIns="91425" bIns="91425" anchor="ctr" anchorCtr="0">
             <a:noAutofit/>
           </a:bodyPr>
           <a:lstStyle>
@@ -7000,7 +7532,7 @@
             </a:lvl9pPr>
           </a:lstStyle>
           <a:p>
-            <a:pPr indent="0" lvl="0" marL="0" rtl="0" algn="r">
+            <a:pPr marL="0" lvl="0" indent="0" algn="r" rtl="0">
               <a:spcBef>
                 <a:spcPts val="0"/>
               </a:spcBef>
@@ -7019,7 +7551,7 @@
       </p:sp>
     </p:spTree>
   </p:cSld>
-  <p:clrMap accent1="accent1" accent2="accent2" accent3="accent3" accent4="accent4" accent5="accent5" accent6="accent6" bg1="lt1" bg2="dk2" tx1="dk1" tx2="lt2" folHlink="folHlink" hlink="hlink"/>
+  <p:clrMap bg1="lt1" tx1="dk1" bg2="dk2" tx2="lt2" accent1="accent1" accent2="accent2" accent3="accent3" accent4="accent4" accent5="accent5" accent6="accent6" hlink="hlink" folHlink="folHlink"/>
   <p:sldLayoutIdLst>
     <p:sldLayoutId id="2147483648" r:id="rId1"/>
     <p:sldLayoutId id="2147483649" r:id="rId2"/>
@@ -7033,10 +7565,10 @@
     <p:sldLayoutId id="2147483657" r:id="rId10"/>
     <p:sldLayoutId id="2147483658" r:id="rId11"/>
   </p:sldLayoutIdLst>
-  <p:hf dt="0" ftr="0" hdr="0" sldNum="0"/>
+  <p:hf sldNum="0" hdr="0" ftr="0" dt="0"/>
   <p:txStyles>
     <p:titleStyle>
-      <a:defPPr lvl="0" marR="0" rtl="0" algn="l">
+      <a:defPPr marR="0" lvl="0" algn="l" rtl="0">
         <a:lnSpc>
           <a:spcPct val="100000"/>
         </a:lnSpc>
@@ -7047,7 +7579,7 @@
           <a:spcPts val="0"/>
         </a:spcAft>
       </a:defPPr>
-      <a:lvl1pPr lvl="0" marR="0" rtl="0" algn="l">
+      <a:lvl1pPr marR="0" lvl="0" algn="l" rtl="0">
         <a:lnSpc>
           <a:spcPct val="100000"/>
         </a:lnSpc>
@@ -7061,7 +7593,7 @@
           <a:srgbClr val="000000"/>
         </a:buClr>
         <a:buFont typeface="Arial"/>
-        <a:defRPr b="0" i="0" sz="1400" u="none" cap="none" strike="noStrike">
+        <a:defRPr sz="1400" b="0" i="0" u="none" strike="noStrike" cap="none">
           <a:solidFill>
             <a:srgbClr val="000000"/>
           </a:solidFill>
@@ -7071,7 +7603,7 @@
           <a:sym typeface="Arial"/>
         </a:defRPr>
       </a:lvl1pPr>
-      <a:lvl2pPr lvl="1" marR="0" rtl="0" algn="l">
+      <a:lvl2pPr marR="0" lvl="1" algn="l" rtl="0">
         <a:lnSpc>
           <a:spcPct val="100000"/>
         </a:lnSpc>
@@ -7085,7 +7617,7 @@
           <a:srgbClr val="000000"/>
         </a:buClr>
         <a:buFont typeface="Arial"/>
-        <a:defRPr b="0" i="0" sz="1400" u="none" cap="none" strike="noStrike">
+        <a:defRPr sz="1400" b="0" i="0" u="none" strike="noStrike" cap="none">
           <a:solidFill>
             <a:srgbClr val="000000"/>
           </a:solidFill>
@@ -7095,7 +7627,7 @@
           <a:sym typeface="Arial"/>
         </a:defRPr>
       </a:lvl2pPr>
-      <a:lvl3pPr lvl="2" marR="0" rtl="0" algn="l">
+      <a:lvl3pPr marR="0" lvl="2" algn="l" rtl="0">
         <a:lnSpc>
           <a:spcPct val="100000"/>
         </a:lnSpc>
@@ -7109,7 +7641,7 @@
           <a:srgbClr val="000000"/>
         </a:buClr>
         <a:buFont typeface="Arial"/>
-        <a:defRPr b="0" i="0" sz="1400" u="none" cap="none" strike="noStrike">
+        <a:defRPr sz="1400" b="0" i="0" u="none" strike="noStrike" cap="none">
           <a:solidFill>
             <a:srgbClr val="000000"/>
           </a:solidFill>
@@ -7119,7 +7651,7 @@
           <a:sym typeface="Arial"/>
         </a:defRPr>
       </a:lvl3pPr>
-      <a:lvl4pPr lvl="3" marR="0" rtl="0" algn="l">
+      <a:lvl4pPr marR="0" lvl="3" algn="l" rtl="0">
         <a:lnSpc>
           <a:spcPct val="100000"/>
         </a:lnSpc>
@@ -7133,7 +7665,7 @@
           <a:srgbClr val="000000"/>
         </a:buClr>
         <a:buFont typeface="Arial"/>
-        <a:defRPr b="0" i="0" sz="1400" u="none" cap="none" strike="noStrike">
+        <a:defRPr sz="1400" b="0" i="0" u="none" strike="noStrike" cap="none">
           <a:solidFill>
             <a:srgbClr val="000000"/>
           </a:solidFill>
@@ -7143,7 +7675,7 @@
           <a:sym typeface="Arial"/>
         </a:defRPr>
       </a:lvl4pPr>
-      <a:lvl5pPr lvl="4" marR="0" rtl="0" algn="l">
+      <a:lvl5pPr marR="0" lvl="4" algn="l" rtl="0">
         <a:lnSpc>
           <a:spcPct val="100000"/>
         </a:lnSpc>
@@ -7157,7 +7689,7 @@
           <a:srgbClr val="000000"/>
         </a:buClr>
         <a:buFont typeface="Arial"/>
-        <a:defRPr b="0" i="0" sz="1400" u="none" cap="none" strike="noStrike">
+        <a:defRPr sz="1400" b="0" i="0" u="none" strike="noStrike" cap="none">
           <a:solidFill>
             <a:srgbClr val="000000"/>
           </a:solidFill>
@@ -7167,7 +7699,7 @@
           <a:sym typeface="Arial"/>
         </a:defRPr>
       </a:lvl5pPr>
-      <a:lvl6pPr lvl="5" marR="0" rtl="0" algn="l">
+      <a:lvl6pPr marR="0" lvl="5" algn="l" rtl="0">
         <a:lnSpc>
           <a:spcPct val="100000"/>
         </a:lnSpc>
@@ -7181,7 +7713,7 @@
           <a:srgbClr val="000000"/>
         </a:buClr>
         <a:buFont typeface="Arial"/>
-        <a:defRPr b="0" i="0" sz="1400" u="none" cap="none" strike="noStrike">
+        <a:defRPr sz="1400" b="0" i="0" u="none" strike="noStrike" cap="none">
           <a:solidFill>
             <a:srgbClr val="000000"/>
           </a:solidFill>
@@ -7191,7 +7723,7 @@
           <a:sym typeface="Arial"/>
         </a:defRPr>
       </a:lvl6pPr>
-      <a:lvl7pPr lvl="6" marR="0" rtl="0" algn="l">
+      <a:lvl7pPr marR="0" lvl="6" algn="l" rtl="0">
         <a:lnSpc>
           <a:spcPct val="100000"/>
         </a:lnSpc>
@@ -7205,7 +7737,7 @@
           <a:srgbClr val="000000"/>
         </a:buClr>
         <a:buFont typeface="Arial"/>
-        <a:defRPr b="0" i="0" sz="1400" u="none" cap="none" strike="noStrike">
+        <a:defRPr sz="1400" b="0" i="0" u="none" strike="noStrike" cap="none">
           <a:solidFill>
             <a:srgbClr val="000000"/>
           </a:solidFill>
@@ -7215,7 +7747,7 @@
           <a:sym typeface="Arial"/>
         </a:defRPr>
       </a:lvl7pPr>
-      <a:lvl8pPr lvl="7" marR="0" rtl="0" algn="l">
+      <a:lvl8pPr marR="0" lvl="7" algn="l" rtl="0">
         <a:lnSpc>
           <a:spcPct val="100000"/>
         </a:lnSpc>
@@ -7229,7 +7761,7 @@
           <a:srgbClr val="000000"/>
         </a:buClr>
         <a:buFont typeface="Arial"/>
-        <a:defRPr b="0" i="0" sz="1400" u="none" cap="none" strike="noStrike">
+        <a:defRPr sz="1400" b="0" i="0" u="none" strike="noStrike" cap="none">
           <a:solidFill>
             <a:srgbClr val="000000"/>
           </a:solidFill>
@@ -7239,7 +7771,7 @@
           <a:sym typeface="Arial"/>
         </a:defRPr>
       </a:lvl8pPr>
-      <a:lvl9pPr lvl="8" marR="0" rtl="0" algn="l">
+      <a:lvl9pPr marR="0" lvl="8" algn="l" rtl="0">
         <a:lnSpc>
           <a:spcPct val="100000"/>
         </a:lnSpc>
@@ -7253,7 +7785,7 @@
           <a:srgbClr val="000000"/>
         </a:buClr>
         <a:buFont typeface="Arial"/>
-        <a:defRPr b="0" i="0" sz="1400" u="none" cap="none" strike="noStrike">
+        <a:defRPr sz="1400" b="0" i="0" u="none" strike="noStrike" cap="none">
           <a:solidFill>
             <a:srgbClr val="000000"/>
           </a:solidFill>
@@ -7265,7 +7797,7 @@
       </a:lvl9pPr>
     </p:titleStyle>
     <p:bodyStyle>
-      <a:defPPr lvl="0" marR="0" rtl="0" algn="l">
+      <a:defPPr marR="0" lvl="0" algn="l" rtl="0">
         <a:lnSpc>
           <a:spcPct val="100000"/>
         </a:lnSpc>
@@ -7276,7 +7808,7 @@
           <a:spcPts val="0"/>
         </a:spcAft>
       </a:defPPr>
-      <a:lvl1pPr lvl="0" marR="0" rtl="0" algn="l">
+      <a:lvl1pPr marR="0" lvl="0" algn="l" rtl="0">
         <a:lnSpc>
           <a:spcPct val="100000"/>
         </a:lnSpc>
@@ -7290,7 +7822,7 @@
           <a:srgbClr val="000000"/>
         </a:buClr>
         <a:buFont typeface="Arial"/>
-        <a:defRPr b="0" i="0" sz="1400" u="none" cap="none" strike="noStrike">
+        <a:defRPr sz="1400" b="0" i="0" u="none" strike="noStrike" cap="none">
           <a:solidFill>
             <a:srgbClr val="000000"/>
           </a:solidFill>
@@ -7300,7 +7832,7 @@
           <a:sym typeface="Arial"/>
         </a:defRPr>
       </a:lvl1pPr>
-      <a:lvl2pPr lvl="1" marR="0" rtl="0" algn="l">
+      <a:lvl2pPr marR="0" lvl="1" algn="l" rtl="0">
         <a:lnSpc>
           <a:spcPct val="100000"/>
         </a:lnSpc>
@@ -7314,7 +7846,7 @@
           <a:srgbClr val="000000"/>
         </a:buClr>
         <a:buFont typeface="Arial"/>
-        <a:defRPr b="0" i="0" sz="1400" u="none" cap="none" strike="noStrike">
+        <a:defRPr sz="1400" b="0" i="0" u="none" strike="noStrike" cap="none">
           <a:solidFill>
             <a:srgbClr val="000000"/>
           </a:solidFill>
@@ -7324,7 +7856,7 @@
           <a:sym typeface="Arial"/>
         </a:defRPr>
       </a:lvl2pPr>
-      <a:lvl3pPr lvl="2" marR="0" rtl="0" algn="l">
+      <a:lvl3pPr marR="0" lvl="2" algn="l" rtl="0">
         <a:lnSpc>
           <a:spcPct val="100000"/>
         </a:lnSpc>
@@ -7338,7 +7870,7 @@
           <a:srgbClr val="000000"/>
         </a:buClr>
         <a:buFont typeface="Arial"/>
-        <a:defRPr b="0" i="0" sz="1400" u="none" cap="none" strike="noStrike">
+        <a:defRPr sz="1400" b="0" i="0" u="none" strike="noStrike" cap="none">
           <a:solidFill>
             <a:srgbClr val="000000"/>
           </a:solidFill>
@@ -7348,7 +7880,7 @@
           <a:sym typeface="Arial"/>
         </a:defRPr>
       </a:lvl3pPr>
-      <a:lvl4pPr lvl="3" marR="0" rtl="0" algn="l">
+      <a:lvl4pPr marR="0" lvl="3" algn="l" rtl="0">
         <a:lnSpc>
           <a:spcPct val="100000"/>
         </a:lnSpc>
@@ -7362,7 +7894,7 @@
           <a:srgbClr val="000000"/>
         </a:buClr>
         <a:buFont typeface="Arial"/>
-        <a:defRPr b="0" i="0" sz="1400" u="none" cap="none" strike="noStrike">
+        <a:defRPr sz="1400" b="0" i="0" u="none" strike="noStrike" cap="none">
           <a:solidFill>
             <a:srgbClr val="000000"/>
           </a:solidFill>
@@ -7372,7 +7904,7 @@
           <a:sym typeface="Arial"/>
         </a:defRPr>
       </a:lvl4pPr>
-      <a:lvl5pPr lvl="4" marR="0" rtl="0" algn="l">
+      <a:lvl5pPr marR="0" lvl="4" algn="l" rtl="0">
         <a:lnSpc>
           <a:spcPct val="100000"/>
         </a:lnSpc>
@@ -7386,7 +7918,7 @@
           <a:srgbClr val="000000"/>
         </a:buClr>
         <a:buFont typeface="Arial"/>
-        <a:defRPr b="0" i="0" sz="1400" u="none" cap="none" strike="noStrike">
+        <a:defRPr sz="1400" b="0" i="0" u="none" strike="noStrike" cap="none">
           <a:solidFill>
             <a:srgbClr val="000000"/>
           </a:solidFill>
@@ -7396,7 +7928,7 @@
           <a:sym typeface="Arial"/>
         </a:defRPr>
       </a:lvl5pPr>
-      <a:lvl6pPr lvl="5" marR="0" rtl="0" algn="l">
+      <a:lvl6pPr marR="0" lvl="5" algn="l" rtl="0">
         <a:lnSpc>
           <a:spcPct val="100000"/>
         </a:lnSpc>
@@ -7410,7 +7942,7 @@
           <a:srgbClr val="000000"/>
         </a:buClr>
         <a:buFont typeface="Arial"/>
-        <a:defRPr b="0" i="0" sz="1400" u="none" cap="none" strike="noStrike">
+        <a:defRPr sz="1400" b="0" i="0" u="none" strike="noStrike" cap="none">
           <a:solidFill>
             <a:srgbClr val="000000"/>
           </a:solidFill>
@@ -7420,7 +7952,7 @@
           <a:sym typeface="Arial"/>
         </a:defRPr>
       </a:lvl6pPr>
-      <a:lvl7pPr lvl="6" marR="0" rtl="0" algn="l">
+      <a:lvl7pPr marR="0" lvl="6" algn="l" rtl="0">
         <a:lnSpc>
           <a:spcPct val="100000"/>
         </a:lnSpc>
@@ -7434,7 +7966,7 @@
           <a:srgbClr val="000000"/>
         </a:buClr>
         <a:buFont typeface="Arial"/>
-        <a:defRPr b="0" i="0" sz="1400" u="none" cap="none" strike="noStrike">
+        <a:defRPr sz="1400" b="0" i="0" u="none" strike="noStrike" cap="none">
           <a:solidFill>
             <a:srgbClr val="000000"/>
           </a:solidFill>
@@ -7444,7 +7976,7 @@
           <a:sym typeface="Arial"/>
         </a:defRPr>
       </a:lvl7pPr>
-      <a:lvl8pPr lvl="7" marR="0" rtl="0" algn="l">
+      <a:lvl8pPr marR="0" lvl="7" algn="l" rtl="0">
         <a:lnSpc>
           <a:spcPct val="100000"/>
         </a:lnSpc>
@@ -7458,7 +7990,7 @@
           <a:srgbClr val="000000"/>
         </a:buClr>
         <a:buFont typeface="Arial"/>
-        <a:defRPr b="0" i="0" sz="1400" u="none" cap="none" strike="noStrike">
+        <a:defRPr sz="1400" b="0" i="0" u="none" strike="noStrike" cap="none">
           <a:solidFill>
             <a:srgbClr val="000000"/>
           </a:solidFill>
@@ -7468,7 +8000,7 @@
           <a:sym typeface="Arial"/>
         </a:defRPr>
       </a:lvl8pPr>
-      <a:lvl9pPr lvl="8" marR="0" rtl="0" algn="l">
+      <a:lvl9pPr marR="0" lvl="8" algn="l" rtl="0">
         <a:lnSpc>
           <a:spcPct val="100000"/>
         </a:lnSpc>
@@ -7482,7 +8014,7 @@
           <a:srgbClr val="000000"/>
         </a:buClr>
         <a:buFont typeface="Arial"/>
-        <a:defRPr b="0" i="0" sz="1400" u="none" cap="none" strike="noStrike">
+        <a:defRPr sz="1400" b="0" i="0" u="none" strike="noStrike" cap="none">
           <a:solidFill>
             <a:srgbClr val="000000"/>
           </a:solidFill>
@@ -7494,7 +8026,7 @@
       </a:lvl9pPr>
     </p:bodyStyle>
     <p:otherStyle>
-      <a:defPPr lvl="0" marR="0" rtl="0" algn="l">
+      <a:defPPr marR="0" lvl="0" algn="l" rtl="0">
         <a:lnSpc>
           <a:spcPct val="100000"/>
         </a:lnSpc>
@@ -7505,7 +8037,7 @@
           <a:spcPts val="0"/>
         </a:spcAft>
       </a:defPPr>
-      <a:lvl1pPr lvl="0" marR="0" rtl="0" algn="l">
+      <a:lvl1pPr marR="0" lvl="0" algn="l" rtl="0">
         <a:lnSpc>
           <a:spcPct val="100000"/>
         </a:lnSpc>
@@ -7519,7 +8051,7 @@
           <a:srgbClr val="000000"/>
         </a:buClr>
         <a:buFont typeface="Arial"/>
-        <a:defRPr b="0" i="0" sz="1400" u="none" cap="none" strike="noStrike">
+        <a:defRPr sz="1400" b="0" i="0" u="none" strike="noStrike" cap="none">
           <a:solidFill>
             <a:srgbClr val="000000"/>
           </a:solidFill>
@@ -7529,7 +8061,7 @@
           <a:sym typeface="Arial"/>
         </a:defRPr>
       </a:lvl1pPr>
-      <a:lvl2pPr lvl="1" marR="0" rtl="0" algn="l">
+      <a:lvl2pPr marR="0" lvl="1" algn="l" rtl="0">
         <a:lnSpc>
           <a:spcPct val="100000"/>
         </a:lnSpc>
@@ -7543,7 +8075,7 @@
           <a:srgbClr val="000000"/>
         </a:buClr>
         <a:buFont typeface="Arial"/>
-        <a:defRPr b="0" i="0" sz="1400" u="none" cap="none" strike="noStrike">
+        <a:defRPr sz="1400" b="0" i="0" u="none" strike="noStrike" cap="none">
           <a:solidFill>
             <a:srgbClr val="000000"/>
           </a:solidFill>
@@ -7553,7 +8085,7 @@
           <a:sym typeface="Arial"/>
         </a:defRPr>
       </a:lvl2pPr>
-      <a:lvl3pPr lvl="2" marR="0" rtl="0" algn="l">
+      <a:lvl3pPr marR="0" lvl="2" algn="l" rtl="0">
         <a:lnSpc>
           <a:spcPct val="100000"/>
         </a:lnSpc>
@@ -7567,7 +8099,7 @@
           <a:srgbClr val="000000"/>
         </a:buClr>
         <a:buFont typeface="Arial"/>
-        <a:defRPr b="0" i="0" sz="1400" u="none" cap="none" strike="noStrike">
+        <a:defRPr sz="1400" b="0" i="0" u="none" strike="noStrike" cap="none">
           <a:solidFill>
             <a:srgbClr val="000000"/>
           </a:solidFill>
@@ -7577,7 +8109,7 @@
           <a:sym typeface="Arial"/>
         </a:defRPr>
       </a:lvl3pPr>
-      <a:lvl4pPr lvl="3" marR="0" rtl="0" algn="l">
+      <a:lvl4pPr marR="0" lvl="3" algn="l" rtl="0">
         <a:lnSpc>
           <a:spcPct val="100000"/>
         </a:lnSpc>
@@ -7591,7 +8123,7 @@
           <a:srgbClr val="000000"/>
         </a:buClr>
         <a:buFont typeface="Arial"/>
-        <a:defRPr b="0" i="0" sz="1400" u="none" cap="none" strike="noStrike">
+        <a:defRPr sz="1400" b="0" i="0" u="none" strike="noStrike" cap="none">
           <a:solidFill>
             <a:srgbClr val="000000"/>
           </a:solidFill>
@@ -7601,7 +8133,7 @@
           <a:sym typeface="Arial"/>
         </a:defRPr>
       </a:lvl4pPr>
-      <a:lvl5pPr lvl="4" marR="0" rtl="0" algn="l">
+      <a:lvl5pPr marR="0" lvl="4" algn="l" rtl="0">
         <a:lnSpc>
           <a:spcPct val="100000"/>
         </a:lnSpc>
@@ -7615,7 +8147,7 @@
           <a:srgbClr val="000000"/>
         </a:buClr>
         <a:buFont typeface="Arial"/>
-        <a:defRPr b="0" i="0" sz="1400" u="none" cap="none" strike="noStrike">
+        <a:defRPr sz="1400" b="0" i="0" u="none" strike="noStrike" cap="none">
           <a:solidFill>
             <a:srgbClr val="000000"/>
           </a:solidFill>
@@ -7625,7 +8157,7 @@
           <a:sym typeface="Arial"/>
         </a:defRPr>
       </a:lvl5pPr>
-      <a:lvl6pPr lvl="5" marR="0" rtl="0" algn="l">
+      <a:lvl6pPr marR="0" lvl="5" algn="l" rtl="0">
         <a:lnSpc>
           <a:spcPct val="100000"/>
         </a:lnSpc>
@@ -7639,7 +8171,7 @@
           <a:srgbClr val="000000"/>
         </a:buClr>
         <a:buFont typeface="Arial"/>
-        <a:defRPr b="0" i="0" sz="1400" u="none" cap="none" strike="noStrike">
+        <a:defRPr sz="1400" b="0" i="0" u="none" strike="noStrike" cap="none">
           <a:solidFill>
             <a:srgbClr val="000000"/>
           </a:solidFill>
@@ -7649,7 +8181,7 @@
           <a:sym typeface="Arial"/>
         </a:defRPr>
       </a:lvl6pPr>
-      <a:lvl7pPr lvl="6" marR="0" rtl="0" algn="l">
+      <a:lvl7pPr marR="0" lvl="6" algn="l" rtl="0">
         <a:lnSpc>
           <a:spcPct val="100000"/>
         </a:lnSpc>
@@ -7663,7 +8195,7 @@
           <a:srgbClr val="000000"/>
         </a:buClr>
         <a:buFont typeface="Arial"/>
-        <a:defRPr b="0" i="0" sz="1400" u="none" cap="none" strike="noStrike">
+        <a:defRPr sz="1400" b="0" i="0" u="none" strike="noStrike" cap="none">
           <a:solidFill>
             <a:srgbClr val="000000"/>
           </a:solidFill>
@@ -7673,7 +8205,7 @@
           <a:sym typeface="Arial"/>
         </a:defRPr>
       </a:lvl7pPr>
-      <a:lvl8pPr lvl="7" marR="0" rtl="0" algn="l">
+      <a:lvl8pPr marR="0" lvl="7" algn="l" rtl="0">
         <a:lnSpc>
           <a:spcPct val="100000"/>
         </a:lnSpc>
@@ -7687,7 +8219,7 @@
           <a:srgbClr val="000000"/>
         </a:buClr>
         <a:buFont typeface="Arial"/>
-        <a:defRPr b="0" i="0" sz="1400" u="none" cap="none" strike="noStrike">
+        <a:defRPr sz="1400" b="0" i="0" u="none" strike="noStrike" cap="none">
           <a:solidFill>
             <a:srgbClr val="000000"/>
           </a:solidFill>
@@ -7697,7 +8229,7 @@
           <a:sym typeface="Arial"/>
         </a:defRPr>
       </a:lvl8pPr>
-      <a:lvl9pPr lvl="8" marR="0" rtl="0" algn="l">
+      <a:lvl9pPr marR="0" lvl="8" algn="l" rtl="0">
         <a:lnSpc>
           <a:spcPct val="100000"/>
         </a:lnSpc>
@@ -7711,7 +8243,7 @@
           <a:srgbClr val="000000"/>
         </a:buClr>
         <a:buFont typeface="Arial"/>
-        <a:defRPr b="0" i="0" sz="1400" u="none" cap="none" strike="noStrike">
+        <a:defRPr sz="1400" b="0" i="0" u="none" strike="noStrike" cap="none">
           <a:solidFill>
             <a:srgbClr val="000000"/>
           </a:solidFill>
@@ -7727,11 +8259,11 @@
 </file>
 
 <file path=ppt/slides/slide1.xml><?xml version="1.0" encoding="utf-8"?>
-<p:sld xmlns:a="http://schemas.openxmlformats.org/drawingml/2006/main" xmlns:r="http://schemas.openxmlformats.org/officeDocument/2006/relationships" xmlns:mc="http://schemas.openxmlformats.org/markup-compatibility/2006" xmlns:mv="urn:schemas-microsoft-com:mac:vml" xmlns:p="http://schemas.openxmlformats.org/presentationml/2006/main" xmlns:c="http://schemas.openxmlformats.org/drawingml/2006/chart" xmlns:dgm="http://schemas.openxmlformats.org/drawingml/2006/diagram" xmlns:o="urn:schemas-microsoft-com:office:office" xmlns:v="urn:schemas-microsoft-com:vml" xmlns:pvml="urn:schemas-microsoft-com:office:powerpoint" xmlns:com="http://schemas.openxmlformats.org/drawingml/2006/compatibility" xmlns:p14="http://schemas.microsoft.com/office/powerpoint/2010/main" xmlns:p15="http://schemas.microsoft.com/office/powerpoint/2012/main">
+<p:sld xmlns:a="http://schemas.openxmlformats.org/drawingml/2006/main" xmlns:r="http://schemas.openxmlformats.org/officeDocument/2006/relationships" xmlns:p="http://schemas.openxmlformats.org/presentationml/2006/main">
   <p:cSld>
     <p:spTree>
       <p:nvGrpSpPr>
-        <p:cNvPr id="61" name="Shape 61"/>
+        <p:cNvPr id="1" name="Shape 61"/>
         <p:cNvGrpSpPr/>
         <p:nvPr/>
       </p:nvGrpSpPr>
@@ -7746,14 +8278,16 @@
       <p:sp>
         <p:nvSpPr>
           <p:cNvPr id="62" name="Google Shape;62;p13"/>
-          <p:cNvSpPr txBox="1"/>
+          <p:cNvSpPr txBox="1">
+            <a:spLocks noGrp="1"/>
+          </p:cNvSpPr>
           <p:nvPr>
             <p:ph type="ctrTitle"/>
           </p:nvPr>
         </p:nvSpPr>
         <p:spPr>
           <a:xfrm>
-            <a:off x="3044700" y="2760180"/>
+            <a:off x="3044700" y="2469780"/>
             <a:ext cx="3054600" cy="1537200"/>
           </a:xfrm>
           <a:prstGeom prst="rect">
@@ -7761,12 +8295,12 @@
           </a:prstGeom>
         </p:spPr>
         <p:txBody>
-          <a:bodyPr anchorCtr="0" anchor="b" bIns="91425" lIns="91425" spcFirstLastPara="1" rIns="91425" wrap="square" tIns="91425">
+          <a:bodyPr spcFirstLastPara="1" wrap="square" lIns="91425" tIns="91425" rIns="91425" bIns="91425" anchor="b" anchorCtr="0">
             <a:noAutofit/>
           </a:bodyPr>
           <a:lstStyle/>
           <a:p>
-            <a:pPr indent="0" lvl="0" marL="0" rtl="0" algn="ctr">
+            <a:pPr marL="0" lvl="0" indent="0" algn="ctr" rtl="0">
               <a:spcBef>
                 <a:spcPts val="0"/>
               </a:spcBef>
@@ -7776,10 +8310,18 @@
               <a:buNone/>
             </a:pPr>
             <a:r>
-              <a:rPr lang="en" sz="6000"/>
+              <a:rPr lang="en-IN" sz="3600" dirty="0"/>
+              <a:t>Identification of </a:t>
+            </a:r>
+            <a:r>
+              <a:rPr lang="en" sz="3600" dirty="0"/>
               <a:t>User Query on Stack Overflow </a:t>
             </a:r>
-            <a:endParaRPr sz="6000"/>
+            <a:r>
+              <a:rPr lang="en-IN" sz="3600" dirty="0"/>
+              <a:t>using Semantic Search</a:t>
+            </a:r>
+            <a:endParaRPr sz="3600" dirty="0"/>
           </a:p>
         </p:txBody>
       </p:sp>
@@ -7798,28 +8340,30 @@
             <a:avLst/>
           </a:prstGeom>
           <a:noFill/>
-          <a:ln cap="flat" cmpd="sng" w="19050">
+          <a:ln w="19050" cap="flat" cmpd="sng">
             <a:solidFill>
               <a:schemeClr val="lt1"/>
             </a:solidFill>
             <a:prstDash val="solid"/>
             <a:round/>
-            <a:headEnd len="med" w="med" type="none"/>
-            <a:tailEnd len="med" w="med" type="none"/>
+            <a:headEnd type="none" w="med" len="med"/>
+            <a:tailEnd type="none" w="med" len="med"/>
           </a:ln>
         </p:spPr>
       </p:cxnSp>
       <p:sp>
         <p:nvSpPr>
           <p:cNvPr id="64" name="Google Shape;64;p13"/>
-          <p:cNvSpPr txBox="1"/>
+          <p:cNvSpPr txBox="1">
+            <a:spLocks noGrp="1"/>
+          </p:cNvSpPr>
           <p:nvPr>
             <p:ph type="ctrTitle"/>
           </p:nvPr>
         </p:nvSpPr>
         <p:spPr>
           <a:xfrm>
-            <a:off x="2358926" y="919950"/>
+            <a:off x="2358926" y="1071750"/>
             <a:ext cx="4298700" cy="566100"/>
           </a:xfrm>
           <a:prstGeom prst="rect">
@@ -7827,12 +8371,12 @@
           </a:prstGeom>
         </p:spPr>
         <p:txBody>
-          <a:bodyPr anchorCtr="0" anchor="b" bIns="91425" lIns="91425" spcFirstLastPara="1" rIns="91425" wrap="square" tIns="91425">
+          <a:bodyPr spcFirstLastPara="1" wrap="square" lIns="91425" tIns="91425" rIns="91425" bIns="91425" anchor="b" anchorCtr="0">
             <a:noAutofit/>
           </a:bodyPr>
           <a:lstStyle/>
           <a:p>
-            <a:pPr indent="0" lvl="0" marL="0" rtl="0" algn="ctr">
+            <a:pPr marL="0" lvl="0" indent="0" algn="ctr" rtl="0">
               <a:spcBef>
                 <a:spcPts val="0"/>
               </a:spcBef>
@@ -7842,14 +8386,14 @@
               <a:buNone/>
             </a:pPr>
             <a:r>
-              <a:rPr b="1" lang="en" sz="2400">
+              <a:rPr lang="en" sz="2400" b="1" dirty="0">
                 <a:solidFill>
                   <a:srgbClr val="FF8319"/>
                 </a:solidFill>
               </a:rPr>
               <a:t>IBM HACK</a:t>
             </a:r>
-            <a:endParaRPr b="1" sz="2400">
+            <a:endParaRPr sz="2400" b="1" dirty="0">
               <a:solidFill>
                 <a:srgbClr val="FF8319"/>
               </a:solidFill>
@@ -7879,12 +8423,12 @@
           </a:ln>
         </p:spPr>
         <p:txBody>
-          <a:bodyPr anchorCtr="0" anchor="ctr" bIns="91425" lIns="91425" spcFirstLastPara="1" rIns="91425" wrap="square" tIns="91425">
+          <a:bodyPr spcFirstLastPara="1" wrap="square" lIns="91425" tIns="91425" rIns="91425" bIns="91425" anchor="ctr" anchorCtr="0">
             <a:noAutofit/>
           </a:bodyPr>
           <a:lstStyle/>
           <a:p>
-            <a:pPr indent="0" lvl="0" marL="0" rtl="0" algn="l">
+            <a:pPr marL="0" lvl="0" indent="0" algn="l" rtl="0">
               <a:spcBef>
                 <a:spcPts val="0"/>
               </a:spcBef>
@@ -7893,9 +8437,6 @@
               </a:spcAft>
               <a:buNone/>
             </a:pPr>
-            <a:r>
-              <a:t/>
-            </a:r>
             <a:endParaRPr/>
           </a:p>
         </p:txBody>
@@ -7922,12 +8463,12 @@
           </a:ln>
         </p:spPr>
         <p:txBody>
-          <a:bodyPr anchorCtr="0" anchor="ctr" bIns="91425" lIns="91425" spcFirstLastPara="1" rIns="91425" wrap="square" tIns="91425">
+          <a:bodyPr spcFirstLastPara="1" wrap="square" lIns="91425" tIns="91425" rIns="91425" bIns="91425" anchor="ctr" anchorCtr="0">
             <a:noAutofit/>
           </a:bodyPr>
           <a:lstStyle/>
           <a:p>
-            <a:pPr indent="0" lvl="0" marL="0" rtl="0" algn="l">
+            <a:pPr marL="0" lvl="0" indent="0" algn="l" rtl="0">
               <a:spcBef>
                 <a:spcPts val="0"/>
               </a:spcBef>
@@ -7936,9 +8477,6 @@
               </a:spcAft>
               <a:buNone/>
             </a:pPr>
-            <a:r>
-              <a:t/>
-            </a:r>
             <a:endParaRPr/>
           </a:p>
         </p:txBody>
@@ -7965,12 +8503,12 @@
           </a:ln>
         </p:spPr>
         <p:txBody>
-          <a:bodyPr anchorCtr="0" anchor="ctr" bIns="91425" lIns="91425" spcFirstLastPara="1" rIns="91425" wrap="square" tIns="91425">
+          <a:bodyPr spcFirstLastPara="1" wrap="square" lIns="91425" tIns="91425" rIns="91425" bIns="91425" anchor="ctr" anchorCtr="0">
             <a:noAutofit/>
           </a:bodyPr>
           <a:lstStyle/>
           <a:p>
-            <a:pPr indent="0" lvl="0" marL="0" rtl="0" algn="l">
+            <a:pPr marL="0" lvl="0" indent="0" algn="l" rtl="0">
               <a:spcBef>
                 <a:spcPts val="0"/>
               </a:spcBef>
@@ -7979,9 +8517,6 @@
               </a:spcAft>
               <a:buNone/>
             </a:pPr>
-            <a:r>
-              <a:t/>
-            </a:r>
             <a:endParaRPr/>
           </a:p>
         </p:txBody>
@@ -8008,12 +8543,12 @@
           </a:ln>
         </p:spPr>
         <p:txBody>
-          <a:bodyPr anchorCtr="0" anchor="ctr" bIns="91425" lIns="91425" spcFirstLastPara="1" rIns="91425" wrap="square" tIns="91425">
+          <a:bodyPr spcFirstLastPara="1" wrap="square" lIns="91425" tIns="91425" rIns="91425" bIns="91425" anchor="ctr" anchorCtr="0">
             <a:noAutofit/>
           </a:bodyPr>
           <a:lstStyle/>
           <a:p>
-            <a:pPr indent="0" lvl="0" marL="0" rtl="0" algn="l">
+            <a:pPr marL="0" lvl="0" indent="0" algn="l" rtl="0">
               <a:spcBef>
                 <a:spcPts val="0"/>
               </a:spcBef>
@@ -8022,9 +8557,6 @@
               </a:spcAft>
               <a:buNone/>
             </a:pPr>
-            <a:r>
-              <a:t/>
-            </a:r>
             <a:endParaRPr/>
           </a:p>
         </p:txBody>
@@ -8038,11 +8570,11 @@
 </file>
 
 <file path=ppt/slides/slide10.xml><?xml version="1.0" encoding="utf-8"?>
-<p:sld xmlns:a="http://schemas.openxmlformats.org/drawingml/2006/main" xmlns:r="http://schemas.openxmlformats.org/officeDocument/2006/relationships" xmlns:mc="http://schemas.openxmlformats.org/markup-compatibility/2006" xmlns:mv="urn:schemas-microsoft-com:mac:vml" xmlns:p="http://schemas.openxmlformats.org/presentationml/2006/main" xmlns:c="http://schemas.openxmlformats.org/drawingml/2006/chart" xmlns:dgm="http://schemas.openxmlformats.org/drawingml/2006/diagram" xmlns:o="urn:schemas-microsoft-com:office:office" xmlns:v="urn:schemas-microsoft-com:vml" xmlns:pvml="urn:schemas-microsoft-com:office:powerpoint" xmlns:com="http://schemas.openxmlformats.org/drawingml/2006/compatibility" xmlns:p14="http://schemas.microsoft.com/office/powerpoint/2010/main" xmlns:p15="http://schemas.microsoft.com/office/powerpoint/2012/main">
+<p:sld xmlns:a="http://schemas.openxmlformats.org/drawingml/2006/main" xmlns:r="http://schemas.openxmlformats.org/officeDocument/2006/relationships" xmlns:p="http://schemas.openxmlformats.org/presentationml/2006/main">
   <p:cSld>
     <p:spTree>
       <p:nvGrpSpPr>
-        <p:cNvPr id="128" name="Shape 128"/>
+        <p:cNvPr id="1" name="Shape 113"/>
         <p:cNvGrpSpPr/>
         <p:nvPr/>
       </p:nvGrpSpPr>
@@ -8056,28 +8588,30 @@
       </p:grpSpPr>
       <p:sp>
         <p:nvSpPr>
-          <p:cNvPr id="129" name="Google Shape;129;p22"/>
-          <p:cNvSpPr txBox="1"/>
+          <p:cNvPr id="114" name="Google Shape;114;p20"/>
+          <p:cNvSpPr txBox="1">
+            <a:spLocks noGrp="1"/>
+          </p:cNvSpPr>
           <p:nvPr>
             <p:ph type="title"/>
           </p:nvPr>
         </p:nvSpPr>
         <p:spPr>
           <a:xfrm>
-            <a:off x="490250" y="260500"/>
-            <a:ext cx="4964400" cy="475500"/>
+            <a:off x="311700" y="315925"/>
+            <a:ext cx="8520600" cy="831300"/>
           </a:xfrm>
           <a:prstGeom prst="rect">
             <a:avLst/>
           </a:prstGeom>
         </p:spPr>
         <p:txBody>
-          <a:bodyPr anchorCtr="0" anchor="ctr" bIns="91425" lIns="91425" spcFirstLastPara="1" rIns="91425" wrap="square" tIns="91425">
+          <a:bodyPr spcFirstLastPara="1" wrap="square" lIns="91425" tIns="91425" rIns="91425" bIns="91425" anchor="b" anchorCtr="0">
             <a:noAutofit/>
           </a:bodyPr>
           <a:lstStyle/>
           <a:p>
-            <a:pPr indent="0" lvl="0" marL="0" rtl="0" algn="l">
+            <a:pPr marL="0" lvl="0" indent="0" algn="l" rtl="0">
               <a:spcBef>
                 <a:spcPts val="0"/>
               </a:spcBef>
@@ -8087,10 +8621,504 @@
               <a:buNone/>
             </a:pPr>
             <a:r>
-              <a:rPr b="1" lang="en" sz="3600"/>
+              <a:rPr lang="en-IN" sz="3600" b="1" dirty="0"/>
+              <a:t>Most commonly occurring tags</a:t>
+            </a:r>
+            <a:endParaRPr sz="3600" b="1" dirty="0"/>
+          </a:p>
+        </p:txBody>
+      </p:sp>
+      <p:sp>
+        <p:nvSpPr>
+          <p:cNvPr id="116" name="Google Shape;116;p20"/>
+          <p:cNvSpPr/>
+          <p:nvPr/>
+        </p:nvSpPr>
+        <p:spPr>
+          <a:xfrm>
+            <a:off x="0" y="5037300"/>
+            <a:ext cx="9144000" cy="106500"/>
+          </a:xfrm>
+          <a:prstGeom prst="rect">
+            <a:avLst/>
+          </a:prstGeom>
+          <a:solidFill>
+            <a:srgbClr val="FF8319"/>
+          </a:solidFill>
+          <a:ln>
+            <a:noFill/>
+          </a:ln>
+        </p:spPr>
+        <p:txBody>
+          <a:bodyPr spcFirstLastPara="1" wrap="square" lIns="91425" tIns="91425" rIns="91425" bIns="91425" anchor="ctr" anchorCtr="0">
+            <a:noAutofit/>
+          </a:bodyPr>
+          <a:lstStyle/>
+          <a:p>
+            <a:pPr marL="0" lvl="0" indent="0" algn="l" rtl="0">
+              <a:spcBef>
+                <a:spcPts val="0"/>
+              </a:spcBef>
+              <a:spcAft>
+                <a:spcPts val="0"/>
+              </a:spcAft>
+              <a:buNone/>
+            </a:pPr>
+            <a:endParaRPr/>
+          </a:p>
+        </p:txBody>
+      </p:sp>
+      <p:pic>
+        <p:nvPicPr>
+          <p:cNvPr id="1026" name="Picture 2">
+            <a:extLst>
+              <a:ext uri="{FF2B5EF4-FFF2-40B4-BE49-F238E27FC236}">
+                <a16:creationId xmlns:a16="http://schemas.microsoft.com/office/drawing/2014/main" id="{8F105E51-6EFE-4948-95CE-C2B3E34579D3}"/>
+              </a:ext>
+            </a:extLst>
+          </p:cNvPr>
+          <p:cNvPicPr>
+            <a:picLocks noChangeAspect="1" noChangeArrowheads="1"/>
+          </p:cNvPicPr>
+          <p:nvPr/>
+        </p:nvPicPr>
+        <p:blipFill>
+          <a:blip r:embed="rId3">
+            <a:extLst>
+              <a:ext uri="{28A0092B-C50C-407E-A947-70E740481C1C}">
+                <a14:useLocalDpi xmlns:a14="http://schemas.microsoft.com/office/drawing/2010/main" val="0"/>
+              </a:ext>
+            </a:extLst>
+          </a:blip>
+          <a:srcRect/>
+          <a:stretch>
+            <a:fillRect/>
+          </a:stretch>
+        </p:blipFill>
+        <p:spPr bwMode="auto">
+          <a:xfrm>
+            <a:off x="907725" y="1147225"/>
+            <a:ext cx="7328549" cy="3688449"/>
+          </a:xfrm>
+          <a:prstGeom prst="rect">
+            <a:avLst/>
+          </a:prstGeom>
+          <a:noFill/>
+          <a:extLst>
+            <a:ext uri="{909E8E84-426E-40DD-AFC4-6F175D3DCCD1}">
+              <a14:hiddenFill xmlns:a14="http://schemas.microsoft.com/office/drawing/2010/main">
+                <a:solidFill>
+                  <a:srgbClr val="FFFFFF"/>
+                </a:solidFill>
+              </a14:hiddenFill>
+            </a:ext>
+          </a:extLst>
+        </p:spPr>
+      </p:pic>
+    </p:spTree>
+    <p:extLst>
+      <p:ext uri="{BB962C8B-B14F-4D97-AF65-F5344CB8AC3E}">
+        <p14:creationId xmlns:p14="http://schemas.microsoft.com/office/powerpoint/2010/main" val="2730862333"/>
+      </p:ext>
+    </p:extLst>
+  </p:cSld>
+  <p:clrMapOvr>
+    <a:masterClrMapping/>
+  </p:clrMapOvr>
+</p:sld>
+</file>
+
+<file path=ppt/slides/slide11.xml><?xml version="1.0" encoding="utf-8"?>
+<p:sld xmlns:a="http://schemas.openxmlformats.org/drawingml/2006/main" xmlns:r="http://schemas.openxmlformats.org/officeDocument/2006/relationships" xmlns:p="http://schemas.openxmlformats.org/presentationml/2006/main">
+  <p:cSld>
+    <p:spTree>
+      <p:nvGrpSpPr>
+        <p:cNvPr id="1" name="Shape 113"/>
+        <p:cNvGrpSpPr/>
+        <p:nvPr/>
+      </p:nvGrpSpPr>
+      <p:grpSpPr>
+        <a:xfrm>
+          <a:off x="0" y="0"/>
+          <a:ext cx="0" cy="0"/>
+          <a:chOff x="0" y="0"/>
+          <a:chExt cx="0" cy="0"/>
+        </a:xfrm>
+      </p:grpSpPr>
+      <p:sp>
+        <p:nvSpPr>
+          <p:cNvPr id="114" name="Google Shape;114;p20"/>
+          <p:cNvSpPr txBox="1">
+            <a:spLocks noGrp="1"/>
+          </p:cNvSpPr>
+          <p:nvPr>
+            <p:ph type="title"/>
+          </p:nvPr>
+        </p:nvSpPr>
+        <p:spPr>
+          <a:xfrm>
+            <a:off x="311700" y="315925"/>
+            <a:ext cx="8520600" cy="831300"/>
+          </a:xfrm>
+          <a:prstGeom prst="rect">
+            <a:avLst/>
+          </a:prstGeom>
+        </p:spPr>
+        <p:txBody>
+          <a:bodyPr spcFirstLastPara="1" wrap="square" lIns="91425" tIns="91425" rIns="91425" bIns="91425" anchor="b" anchorCtr="0">
+            <a:noAutofit/>
+          </a:bodyPr>
+          <a:lstStyle/>
+          <a:p>
+            <a:pPr marL="0" lvl="0" indent="0" algn="l" rtl="0">
+              <a:spcBef>
+                <a:spcPts val="0"/>
+              </a:spcBef>
+              <a:spcAft>
+                <a:spcPts val="0"/>
+              </a:spcAft>
+              <a:buNone/>
+            </a:pPr>
+            <a:r>
+              <a:rPr lang="en-IN" sz="3600" b="1" dirty="0"/>
+              <a:t>Sanity Checks on the trained Word Embeddings</a:t>
+            </a:r>
+            <a:endParaRPr sz="3600" b="1" dirty="0"/>
+          </a:p>
+        </p:txBody>
+      </p:sp>
+      <p:sp>
+        <p:nvSpPr>
+          <p:cNvPr id="116" name="Google Shape;116;p20"/>
+          <p:cNvSpPr/>
+          <p:nvPr/>
+        </p:nvSpPr>
+        <p:spPr>
+          <a:xfrm>
+            <a:off x="0" y="5037300"/>
+            <a:ext cx="9144000" cy="106500"/>
+          </a:xfrm>
+          <a:prstGeom prst="rect">
+            <a:avLst/>
+          </a:prstGeom>
+          <a:solidFill>
+            <a:srgbClr val="FF8319"/>
+          </a:solidFill>
+          <a:ln>
+            <a:noFill/>
+          </a:ln>
+        </p:spPr>
+        <p:txBody>
+          <a:bodyPr spcFirstLastPara="1" wrap="square" lIns="91425" tIns="91425" rIns="91425" bIns="91425" anchor="ctr" anchorCtr="0">
+            <a:noAutofit/>
+          </a:bodyPr>
+          <a:lstStyle/>
+          <a:p>
+            <a:pPr marL="0" lvl="0" indent="0" algn="l" rtl="0">
+              <a:spcBef>
+                <a:spcPts val="0"/>
+              </a:spcBef>
+              <a:spcAft>
+                <a:spcPts val="0"/>
+              </a:spcAft>
+              <a:buNone/>
+            </a:pPr>
+            <a:endParaRPr/>
+          </a:p>
+        </p:txBody>
+      </p:sp>
+      <p:pic>
+        <p:nvPicPr>
+          <p:cNvPr id="2" name="Picture 1">
+            <a:extLst>
+              <a:ext uri="{FF2B5EF4-FFF2-40B4-BE49-F238E27FC236}">
+                <a16:creationId xmlns:a16="http://schemas.microsoft.com/office/drawing/2014/main" id="{40857892-A667-45BC-8034-57698DD0F51C}"/>
+              </a:ext>
+            </a:extLst>
+          </p:cNvPr>
+          <p:cNvPicPr>
+            <a:picLocks noChangeAspect="1"/>
+          </p:cNvPicPr>
+          <p:nvPr/>
+        </p:nvPicPr>
+        <p:blipFill>
+          <a:blip r:embed="rId3"/>
+          <a:stretch>
+            <a:fillRect/>
+          </a:stretch>
+        </p:blipFill>
+        <p:spPr>
+          <a:xfrm>
+            <a:off x="311700" y="1530560"/>
+            <a:ext cx="8520600" cy="2896664"/>
+          </a:xfrm>
+          <a:prstGeom prst="rect">
+            <a:avLst/>
+          </a:prstGeom>
+        </p:spPr>
+      </p:pic>
+    </p:spTree>
+    <p:extLst>
+      <p:ext uri="{BB962C8B-B14F-4D97-AF65-F5344CB8AC3E}">
+        <p14:creationId xmlns:p14="http://schemas.microsoft.com/office/powerpoint/2010/main" val="1163304387"/>
+      </p:ext>
+    </p:extLst>
+  </p:cSld>
+  <p:clrMapOvr>
+    <a:masterClrMapping/>
+  </p:clrMapOvr>
+</p:sld>
+</file>
+
+<file path=ppt/slides/slide12.xml><?xml version="1.0" encoding="utf-8"?>
+<p:sld xmlns:a="http://schemas.openxmlformats.org/drawingml/2006/main" xmlns:r="http://schemas.openxmlformats.org/officeDocument/2006/relationships" xmlns:p="http://schemas.openxmlformats.org/presentationml/2006/main">
+  <p:cSld>
+    <p:spTree>
+      <p:nvGrpSpPr>
+        <p:cNvPr id="1" name="Shape 120"/>
+        <p:cNvGrpSpPr/>
+        <p:nvPr/>
+      </p:nvGrpSpPr>
+      <p:grpSpPr>
+        <a:xfrm>
+          <a:off x="0" y="0"/>
+          <a:ext cx="0" cy="0"/>
+          <a:chOff x="0" y="0"/>
+          <a:chExt cx="0" cy="0"/>
+        </a:xfrm>
+      </p:grpSpPr>
+      <p:sp>
+        <p:nvSpPr>
+          <p:cNvPr id="121" name="Google Shape;121;p21"/>
+          <p:cNvSpPr txBox="1">
+            <a:spLocks noGrp="1"/>
+          </p:cNvSpPr>
+          <p:nvPr>
+            <p:ph type="title"/>
+          </p:nvPr>
+        </p:nvSpPr>
+        <p:spPr>
+          <a:xfrm>
+            <a:off x="490250" y="450150"/>
+            <a:ext cx="3712500" cy="475500"/>
+          </a:xfrm>
+          <a:prstGeom prst="rect">
+            <a:avLst/>
+          </a:prstGeom>
+        </p:spPr>
+        <p:txBody>
+          <a:bodyPr spcFirstLastPara="1" wrap="square" lIns="91425" tIns="91425" rIns="91425" bIns="91425" anchor="ctr" anchorCtr="0">
+            <a:noAutofit/>
+          </a:bodyPr>
+          <a:lstStyle/>
+          <a:p>
+            <a:pPr marL="0" lvl="0" indent="0" algn="l" rtl="0">
+              <a:spcBef>
+                <a:spcPts val="0"/>
+              </a:spcBef>
+              <a:spcAft>
+                <a:spcPts val="0"/>
+              </a:spcAft>
+              <a:buNone/>
+            </a:pPr>
+            <a:r>
+              <a:rPr lang="en" sz="4400" b="1"/>
+              <a:t>The Brain</a:t>
+            </a:r>
+            <a:endParaRPr sz="4400" b="1"/>
+          </a:p>
+        </p:txBody>
+      </p:sp>
+      <p:sp>
+        <p:nvSpPr>
+          <p:cNvPr id="122" name="Google Shape;122;p21"/>
+          <p:cNvSpPr txBox="1">
+            <a:spLocks noGrp="1"/>
+          </p:cNvSpPr>
+          <p:nvPr>
+            <p:ph type="body" idx="4294967295"/>
+          </p:nvPr>
+        </p:nvSpPr>
+        <p:spPr>
+          <a:xfrm>
+            <a:off x="311700" y="1570875"/>
+            <a:ext cx="3003600" cy="2901900"/>
+          </a:xfrm>
+          <a:prstGeom prst="rect">
+            <a:avLst/>
+          </a:prstGeom>
+        </p:spPr>
+        <p:txBody>
+          <a:bodyPr spcFirstLastPara="1" wrap="square" lIns="91425" tIns="91425" rIns="91425" bIns="91425" anchor="t" anchorCtr="0">
+            <a:noAutofit/>
+          </a:bodyPr>
+          <a:lstStyle/>
+          <a:p>
+            <a:pPr marL="0" lvl="0" indent="0" algn="l" rtl="0">
+              <a:spcBef>
+                <a:spcPts val="0"/>
+              </a:spcBef>
+              <a:spcAft>
+                <a:spcPts val="0"/>
+              </a:spcAft>
+              <a:buNone/>
+            </a:pPr>
+            <a:r>
+              <a:rPr lang="en" sz="1400"/>
+              <a:t>The flow diagram given on the right is the crux of the solution.  </a:t>
+            </a:r>
+            <a:endParaRPr sz="1400"/>
+          </a:p>
+          <a:p>
+            <a:pPr marL="0" lvl="0" indent="0" algn="l" rtl="0">
+              <a:spcBef>
+                <a:spcPts val="1600"/>
+              </a:spcBef>
+              <a:spcAft>
+                <a:spcPts val="1600"/>
+              </a:spcAft>
+              <a:buNone/>
+            </a:pPr>
+            <a:r>
+              <a:rPr lang="en" sz="1400"/>
+              <a:t>It uses the concept of Word Embedding to extract features from raw text and then compare their similarity based on their distance from each other in their shared vector space</a:t>
+            </a:r>
+            <a:endParaRPr sz="1400"/>
+          </a:p>
+        </p:txBody>
+      </p:sp>
+      <p:pic>
+        <p:nvPicPr>
+          <p:cNvPr id="123" name="Google Shape;123;p21"/>
+          <p:cNvPicPr preferRelativeResize="0"/>
+          <p:nvPr/>
+        </p:nvPicPr>
+        <p:blipFill>
+          <a:blip r:embed="rId3">
+            <a:alphaModFix/>
+          </a:blip>
+          <a:stretch>
+            <a:fillRect/>
+          </a:stretch>
+        </p:blipFill>
+        <p:spPr>
+          <a:xfrm>
+            <a:off x="3839300" y="152400"/>
+            <a:ext cx="4892526" cy="4764500"/>
+          </a:xfrm>
+          <a:prstGeom prst="rect">
+            <a:avLst/>
+          </a:prstGeom>
+          <a:noFill/>
+          <a:ln>
+            <a:noFill/>
+          </a:ln>
+        </p:spPr>
+      </p:pic>
+      <p:sp>
+        <p:nvSpPr>
+          <p:cNvPr id="124" name="Google Shape;124;p21"/>
+          <p:cNvSpPr/>
+          <p:nvPr/>
+        </p:nvSpPr>
+        <p:spPr>
+          <a:xfrm>
+            <a:off x="0" y="5037300"/>
+            <a:ext cx="9144000" cy="106500"/>
+          </a:xfrm>
+          <a:prstGeom prst="rect">
+            <a:avLst/>
+          </a:prstGeom>
+          <a:solidFill>
+            <a:srgbClr val="FF8319"/>
+          </a:solidFill>
+          <a:ln>
+            <a:noFill/>
+          </a:ln>
+        </p:spPr>
+        <p:txBody>
+          <a:bodyPr spcFirstLastPara="1" wrap="square" lIns="91425" tIns="91425" rIns="91425" bIns="91425" anchor="ctr" anchorCtr="0">
+            <a:noAutofit/>
+          </a:bodyPr>
+          <a:lstStyle/>
+          <a:p>
+            <a:pPr marL="0" lvl="0" indent="0" algn="l" rtl="0">
+              <a:spcBef>
+                <a:spcPts val="0"/>
+              </a:spcBef>
+              <a:spcAft>
+                <a:spcPts val="0"/>
+              </a:spcAft>
+              <a:buNone/>
+            </a:pPr>
+            <a:endParaRPr/>
+          </a:p>
+        </p:txBody>
+      </p:sp>
+    </p:spTree>
+  </p:cSld>
+  <p:clrMapOvr>
+    <a:masterClrMapping/>
+  </p:clrMapOvr>
+</p:sld>
+</file>
+
+<file path=ppt/slides/slide13.xml><?xml version="1.0" encoding="utf-8"?>
+<p:sld xmlns:a="http://schemas.openxmlformats.org/drawingml/2006/main" xmlns:r="http://schemas.openxmlformats.org/officeDocument/2006/relationships" xmlns:p="http://schemas.openxmlformats.org/presentationml/2006/main">
+  <p:cSld>
+    <p:spTree>
+      <p:nvGrpSpPr>
+        <p:cNvPr id="1" name="Shape 128"/>
+        <p:cNvGrpSpPr/>
+        <p:nvPr/>
+      </p:nvGrpSpPr>
+      <p:grpSpPr>
+        <a:xfrm>
+          <a:off x="0" y="0"/>
+          <a:ext cx="0" cy="0"/>
+          <a:chOff x="0" y="0"/>
+          <a:chExt cx="0" cy="0"/>
+        </a:xfrm>
+      </p:grpSpPr>
+      <p:sp>
+        <p:nvSpPr>
+          <p:cNvPr id="129" name="Google Shape;129;p22"/>
+          <p:cNvSpPr txBox="1">
+            <a:spLocks noGrp="1"/>
+          </p:cNvSpPr>
+          <p:nvPr>
+            <p:ph type="title"/>
+          </p:nvPr>
+        </p:nvSpPr>
+        <p:spPr>
+          <a:xfrm>
+            <a:off x="490250" y="260500"/>
+            <a:ext cx="4964400" cy="475500"/>
+          </a:xfrm>
+          <a:prstGeom prst="rect">
+            <a:avLst/>
+          </a:prstGeom>
+        </p:spPr>
+        <p:txBody>
+          <a:bodyPr spcFirstLastPara="1" wrap="square" lIns="91425" tIns="91425" rIns="91425" bIns="91425" anchor="ctr" anchorCtr="0">
+            <a:noAutofit/>
+          </a:bodyPr>
+          <a:lstStyle/>
+          <a:p>
+            <a:pPr marL="0" lvl="0" indent="0" algn="l" rtl="0">
+              <a:spcBef>
+                <a:spcPts val="0"/>
+              </a:spcBef>
+              <a:spcAft>
+                <a:spcPts val="0"/>
+              </a:spcAft>
+              <a:buNone/>
+            </a:pPr>
+            <a:r>
+              <a:rPr lang="en" sz="3600" b="1"/>
               <a:t>The Application Architecture</a:t>
             </a:r>
-            <a:endParaRPr b="1" sz="3600"/>
+            <a:endParaRPr sz="3600" b="1"/>
           </a:p>
         </p:txBody>
       </p:sp>
@@ -8144,12 +9172,12 @@
           </a:ln>
         </p:spPr>
         <p:txBody>
-          <a:bodyPr anchorCtr="0" anchor="ctr" bIns="91425" lIns="91425" spcFirstLastPara="1" rIns="91425" wrap="square" tIns="91425">
+          <a:bodyPr spcFirstLastPara="1" wrap="square" lIns="91425" tIns="91425" rIns="91425" bIns="91425" anchor="ctr" anchorCtr="0">
             <a:noAutofit/>
           </a:bodyPr>
           <a:lstStyle/>
           <a:p>
-            <a:pPr indent="0" lvl="0" marL="0" rtl="0" algn="l">
+            <a:pPr marL="0" lvl="0" indent="0" algn="l" rtl="0">
               <a:spcBef>
                 <a:spcPts val="0"/>
               </a:spcBef>
@@ -8158,9 +9186,6 @@
               </a:spcAft>
               <a:buNone/>
             </a:pPr>
-            <a:r>
-              <a:t/>
-            </a:r>
             <a:endParaRPr/>
           </a:p>
         </p:txBody>
@@ -8173,12 +9198,12 @@
 </p:sld>
 </file>
 
-<file path=ppt/slides/slide11.xml><?xml version="1.0" encoding="utf-8"?>
-<p:sld xmlns:a="http://schemas.openxmlformats.org/drawingml/2006/main" xmlns:r="http://schemas.openxmlformats.org/officeDocument/2006/relationships" xmlns:mc="http://schemas.openxmlformats.org/markup-compatibility/2006" xmlns:mv="urn:schemas-microsoft-com:mac:vml" xmlns:p="http://schemas.openxmlformats.org/presentationml/2006/main" xmlns:c="http://schemas.openxmlformats.org/drawingml/2006/chart" xmlns:dgm="http://schemas.openxmlformats.org/drawingml/2006/diagram" xmlns:o="urn:schemas-microsoft-com:office:office" xmlns:v="urn:schemas-microsoft-com:vml" xmlns:pvml="urn:schemas-microsoft-com:office:powerpoint" xmlns:com="http://schemas.openxmlformats.org/drawingml/2006/compatibility" xmlns:p14="http://schemas.microsoft.com/office/powerpoint/2010/main" xmlns:p15="http://schemas.microsoft.com/office/powerpoint/2012/main">
+<file path=ppt/slides/slide14.xml><?xml version="1.0" encoding="utf-8"?>
+<p:sld xmlns:a="http://schemas.openxmlformats.org/drawingml/2006/main" xmlns:r="http://schemas.openxmlformats.org/officeDocument/2006/relationships" xmlns:p="http://schemas.openxmlformats.org/presentationml/2006/main">
   <p:cSld>
     <p:spTree>
       <p:nvGrpSpPr>
-        <p:cNvPr id="135" name="Shape 135"/>
+        <p:cNvPr id="1" name="Shape 135"/>
         <p:cNvGrpSpPr/>
         <p:nvPr/>
       </p:nvGrpSpPr>
@@ -8193,7 +9218,9 @@
       <p:sp>
         <p:nvSpPr>
           <p:cNvPr id="136" name="Google Shape;136;p23"/>
-          <p:cNvSpPr txBox="1"/>
+          <p:cNvSpPr txBox="1">
+            <a:spLocks noGrp="1"/>
+          </p:cNvSpPr>
           <p:nvPr>
             <p:ph type="title"/>
           </p:nvPr>
@@ -8208,12 +9235,12 @@
           </a:prstGeom>
         </p:spPr>
         <p:txBody>
-          <a:bodyPr anchorCtr="0" anchor="ctr" bIns="91425" lIns="91425" spcFirstLastPara="1" rIns="91425" wrap="square" tIns="91425">
+          <a:bodyPr spcFirstLastPara="1" wrap="square" lIns="91425" tIns="91425" rIns="91425" bIns="91425" anchor="ctr" anchorCtr="0">
             <a:noAutofit/>
           </a:bodyPr>
           <a:lstStyle/>
           <a:p>
-            <a:pPr indent="0" lvl="0" marL="0" rtl="0" algn="ctr">
+            <a:pPr marL="0" lvl="0" indent="0" algn="ctr" rtl="0">
               <a:spcBef>
                 <a:spcPts val="0"/>
               </a:spcBef>
@@ -8223,14 +9250,14 @@
               <a:buNone/>
             </a:pPr>
             <a:r>
-              <a:rPr b="1" lang="en" sz="4800">
+              <a:rPr lang="en" sz="4800" b="1">
                 <a:solidFill>
                   <a:srgbClr val="FF8319"/>
                 </a:solidFill>
               </a:rPr>
               <a:t>UI Design and Branding of the App</a:t>
             </a:r>
-            <a:endParaRPr b="1" sz="4800">
+            <a:endParaRPr sz="4800" b="1">
               <a:solidFill>
                 <a:srgbClr val="FF8319"/>
               </a:solidFill>
@@ -8260,12 +9287,12 @@
           </a:ln>
         </p:spPr>
         <p:txBody>
-          <a:bodyPr anchorCtr="0" anchor="ctr" bIns="91425" lIns="91425" spcFirstLastPara="1" rIns="91425" wrap="square" tIns="91425">
+          <a:bodyPr spcFirstLastPara="1" wrap="square" lIns="91425" tIns="91425" rIns="91425" bIns="91425" anchor="ctr" anchorCtr="0">
             <a:noAutofit/>
           </a:bodyPr>
           <a:lstStyle/>
           <a:p>
-            <a:pPr indent="0" lvl="0" marL="0" rtl="0" algn="l">
+            <a:pPr marL="0" lvl="0" indent="0" algn="l" rtl="0">
               <a:spcBef>
                 <a:spcPts val="0"/>
               </a:spcBef>
@@ -8274,9 +9301,6 @@
               </a:spcAft>
               <a:buNone/>
             </a:pPr>
-            <a:r>
-              <a:t/>
-            </a:r>
             <a:endParaRPr/>
           </a:p>
         </p:txBody>
@@ -8289,12 +9313,12 @@
 </p:sld>
 </file>
 
-<file path=ppt/slides/slide12.xml><?xml version="1.0" encoding="utf-8"?>
-<p:sld xmlns:a="http://schemas.openxmlformats.org/drawingml/2006/main" xmlns:r="http://schemas.openxmlformats.org/officeDocument/2006/relationships" xmlns:mc="http://schemas.openxmlformats.org/markup-compatibility/2006" xmlns:mv="urn:schemas-microsoft-com:mac:vml" xmlns:p="http://schemas.openxmlformats.org/presentationml/2006/main" xmlns:c="http://schemas.openxmlformats.org/drawingml/2006/chart" xmlns:dgm="http://schemas.openxmlformats.org/drawingml/2006/diagram" xmlns:o="urn:schemas-microsoft-com:office:office" xmlns:v="urn:schemas-microsoft-com:vml" xmlns:pvml="urn:schemas-microsoft-com:office:powerpoint" xmlns:com="http://schemas.openxmlformats.org/drawingml/2006/compatibility" xmlns:p14="http://schemas.microsoft.com/office/powerpoint/2010/main" xmlns:p15="http://schemas.microsoft.com/office/powerpoint/2012/main">
+<file path=ppt/slides/slide15.xml><?xml version="1.0" encoding="utf-8"?>
+<p:sld xmlns:a="http://schemas.openxmlformats.org/drawingml/2006/main" xmlns:r="http://schemas.openxmlformats.org/officeDocument/2006/relationships" xmlns:p="http://schemas.openxmlformats.org/presentationml/2006/main">
   <p:cSld>
     <p:spTree>
       <p:nvGrpSpPr>
-        <p:cNvPr id="141" name="Shape 141"/>
+        <p:cNvPr id="1" name="Shape 141"/>
         <p:cNvGrpSpPr/>
         <p:nvPr/>
       </p:nvGrpSpPr>
@@ -8309,7 +9333,9 @@
       <p:sp>
         <p:nvSpPr>
           <p:cNvPr id="142" name="Google Shape;142;p24"/>
-          <p:cNvSpPr txBox="1"/>
+          <p:cNvSpPr txBox="1">
+            <a:spLocks noGrp="1"/>
+          </p:cNvSpPr>
           <p:nvPr>
             <p:ph type="title"/>
           </p:nvPr>
@@ -8324,12 +9350,12 @@
           </a:prstGeom>
         </p:spPr>
         <p:txBody>
-          <a:bodyPr anchorCtr="0" anchor="b" bIns="91425" lIns="91425" spcFirstLastPara="1" rIns="91425" wrap="square" tIns="91425">
+          <a:bodyPr spcFirstLastPara="1" wrap="square" lIns="91425" tIns="91425" rIns="91425" bIns="91425" anchor="b" anchorCtr="0">
             <a:noAutofit/>
           </a:bodyPr>
           <a:lstStyle/>
           <a:p>
-            <a:pPr indent="0" lvl="0" marL="0" rtl="0" algn="l">
+            <a:pPr marL="0" lvl="0" indent="0" algn="l" rtl="0">
               <a:spcBef>
                 <a:spcPts val="0"/>
               </a:spcBef>
@@ -8339,10 +9365,10 @@
               <a:buNone/>
             </a:pPr>
             <a:r>
-              <a:rPr b="1" lang="en" sz="3600"/>
+              <a:rPr lang="en" sz="3600" b="1"/>
               <a:t>Final UI</a:t>
             </a:r>
-            <a:endParaRPr b="1" sz="3600"/>
+            <a:endParaRPr sz="3600" b="1"/>
           </a:p>
         </p:txBody>
       </p:sp>
@@ -8405,9 +9431,11 @@
       <p:sp>
         <p:nvSpPr>
           <p:cNvPr id="145" name="Google Shape;145;p24"/>
-          <p:cNvSpPr txBox="1"/>
+          <p:cNvSpPr txBox="1">
+            <a:spLocks noGrp="1"/>
+          </p:cNvSpPr>
           <p:nvPr>
-            <p:ph idx="1" type="body"/>
+            <p:ph type="body" idx="1"/>
           </p:nvPr>
         </p:nvSpPr>
         <p:spPr>
@@ -8420,12 +9448,12 @@
           </a:prstGeom>
         </p:spPr>
         <p:txBody>
-          <a:bodyPr anchorCtr="0" anchor="t" bIns="91425" lIns="91425" spcFirstLastPara="1" rIns="91425" wrap="square" tIns="91425">
+          <a:bodyPr spcFirstLastPara="1" wrap="square" lIns="91425" tIns="91425" rIns="91425" bIns="91425" anchor="t" anchorCtr="0">
             <a:noAutofit/>
           </a:bodyPr>
           <a:lstStyle/>
           <a:p>
-            <a:pPr indent="0" lvl="0" marL="0" rtl="0" algn="l">
+            <a:pPr marL="0" lvl="0" indent="0" algn="l" rtl="0">
               <a:spcBef>
                 <a:spcPts val="0"/>
               </a:spcBef>
@@ -8464,12 +9492,12 @@
           </a:ln>
         </p:spPr>
         <p:txBody>
-          <a:bodyPr anchorCtr="0" anchor="ctr" bIns="91425" lIns="91425" spcFirstLastPara="1" rIns="91425" wrap="square" tIns="91425">
+          <a:bodyPr spcFirstLastPara="1" wrap="square" lIns="91425" tIns="91425" rIns="91425" bIns="91425" anchor="ctr" anchorCtr="0">
             <a:noAutofit/>
           </a:bodyPr>
           <a:lstStyle/>
           <a:p>
-            <a:pPr indent="0" lvl="0" marL="0" rtl="0" algn="l">
+            <a:pPr marL="0" lvl="0" indent="0" algn="l" rtl="0">
               <a:spcBef>
                 <a:spcPts val="0"/>
               </a:spcBef>
@@ -8478,9 +9506,6 @@
               </a:spcAft>
               <a:buNone/>
             </a:pPr>
-            <a:r>
-              <a:t/>
-            </a:r>
             <a:endParaRPr/>
           </a:p>
         </p:txBody>
@@ -8493,12 +9518,12 @@
 </p:sld>
 </file>
 
-<file path=ppt/slides/slide13.xml><?xml version="1.0" encoding="utf-8"?>
-<p:sld xmlns:a="http://schemas.openxmlformats.org/drawingml/2006/main" xmlns:r="http://schemas.openxmlformats.org/officeDocument/2006/relationships" xmlns:mc="http://schemas.openxmlformats.org/markup-compatibility/2006" xmlns:mv="urn:schemas-microsoft-com:mac:vml" xmlns:p="http://schemas.openxmlformats.org/presentationml/2006/main" xmlns:c="http://schemas.openxmlformats.org/drawingml/2006/chart" xmlns:dgm="http://schemas.openxmlformats.org/drawingml/2006/diagram" xmlns:o="urn:schemas-microsoft-com:office:office" xmlns:v="urn:schemas-microsoft-com:vml" xmlns:pvml="urn:schemas-microsoft-com:office:powerpoint" xmlns:com="http://schemas.openxmlformats.org/drawingml/2006/compatibility" xmlns:p14="http://schemas.microsoft.com/office/powerpoint/2010/main" xmlns:p15="http://schemas.microsoft.com/office/powerpoint/2012/main">
+<file path=ppt/slides/slide16.xml><?xml version="1.0" encoding="utf-8"?>
+<p:sld xmlns:a="http://schemas.openxmlformats.org/drawingml/2006/main" xmlns:r="http://schemas.openxmlformats.org/officeDocument/2006/relationships" xmlns:p="http://schemas.openxmlformats.org/presentationml/2006/main">
   <p:cSld>
     <p:spTree>
       <p:nvGrpSpPr>
-        <p:cNvPr id="150" name="Shape 150"/>
+        <p:cNvPr id="1" name="Shape 150"/>
         <p:cNvGrpSpPr/>
         <p:nvPr/>
       </p:nvGrpSpPr>
@@ -8513,7 +9538,9 @@
       <p:sp>
         <p:nvSpPr>
           <p:cNvPr id="151" name="Google Shape;151;p25"/>
-          <p:cNvSpPr txBox="1"/>
+          <p:cNvSpPr txBox="1">
+            <a:spLocks noGrp="1"/>
+          </p:cNvSpPr>
           <p:nvPr>
             <p:ph type="title"/>
           </p:nvPr>
@@ -8528,12 +9555,12 @@
           </a:prstGeom>
         </p:spPr>
         <p:txBody>
-          <a:bodyPr anchorCtr="0" anchor="b" bIns="91425" lIns="91425" spcFirstLastPara="1" rIns="91425" wrap="square" tIns="91425">
+          <a:bodyPr spcFirstLastPara="1" wrap="square" lIns="91425" tIns="91425" rIns="91425" bIns="91425" anchor="b" anchorCtr="0">
             <a:noAutofit/>
           </a:bodyPr>
           <a:lstStyle/>
           <a:p>
-            <a:pPr indent="0" lvl="0" marL="0" rtl="0" algn="l">
+            <a:pPr marL="0" lvl="0" indent="0" algn="l" rtl="0">
               <a:spcBef>
                 <a:spcPts val="0"/>
               </a:spcBef>
@@ -8543,19 +9570,21 @@
               <a:buNone/>
             </a:pPr>
             <a:r>
-              <a:rPr b="1" lang="en" sz="3600"/>
+              <a:rPr lang="en" sz="3600" b="1"/>
               <a:t>Final UI</a:t>
             </a:r>
-            <a:endParaRPr b="1" sz="3600"/>
+            <a:endParaRPr sz="3600" b="1"/>
           </a:p>
         </p:txBody>
       </p:sp>
       <p:sp>
         <p:nvSpPr>
           <p:cNvPr id="152" name="Google Shape;152;p25"/>
-          <p:cNvSpPr txBox="1"/>
+          <p:cNvSpPr txBox="1">
+            <a:spLocks noGrp="1"/>
+          </p:cNvSpPr>
           <p:nvPr>
-            <p:ph idx="1" type="body"/>
+            <p:ph type="body" idx="1"/>
           </p:nvPr>
         </p:nvSpPr>
         <p:spPr>
@@ -8568,12 +9597,12 @@
           </a:prstGeom>
         </p:spPr>
         <p:txBody>
-          <a:bodyPr anchorCtr="0" anchor="t" bIns="91425" lIns="91425" spcFirstLastPara="1" rIns="91425" wrap="square" tIns="91425">
+          <a:bodyPr spcFirstLastPara="1" wrap="square" lIns="91425" tIns="91425" rIns="91425" bIns="91425" anchor="t" anchorCtr="0">
             <a:noAutofit/>
           </a:bodyPr>
           <a:lstStyle/>
           <a:p>
-            <a:pPr indent="0" lvl="0" marL="0" rtl="0" algn="l">
+            <a:pPr marL="0" lvl="0" indent="0" algn="l" rtl="0">
               <a:spcBef>
                 <a:spcPts val="0"/>
               </a:spcBef>
@@ -8668,12 +9697,12 @@
           </a:ln>
         </p:spPr>
         <p:txBody>
-          <a:bodyPr anchorCtr="0" anchor="ctr" bIns="91425" lIns="91425" spcFirstLastPara="1" rIns="91425" wrap="square" tIns="91425">
+          <a:bodyPr spcFirstLastPara="1" wrap="square" lIns="91425" tIns="91425" rIns="91425" bIns="91425" anchor="ctr" anchorCtr="0">
             <a:noAutofit/>
           </a:bodyPr>
           <a:lstStyle/>
           <a:p>
-            <a:pPr indent="0" lvl="0" marL="0" rtl="0" algn="l">
+            <a:pPr marL="0" lvl="0" indent="0" algn="l" rtl="0">
               <a:spcBef>
                 <a:spcPts val="0"/>
               </a:spcBef>
@@ -8682,9 +9711,6 @@
               </a:spcAft>
               <a:buNone/>
             </a:pPr>
-            <a:r>
-              <a:t/>
-            </a:r>
             <a:endParaRPr/>
           </a:p>
         </p:txBody>
@@ -8697,12 +9723,12 @@
 </p:sld>
 </file>
 
-<file path=ppt/slides/slide14.xml><?xml version="1.0" encoding="utf-8"?>
-<p:sld xmlns:a="http://schemas.openxmlformats.org/drawingml/2006/main" xmlns:r="http://schemas.openxmlformats.org/officeDocument/2006/relationships" xmlns:mc="http://schemas.openxmlformats.org/markup-compatibility/2006" xmlns:mv="urn:schemas-microsoft-com:mac:vml" xmlns:p="http://schemas.openxmlformats.org/presentationml/2006/main" xmlns:c="http://schemas.openxmlformats.org/drawingml/2006/chart" xmlns:dgm="http://schemas.openxmlformats.org/drawingml/2006/diagram" xmlns:o="urn:schemas-microsoft-com:office:office" xmlns:v="urn:schemas-microsoft-com:vml" xmlns:pvml="urn:schemas-microsoft-com:office:powerpoint" xmlns:com="http://schemas.openxmlformats.org/drawingml/2006/compatibility" xmlns:p14="http://schemas.microsoft.com/office/powerpoint/2010/main" xmlns:p15="http://schemas.microsoft.com/office/powerpoint/2012/main">
+<file path=ppt/slides/slide17.xml><?xml version="1.0" encoding="utf-8"?>
+<p:sld xmlns:a="http://schemas.openxmlformats.org/drawingml/2006/main" xmlns:r="http://schemas.openxmlformats.org/officeDocument/2006/relationships" xmlns:p="http://schemas.openxmlformats.org/presentationml/2006/main">
   <p:cSld>
     <p:spTree>
       <p:nvGrpSpPr>
-        <p:cNvPr id="159" name="Shape 159"/>
+        <p:cNvPr id="1" name="Shape 159"/>
         <p:cNvGrpSpPr/>
         <p:nvPr/>
       </p:nvGrpSpPr>
@@ -8717,7 +9743,9 @@
       <p:sp>
         <p:nvSpPr>
           <p:cNvPr id="160" name="Google Shape;160;p26"/>
-          <p:cNvSpPr txBox="1"/>
+          <p:cNvSpPr txBox="1">
+            <a:spLocks noGrp="1"/>
+          </p:cNvSpPr>
           <p:nvPr>
             <p:ph type="title"/>
           </p:nvPr>
@@ -8732,12 +9760,12 @@
           </a:prstGeom>
         </p:spPr>
         <p:txBody>
-          <a:bodyPr anchorCtr="0" anchor="b" bIns="91425" lIns="91425" spcFirstLastPara="1" rIns="91425" wrap="square" tIns="91425">
+          <a:bodyPr spcFirstLastPara="1" wrap="square" lIns="91425" tIns="91425" rIns="91425" bIns="91425" anchor="b" anchorCtr="0">
             <a:noAutofit/>
           </a:bodyPr>
           <a:lstStyle/>
           <a:p>
-            <a:pPr indent="0" lvl="0" marL="0" rtl="0" algn="l">
+            <a:pPr marL="0" lvl="0" indent="0" algn="l" rtl="0">
               <a:spcBef>
                 <a:spcPts val="0"/>
               </a:spcBef>
@@ -8747,10 +9775,10 @@
               <a:buNone/>
             </a:pPr>
             <a:r>
-              <a:rPr b="1" lang="en" sz="2400"/>
+              <a:rPr lang="en" sz="2400" b="1"/>
               <a:t>Design Guide</a:t>
             </a:r>
-            <a:endParaRPr b="1" sz="2400"/>
+            <a:endParaRPr sz="2400" b="1"/>
           </a:p>
         </p:txBody>
       </p:sp>
@@ -8764,7 +9792,7 @@
           <a:blip r:embed="rId3">
             <a:alphaModFix/>
           </a:blip>
-          <a:srcRect b="22244" l="0" r="0" t="9626"/>
+          <a:srcRect t="9626" b="22244"/>
           <a:stretch/>
         </p:blipFill>
         <p:spPr>
@@ -8803,12 +9831,12 @@
           </a:ln>
         </p:spPr>
         <p:txBody>
-          <a:bodyPr anchorCtr="0" anchor="ctr" bIns="91425" lIns="91425" spcFirstLastPara="1" rIns="91425" wrap="square" tIns="91425">
+          <a:bodyPr spcFirstLastPara="1" wrap="square" lIns="91425" tIns="91425" rIns="91425" bIns="91425" anchor="ctr" anchorCtr="0">
             <a:noAutofit/>
           </a:bodyPr>
           <a:lstStyle/>
           <a:p>
-            <a:pPr indent="0" lvl="0" marL="0" rtl="0" algn="l">
+            <a:pPr marL="0" lvl="0" indent="0" algn="l" rtl="0">
               <a:spcBef>
                 <a:spcPts val="0"/>
               </a:spcBef>
@@ -8817,9 +9845,6 @@
               </a:spcAft>
               <a:buNone/>
             </a:pPr>
-            <a:r>
-              <a:t/>
-            </a:r>
             <a:endParaRPr/>
           </a:p>
         </p:txBody>
@@ -8832,12 +9857,12 @@
 </p:sld>
 </file>
 
-<file path=ppt/slides/slide15.xml><?xml version="1.0" encoding="utf-8"?>
-<p:sld xmlns:a="http://schemas.openxmlformats.org/drawingml/2006/main" xmlns:r="http://schemas.openxmlformats.org/officeDocument/2006/relationships" xmlns:mc="http://schemas.openxmlformats.org/markup-compatibility/2006" xmlns:mv="urn:schemas-microsoft-com:mac:vml" xmlns:p="http://schemas.openxmlformats.org/presentationml/2006/main" xmlns:c="http://schemas.openxmlformats.org/drawingml/2006/chart" xmlns:dgm="http://schemas.openxmlformats.org/drawingml/2006/diagram" xmlns:o="urn:schemas-microsoft-com:office:office" xmlns:v="urn:schemas-microsoft-com:vml" xmlns:pvml="urn:schemas-microsoft-com:office:powerpoint" xmlns:com="http://schemas.openxmlformats.org/drawingml/2006/compatibility" xmlns:p14="http://schemas.microsoft.com/office/powerpoint/2010/main" xmlns:p15="http://schemas.microsoft.com/office/powerpoint/2012/main">
+<file path=ppt/slides/slide18.xml><?xml version="1.0" encoding="utf-8"?>
+<p:sld xmlns:a="http://schemas.openxmlformats.org/drawingml/2006/main" xmlns:r="http://schemas.openxmlformats.org/officeDocument/2006/relationships" xmlns:p="http://schemas.openxmlformats.org/presentationml/2006/main">
   <p:cSld>
     <p:spTree>
       <p:nvGrpSpPr>
-        <p:cNvPr id="166" name="Shape 166"/>
+        <p:cNvPr id="1" name="Shape 166"/>
         <p:cNvGrpSpPr/>
         <p:nvPr/>
       </p:nvGrpSpPr>
@@ -8852,7 +9877,9 @@
       <p:sp>
         <p:nvSpPr>
           <p:cNvPr id="167" name="Google Shape;167;p27"/>
-          <p:cNvSpPr txBox="1"/>
+          <p:cNvSpPr txBox="1">
+            <a:spLocks noGrp="1"/>
+          </p:cNvSpPr>
           <p:nvPr>
             <p:ph type="title"/>
           </p:nvPr>
@@ -8867,12 +9894,12 @@
           </a:prstGeom>
         </p:spPr>
         <p:txBody>
-          <a:bodyPr anchorCtr="0" anchor="b" bIns="91425" lIns="91425" spcFirstLastPara="1" rIns="91425" wrap="square" tIns="91425">
+          <a:bodyPr spcFirstLastPara="1" wrap="square" lIns="91425" tIns="91425" rIns="91425" bIns="91425" anchor="b" anchorCtr="0">
             <a:noAutofit/>
           </a:bodyPr>
           <a:lstStyle/>
           <a:p>
-            <a:pPr indent="0" lvl="0" marL="0" rtl="0" algn="l">
+            <a:pPr marL="0" lvl="0" indent="0" algn="l" rtl="0">
               <a:spcBef>
                 <a:spcPts val="0"/>
               </a:spcBef>
@@ -8882,10 +9909,10 @@
               <a:buNone/>
             </a:pPr>
             <a:r>
-              <a:rPr b="1" lang="en" sz="2400"/>
+              <a:rPr lang="en" sz="2400" b="1"/>
               <a:t>Logo Branding</a:t>
             </a:r>
-            <a:endParaRPr b="1" sz="2400"/>
+            <a:endParaRPr sz="2400" b="1"/>
           </a:p>
         </p:txBody>
       </p:sp>
@@ -8976,9 +10003,11 @@
       <p:sp>
         <p:nvSpPr>
           <p:cNvPr id="171" name="Google Shape;171;p27"/>
-          <p:cNvSpPr txBox="1"/>
+          <p:cNvSpPr txBox="1">
+            <a:spLocks noGrp="1"/>
+          </p:cNvSpPr>
           <p:nvPr>
-            <p:ph idx="1" type="body"/>
+            <p:ph type="body" idx="1"/>
           </p:nvPr>
         </p:nvSpPr>
         <p:spPr>
@@ -8991,12 +10020,12 @@
           </a:prstGeom>
         </p:spPr>
         <p:txBody>
-          <a:bodyPr anchorCtr="0" anchor="t" bIns="91425" lIns="91425" spcFirstLastPara="1" rIns="91425" wrap="square" tIns="91425">
+          <a:bodyPr spcFirstLastPara="1" wrap="square" lIns="91425" tIns="91425" rIns="91425" bIns="91425" anchor="t" anchorCtr="0">
             <a:noAutofit/>
           </a:bodyPr>
           <a:lstStyle/>
           <a:p>
-            <a:pPr indent="0" lvl="0" marL="0" rtl="0" algn="l">
+            <a:pPr marL="0" lvl="0" indent="0" algn="l" rtl="0">
               <a:spcBef>
                 <a:spcPts val="0"/>
               </a:spcBef>
@@ -9012,7 +10041,7 @@
             <a:endParaRPr sz="1400"/>
           </a:p>
           <a:p>
-            <a:pPr indent="0" lvl="0" marL="0" rtl="0" algn="l">
+            <a:pPr marL="0" lvl="0" indent="0" algn="l" rtl="0">
               <a:spcBef>
                 <a:spcPts val="1600"/>
               </a:spcBef>
@@ -9051,12 +10080,12 @@
           </a:ln>
         </p:spPr>
         <p:txBody>
-          <a:bodyPr anchorCtr="0" anchor="ctr" bIns="91425" lIns="91425" spcFirstLastPara="1" rIns="91425" wrap="square" tIns="91425">
+          <a:bodyPr spcFirstLastPara="1" wrap="square" lIns="91425" tIns="91425" rIns="91425" bIns="91425" anchor="ctr" anchorCtr="0">
             <a:noAutofit/>
           </a:bodyPr>
           <a:lstStyle/>
           <a:p>
-            <a:pPr indent="0" lvl="0" marL="0" rtl="0" algn="l">
+            <a:pPr marL="0" lvl="0" indent="0" algn="l" rtl="0">
               <a:spcBef>
                 <a:spcPts val="0"/>
               </a:spcBef>
@@ -9065,9 +10094,6 @@
               </a:spcAft>
               <a:buNone/>
             </a:pPr>
-            <a:r>
-              <a:t/>
-            </a:r>
             <a:endParaRPr/>
           </a:p>
         </p:txBody>
@@ -9080,12 +10106,12 @@
 </p:sld>
 </file>
 
-<file path=ppt/slides/slide16.xml><?xml version="1.0" encoding="utf-8"?>
-<p:sld xmlns:a="http://schemas.openxmlformats.org/drawingml/2006/main" xmlns:r="http://schemas.openxmlformats.org/officeDocument/2006/relationships" xmlns:mc="http://schemas.openxmlformats.org/markup-compatibility/2006" xmlns:mv="urn:schemas-microsoft-com:mac:vml" xmlns:p="http://schemas.openxmlformats.org/presentationml/2006/main" xmlns:c="http://schemas.openxmlformats.org/drawingml/2006/chart" xmlns:dgm="http://schemas.openxmlformats.org/drawingml/2006/diagram" xmlns:o="urn:schemas-microsoft-com:office:office" xmlns:v="urn:schemas-microsoft-com:vml" xmlns:pvml="urn:schemas-microsoft-com:office:powerpoint" xmlns:com="http://schemas.openxmlformats.org/drawingml/2006/compatibility" xmlns:p14="http://schemas.microsoft.com/office/powerpoint/2010/main" xmlns:p15="http://schemas.microsoft.com/office/powerpoint/2012/main">
+<file path=ppt/slides/slide19.xml><?xml version="1.0" encoding="utf-8"?>
+<p:sld xmlns:a="http://schemas.openxmlformats.org/drawingml/2006/main" xmlns:r="http://schemas.openxmlformats.org/officeDocument/2006/relationships" xmlns:p="http://schemas.openxmlformats.org/presentationml/2006/main">
   <p:cSld>
     <p:spTree>
       <p:nvGrpSpPr>
-        <p:cNvPr id="176" name="Shape 176"/>
+        <p:cNvPr id="1" name="Shape 176"/>
         <p:cNvGrpSpPr/>
         <p:nvPr/>
       </p:nvGrpSpPr>
@@ -9127,12 +10153,12 @@
           </a:ln>
         </p:spPr>
         <p:txBody>
-          <a:bodyPr anchorCtr="0" anchor="ctr" bIns="91425" lIns="91425" spcFirstLastPara="1" rIns="91425" wrap="square" tIns="91425">
+          <a:bodyPr spcFirstLastPara="1" wrap="square" lIns="91425" tIns="91425" rIns="91425" bIns="91425" anchor="ctr" anchorCtr="0">
             <a:noAutofit/>
           </a:bodyPr>
           <a:lstStyle/>
           <a:p>
-            <a:pPr indent="0" lvl="0" marL="0" rtl="0" algn="l">
+            <a:pPr marL="0" lvl="0" indent="0" algn="l" rtl="0">
               <a:spcBef>
                 <a:spcPts val="0"/>
               </a:spcBef>
@@ -9141,9 +10167,6 @@
               </a:spcAft>
               <a:buNone/>
             </a:pPr>
-            <a:r>
-              <a:t/>
-            </a:r>
             <a:endParaRPr/>
           </a:p>
         </p:txBody>
@@ -9151,9 +10174,11 @@
       <p:sp>
         <p:nvSpPr>
           <p:cNvPr id="178" name="Google Shape;178;p28"/>
-          <p:cNvSpPr txBox="1"/>
+          <p:cNvSpPr txBox="1">
+            <a:spLocks noGrp="1"/>
+          </p:cNvSpPr>
           <p:nvPr>
-            <p:ph idx="4294967295" type="title"/>
+            <p:ph type="title" idx="4294967295"/>
           </p:nvPr>
         </p:nvSpPr>
         <p:spPr>
@@ -9166,12 +10191,12 @@
           </a:prstGeom>
         </p:spPr>
         <p:txBody>
-          <a:bodyPr anchorCtr="0" anchor="b" bIns="91425" lIns="91425" spcFirstLastPara="1" rIns="91425" wrap="square" tIns="91425">
+          <a:bodyPr spcFirstLastPara="1" wrap="square" lIns="91425" tIns="91425" rIns="91425" bIns="91425" anchor="b" anchorCtr="0">
             <a:noAutofit/>
           </a:bodyPr>
           <a:lstStyle/>
           <a:p>
-            <a:pPr indent="0" lvl="0" marL="0" rtl="0" algn="l">
+            <a:pPr marL="0" lvl="0" indent="0" algn="l" rtl="0">
               <a:spcBef>
                 <a:spcPts val="0"/>
               </a:spcBef>
@@ -9181,14 +10206,14 @@
               <a:buNone/>
             </a:pPr>
             <a:r>
-              <a:rPr b="1" lang="en" sz="9600">
+              <a:rPr lang="en" sz="9600" b="1">
                 <a:solidFill>
                   <a:srgbClr val="FFFFFF"/>
                 </a:solidFill>
               </a:rPr>
               <a:t>Thank You!</a:t>
             </a:r>
-            <a:endParaRPr b="1" sz="9600">
+            <a:endParaRPr sz="9600" b="1">
               <a:solidFill>
                 <a:srgbClr val="FFFFFF"/>
               </a:solidFill>
@@ -9205,11 +10230,11 @@
 </file>
 
 <file path=ppt/slides/slide2.xml><?xml version="1.0" encoding="utf-8"?>
-<p:sld xmlns:a="http://schemas.openxmlformats.org/drawingml/2006/main" xmlns:r="http://schemas.openxmlformats.org/officeDocument/2006/relationships" xmlns:mc="http://schemas.openxmlformats.org/markup-compatibility/2006" xmlns:mv="urn:schemas-microsoft-com:mac:vml" xmlns:p="http://schemas.openxmlformats.org/presentationml/2006/main" xmlns:c="http://schemas.openxmlformats.org/drawingml/2006/chart" xmlns:dgm="http://schemas.openxmlformats.org/drawingml/2006/diagram" xmlns:o="urn:schemas-microsoft-com:office:office" xmlns:v="urn:schemas-microsoft-com:vml" xmlns:pvml="urn:schemas-microsoft-com:office:powerpoint" xmlns:com="http://schemas.openxmlformats.org/drawingml/2006/compatibility" xmlns:p14="http://schemas.microsoft.com/office/powerpoint/2010/main" xmlns:p15="http://schemas.microsoft.com/office/powerpoint/2012/main">
+<p:sld xmlns:a="http://schemas.openxmlformats.org/drawingml/2006/main" xmlns:r="http://schemas.openxmlformats.org/officeDocument/2006/relationships" xmlns:p="http://schemas.openxmlformats.org/presentationml/2006/main">
   <p:cSld>
     <p:spTree>
       <p:nvGrpSpPr>
-        <p:cNvPr id="72" name="Shape 72"/>
+        <p:cNvPr id="1" name="Shape 72"/>
         <p:cNvGrpSpPr/>
         <p:nvPr/>
       </p:nvGrpSpPr>
@@ -9224,7 +10249,9 @@
       <p:sp>
         <p:nvSpPr>
           <p:cNvPr id="73" name="Google Shape;73;p14"/>
-          <p:cNvSpPr txBox="1"/>
+          <p:cNvSpPr txBox="1">
+            <a:spLocks noGrp="1"/>
+          </p:cNvSpPr>
           <p:nvPr>
             <p:ph type="title"/>
           </p:nvPr>
@@ -9239,12 +10266,12 @@
           </a:prstGeom>
         </p:spPr>
         <p:txBody>
-          <a:bodyPr anchorCtr="0" anchor="b" bIns="91425" lIns="91425" spcFirstLastPara="1" rIns="91425" wrap="square" tIns="91425">
+          <a:bodyPr spcFirstLastPara="1" wrap="square" lIns="91425" tIns="91425" rIns="91425" bIns="91425" anchor="b" anchorCtr="0">
             <a:noAutofit/>
           </a:bodyPr>
           <a:lstStyle/>
           <a:p>
-            <a:pPr indent="0" lvl="0" marL="0" rtl="0" algn="l">
+            <a:pPr marL="0" lvl="0" indent="0" algn="l" rtl="0">
               <a:spcBef>
                 <a:spcPts val="0"/>
               </a:spcBef>
@@ -9254,14 +10281,14 @@
               <a:buNone/>
             </a:pPr>
             <a:r>
-              <a:rPr b="1" lang="en" sz="4800">
+              <a:rPr lang="en" sz="4800" b="1">
                 <a:solidFill>
                   <a:srgbClr val="FF8319"/>
                 </a:solidFill>
               </a:rPr>
               <a:t>Team Name - The Maverick</a:t>
             </a:r>
-            <a:endParaRPr b="1" sz="4800">
+            <a:endParaRPr sz="4800" b="1">
               <a:solidFill>
                 <a:srgbClr val="FF8319"/>
               </a:solidFill>
@@ -9272,9 +10299,11 @@
       <p:sp>
         <p:nvSpPr>
           <p:cNvPr id="74" name="Google Shape;74;p14"/>
-          <p:cNvSpPr txBox="1"/>
+          <p:cNvSpPr txBox="1">
+            <a:spLocks noGrp="1"/>
+          </p:cNvSpPr>
           <p:nvPr>
-            <p:ph idx="1" type="body"/>
+            <p:ph type="body" idx="1"/>
           </p:nvPr>
         </p:nvSpPr>
         <p:spPr>
@@ -9287,12 +10316,12 @@
           </a:prstGeom>
         </p:spPr>
         <p:txBody>
-          <a:bodyPr anchorCtr="0" anchor="t" bIns="91425" lIns="91425" spcFirstLastPara="1" rIns="91425" wrap="square" tIns="91425">
+          <a:bodyPr spcFirstLastPara="1" wrap="square" lIns="91425" tIns="91425" rIns="91425" bIns="91425" anchor="t" anchorCtr="0">
             <a:noAutofit/>
           </a:bodyPr>
           <a:lstStyle/>
           <a:p>
-            <a:pPr indent="-381000" lvl="0" marL="457200" rtl="0" algn="l">
+            <a:pPr marL="457200" lvl="0" indent="-381000" algn="l" rtl="0">
               <a:lnSpc>
                 <a:spcPct val="100000"/>
               </a:lnSpc>
@@ -9323,7 +10352,7 @@
             </a:endParaRPr>
           </a:p>
           <a:p>
-            <a:pPr indent="-381000" lvl="0" marL="457200" rtl="0" algn="l">
+            <a:pPr marL="457200" lvl="0" indent="-381000" algn="l" rtl="0">
               <a:lnSpc>
                 <a:spcPct val="100000"/>
               </a:lnSpc>
@@ -9348,21 +10377,21 @@
               <a:t>Team Member Name: </a:t>
             </a:r>
             <a:r>
-              <a:rPr b="1" lang="en" sz="2400">
+              <a:rPr lang="en" sz="2400" b="1">
                 <a:solidFill>
                   <a:srgbClr val="666666"/>
                 </a:solidFill>
               </a:rPr>
               <a:t>Rohit Agrawal</a:t>
             </a:r>
-            <a:endParaRPr b="1" sz="2400">
+            <a:endParaRPr sz="2400" b="1">
               <a:solidFill>
                 <a:srgbClr val="666666"/>
               </a:solidFill>
             </a:endParaRPr>
           </a:p>
           <a:p>
-            <a:pPr indent="-381000" lvl="0" marL="457200" rtl="0" algn="l">
+            <a:pPr marL="457200" lvl="0" indent="-381000" algn="l" rtl="0">
               <a:lnSpc>
                 <a:spcPct val="100000"/>
               </a:lnSpc>
@@ -9393,7 +10422,7 @@
             </a:endParaRPr>
           </a:p>
           <a:p>
-            <a:pPr indent="-381000" lvl="1" marL="914400" rtl="0" algn="l">
+            <a:pPr marL="914400" lvl="1" indent="-381000" algn="l" rtl="0">
               <a:lnSpc>
                 <a:spcPct val="100000"/>
               </a:lnSpc>
@@ -9424,7 +10453,7 @@
             </a:endParaRPr>
           </a:p>
           <a:p>
-            <a:pPr indent="-381000" lvl="1" marL="914400" rtl="0" algn="l">
+            <a:pPr marL="914400" lvl="1" indent="-381000" algn="l" rtl="0">
               <a:lnSpc>
                 <a:spcPct val="100000"/>
               </a:lnSpc>
@@ -9455,7 +10484,7 @@
             </a:endParaRPr>
           </a:p>
           <a:p>
-            <a:pPr indent="-381000" lvl="1" marL="914400" rtl="0" algn="l">
+            <a:pPr marL="914400" lvl="1" indent="-381000" algn="l" rtl="0">
               <a:lnSpc>
                 <a:spcPct val="100000"/>
               </a:lnSpc>
@@ -9537,12 +10566,12 @@
           </a:ln>
         </p:spPr>
         <p:txBody>
-          <a:bodyPr anchorCtr="0" anchor="ctr" bIns="91425" lIns="91425" spcFirstLastPara="1" rIns="91425" wrap="square" tIns="91425">
+          <a:bodyPr spcFirstLastPara="1" wrap="square" lIns="91425" tIns="91425" rIns="91425" bIns="91425" anchor="ctr" anchorCtr="0">
             <a:noAutofit/>
           </a:bodyPr>
           <a:lstStyle/>
           <a:p>
-            <a:pPr indent="0" lvl="0" marL="0" rtl="0" algn="l">
+            <a:pPr marL="0" lvl="0" indent="0" algn="l" rtl="0">
               <a:spcBef>
                 <a:spcPts val="0"/>
               </a:spcBef>
@@ -9551,9 +10580,6 @@
               </a:spcAft>
               <a:buNone/>
             </a:pPr>
-            <a:r>
-              <a:t/>
-            </a:r>
             <a:endParaRPr/>
           </a:p>
         </p:txBody>
@@ -9567,11 +10593,11 @@
 </file>
 
 <file path=ppt/slides/slide3.xml><?xml version="1.0" encoding="utf-8"?>
-<p:sld xmlns:a="http://schemas.openxmlformats.org/drawingml/2006/main" xmlns:r="http://schemas.openxmlformats.org/officeDocument/2006/relationships" xmlns:mc="http://schemas.openxmlformats.org/markup-compatibility/2006" xmlns:mv="urn:schemas-microsoft-com:mac:vml" xmlns:p="http://schemas.openxmlformats.org/presentationml/2006/main" xmlns:c="http://schemas.openxmlformats.org/drawingml/2006/chart" xmlns:dgm="http://schemas.openxmlformats.org/drawingml/2006/diagram" xmlns:o="urn:schemas-microsoft-com:office:office" xmlns:v="urn:schemas-microsoft-com:vml" xmlns:pvml="urn:schemas-microsoft-com:office:powerpoint" xmlns:com="http://schemas.openxmlformats.org/drawingml/2006/compatibility" xmlns:p14="http://schemas.microsoft.com/office/powerpoint/2010/main" xmlns:p15="http://schemas.microsoft.com/office/powerpoint/2012/main">
+<p:sld xmlns:a="http://schemas.openxmlformats.org/drawingml/2006/main" xmlns:r="http://schemas.openxmlformats.org/officeDocument/2006/relationships" xmlns:p="http://schemas.openxmlformats.org/presentationml/2006/main">
   <p:cSld>
     <p:spTree>
       <p:nvGrpSpPr>
-        <p:cNvPr id="80" name="Shape 80"/>
+        <p:cNvPr id="1" name="Shape 80"/>
         <p:cNvGrpSpPr/>
         <p:nvPr/>
       </p:nvGrpSpPr>
@@ -9600,23 +10626,23 @@
           <a:solidFill>
             <a:srgbClr val="FF8319"/>
           </a:solidFill>
-          <a:ln cap="flat" cmpd="sng" w="9525">
+          <a:ln w="9525" cap="flat" cmpd="sng">
             <a:solidFill>
               <a:schemeClr val="dk2"/>
             </a:solidFill>
             <a:prstDash val="solid"/>
             <a:round/>
-            <a:headEnd len="sm" w="sm" type="none"/>
-            <a:tailEnd len="sm" w="sm" type="none"/>
+            <a:headEnd type="none" w="sm" len="sm"/>
+            <a:tailEnd type="none" w="sm" len="sm"/>
           </a:ln>
         </p:spPr>
         <p:txBody>
-          <a:bodyPr anchorCtr="0" anchor="ctr" bIns="91425" lIns="91425" spcFirstLastPara="1" rIns="91425" wrap="square" tIns="91425">
+          <a:bodyPr spcFirstLastPara="1" wrap="square" lIns="91425" tIns="91425" rIns="91425" bIns="91425" anchor="ctr" anchorCtr="0">
             <a:noAutofit/>
           </a:bodyPr>
           <a:lstStyle/>
           <a:p>
-            <a:pPr indent="0" lvl="0" marL="0" rtl="0" algn="l">
+            <a:pPr marL="0" lvl="0" indent="0" algn="l" rtl="0">
               <a:spcBef>
                 <a:spcPts val="0"/>
               </a:spcBef>
@@ -9625,9 +10651,6 @@
               </a:spcAft>
               <a:buNone/>
             </a:pPr>
-            <a:r>
-              <a:t/>
-            </a:r>
             <a:endParaRPr/>
           </a:p>
         </p:txBody>
@@ -9635,7 +10658,9 @@
       <p:sp>
         <p:nvSpPr>
           <p:cNvPr id="82" name="Google Shape;82;p15"/>
-          <p:cNvSpPr txBox="1"/>
+          <p:cNvSpPr txBox="1">
+            <a:spLocks noGrp="1"/>
+          </p:cNvSpPr>
           <p:nvPr>
             <p:ph type="title"/>
           </p:nvPr>
@@ -9650,12 +10675,12 @@
           </a:prstGeom>
         </p:spPr>
         <p:txBody>
-          <a:bodyPr anchorCtr="0" anchor="b" bIns="91425" lIns="91425" spcFirstLastPara="1" rIns="91425" wrap="square" tIns="91425">
+          <a:bodyPr spcFirstLastPara="1" wrap="square" lIns="91425" tIns="91425" rIns="91425" bIns="91425" anchor="b" anchorCtr="0">
             <a:noAutofit/>
           </a:bodyPr>
           <a:lstStyle/>
           <a:p>
-            <a:pPr indent="0" lvl="0" marL="0" rtl="0" algn="ctr">
+            <a:pPr marL="0" lvl="0" indent="0" algn="ctr" rtl="0">
               <a:spcBef>
                 <a:spcPts val="0"/>
               </a:spcBef>
@@ -9683,14 +10708,16 @@
       <p:sp>
         <p:nvSpPr>
           <p:cNvPr id="83" name="Google Shape;83;p15"/>
-          <p:cNvSpPr txBox="1"/>
+          <p:cNvSpPr txBox="1">
+            <a:spLocks noGrp="1"/>
+          </p:cNvSpPr>
           <p:nvPr>
-            <p:ph idx="2" type="body"/>
+            <p:ph type="body" idx="2"/>
           </p:nvPr>
         </p:nvSpPr>
         <p:spPr>
           <a:xfrm>
-            <a:off x="4939500" y="382825"/>
+            <a:off x="4939500" y="724200"/>
             <a:ext cx="3837000" cy="3695100"/>
           </a:xfrm>
           <a:prstGeom prst="rect">
@@ -9698,12 +10725,12 @@
           </a:prstGeom>
         </p:spPr>
         <p:txBody>
-          <a:bodyPr anchorCtr="0" anchor="ctr" bIns="91425" lIns="91425" spcFirstLastPara="1" rIns="91425" wrap="square" tIns="91425">
+          <a:bodyPr spcFirstLastPara="1" wrap="square" lIns="91425" tIns="91425" rIns="91425" bIns="91425" anchor="ctr" anchorCtr="0">
             <a:noAutofit/>
           </a:bodyPr>
           <a:lstStyle/>
           <a:p>
-            <a:pPr indent="0" lvl="0" marL="0" rtl="0" algn="l">
+            <a:pPr marL="0" lvl="0" indent="0" algn="l" rtl="0">
               <a:spcBef>
                 <a:spcPts val="0"/>
               </a:spcBef>
@@ -9713,17 +10740,17 @@
               <a:buNone/>
             </a:pPr>
             <a:r>
-              <a:rPr b="1" lang="en" sz="1400"/>
+              <a:rPr lang="en" sz="1400" b="1" dirty="0"/>
               <a:t>Stackoverflow </a:t>
             </a:r>
             <a:r>
-              <a:rPr lang="en" sz="1400"/>
+              <a:rPr lang="en" sz="1400" dirty="0"/>
               <a:t>consists of an abundant amount of information in the format of questions and answers thus making it hard to find the exact information you need for your project. </a:t>
             </a:r>
-            <a:endParaRPr sz="1400"/>
-          </a:p>
-          <a:p>
-            <a:pPr indent="0" lvl="0" marL="0" rtl="0" algn="l">
+            <a:endParaRPr sz="1400" dirty="0"/>
+          </a:p>
+          <a:p>
+            <a:pPr marL="0" lvl="0" indent="0" algn="l" rtl="0">
               <a:spcBef>
                 <a:spcPts val="1600"/>
               </a:spcBef>
@@ -9733,13 +10760,13 @@
               <a:buNone/>
             </a:pPr>
             <a:r>
-              <a:rPr lang="en" sz="1400"/>
+              <a:rPr lang="en" sz="1400" dirty="0"/>
               <a:t>It is much easier for a domain expert to navigate through this mess because they know exactly what they are looking for.</a:t>
             </a:r>
-            <a:endParaRPr sz="1400"/>
-          </a:p>
-          <a:p>
-            <a:pPr indent="0" lvl="0" marL="0" rtl="0" algn="l">
+            <a:endParaRPr sz="1400" dirty="0"/>
+          </a:p>
+          <a:p>
+            <a:pPr marL="0" lvl="0" indent="0" algn="l" rtl="0">
               <a:spcBef>
                 <a:spcPts val="1600"/>
               </a:spcBef>
@@ -9749,14 +10776,22 @@
               <a:buNone/>
             </a:pPr>
             <a:r>
-              <a:rPr b="1" lang="en" sz="1400"/>
+              <a:rPr lang="en" sz="1400" b="1" dirty="0"/>
               <a:t>However, a new programmer might get intimidated.</a:t>
             </a:r>
             <a:r>
-              <a:rPr lang="en" sz="1400"/>
-              <a:t> For instance, if he needs to learn ‘how to make a server’ using Python, it is quite unlikely that he would use the terms ‘DJango’ or ‘Flask’ in the search box.</a:t>
+              <a:rPr lang="en" sz="1400" dirty="0"/>
+              <a:t> For instance, if he needs to learn ‘how to make a server’ using Python, it is quite unlikely that he would use the terms ‘D</a:t>
             </a:r>
-            <a:endParaRPr sz="1400"/>
+            <a:r>
+              <a:rPr lang="en-IN" sz="1400" dirty="0"/>
+              <a:t>j</a:t>
+            </a:r>
+            <a:r>
+              <a:rPr lang="en" sz="1400" dirty="0"/>
+              <a:t>ango’ or ‘Flask’ in the search box.</a:t>
+            </a:r>
+            <a:endParaRPr sz="1400" dirty="0"/>
           </a:p>
         </p:txBody>
       </p:sp>
@@ -9769,11 +10804,11 @@
 </file>
 
 <file path=ppt/slides/slide4.xml><?xml version="1.0" encoding="utf-8"?>
-<p:sld xmlns:a="http://schemas.openxmlformats.org/drawingml/2006/main" xmlns:r="http://schemas.openxmlformats.org/officeDocument/2006/relationships" xmlns:mc="http://schemas.openxmlformats.org/markup-compatibility/2006" xmlns:mv="urn:schemas-microsoft-com:mac:vml" xmlns:p="http://schemas.openxmlformats.org/presentationml/2006/main" xmlns:c="http://schemas.openxmlformats.org/drawingml/2006/chart" xmlns:dgm="http://schemas.openxmlformats.org/drawingml/2006/diagram" xmlns:o="urn:schemas-microsoft-com:office:office" xmlns:v="urn:schemas-microsoft-com:vml" xmlns:pvml="urn:schemas-microsoft-com:office:powerpoint" xmlns:com="http://schemas.openxmlformats.org/drawingml/2006/compatibility" xmlns:p14="http://schemas.microsoft.com/office/powerpoint/2010/main" xmlns:p15="http://schemas.microsoft.com/office/powerpoint/2012/main">
+<p:sld xmlns:a="http://schemas.openxmlformats.org/drawingml/2006/main" xmlns:r="http://schemas.openxmlformats.org/officeDocument/2006/relationships" xmlns:p="http://schemas.openxmlformats.org/presentationml/2006/main">
   <p:cSld>
     <p:spTree>
       <p:nvGrpSpPr>
-        <p:cNvPr id="87" name="Shape 87"/>
+        <p:cNvPr id="1" name="Shape 87"/>
         <p:cNvGrpSpPr/>
         <p:nvPr/>
       </p:nvGrpSpPr>
@@ -9802,23 +10837,23 @@
           <a:solidFill>
             <a:srgbClr val="FF8319"/>
           </a:solidFill>
-          <a:ln cap="flat" cmpd="sng" w="9525">
+          <a:ln w="9525" cap="flat" cmpd="sng">
             <a:solidFill>
               <a:schemeClr val="dk2"/>
             </a:solidFill>
             <a:prstDash val="solid"/>
             <a:round/>
-            <a:headEnd len="sm" w="sm" type="none"/>
-            <a:tailEnd len="sm" w="sm" type="none"/>
+            <a:headEnd type="none" w="sm" len="sm"/>
+            <a:tailEnd type="none" w="sm" len="sm"/>
           </a:ln>
         </p:spPr>
         <p:txBody>
-          <a:bodyPr anchorCtr="0" anchor="ctr" bIns="91425" lIns="91425" spcFirstLastPara="1" rIns="91425" wrap="square" tIns="91425">
+          <a:bodyPr spcFirstLastPara="1" wrap="square" lIns="91425" tIns="91425" rIns="91425" bIns="91425" anchor="ctr" anchorCtr="0">
             <a:noAutofit/>
           </a:bodyPr>
           <a:lstStyle/>
           <a:p>
-            <a:pPr indent="0" lvl="0" marL="0" rtl="0" algn="l">
+            <a:pPr marL="0" lvl="0" indent="0" algn="l" rtl="0">
               <a:spcBef>
                 <a:spcPts val="0"/>
               </a:spcBef>
@@ -9827,9 +10862,6 @@
               </a:spcAft>
               <a:buNone/>
             </a:pPr>
-            <a:r>
-              <a:t/>
-            </a:r>
             <a:endParaRPr/>
           </a:p>
         </p:txBody>
@@ -9837,14 +10869,16 @@
       <p:sp>
         <p:nvSpPr>
           <p:cNvPr id="89" name="Google Shape;89;p16"/>
-          <p:cNvSpPr txBox="1"/>
+          <p:cNvSpPr txBox="1">
+            <a:spLocks noGrp="1"/>
+          </p:cNvSpPr>
           <p:nvPr>
-            <p:ph idx="2" type="body"/>
+            <p:ph type="body" idx="2"/>
           </p:nvPr>
         </p:nvSpPr>
         <p:spPr>
           <a:xfrm>
-            <a:off x="4939500" y="382825"/>
+            <a:off x="4939500" y="724200"/>
             <a:ext cx="3837000" cy="3695100"/>
           </a:xfrm>
           <a:prstGeom prst="rect">
@@ -9852,60 +10886,59 @@
           </a:prstGeom>
         </p:spPr>
         <p:txBody>
-          <a:bodyPr anchorCtr="0" anchor="ctr" bIns="91425" lIns="91425" spcFirstLastPara="1" rIns="91425" wrap="square" tIns="91425">
+          <a:bodyPr spcFirstLastPara="1" wrap="square" lIns="91425" tIns="91425" rIns="91425" bIns="91425" anchor="ctr" anchorCtr="0">
             <a:noAutofit/>
           </a:bodyPr>
           <a:lstStyle/>
           <a:p>
-            <a:pPr indent="0" lvl="0" marL="0" rtl="0" algn="l">
-              <a:spcBef>
-                <a:spcPts val="0"/>
-              </a:spcBef>
-              <a:spcAft>
-                <a:spcPts val="0"/>
-              </a:spcAft>
+            <a:pPr marL="0" lvl="0" indent="0">
               <a:buNone/>
             </a:pPr>
             <a:r>
-              <a:rPr lang="en" sz="1400"/>
+              <a:rPr lang="en" sz="1400" dirty="0"/>
               <a:t>A major source of income for Stack Overflow is through </a:t>
             </a:r>
             <a:r>
-              <a:rPr b="1" lang="en" sz="1400"/>
+              <a:rPr lang="en" sz="1400" b="1" dirty="0"/>
               <a:t>Ad Revenue</a:t>
             </a:r>
             <a:r>
-              <a:rPr lang="en" sz="1400"/>
-              <a:t>. So their goal is to maximize readership in order to push more ads, and earn more money.</a:t>
+              <a:rPr lang="en" sz="1400" dirty="0"/>
+              <a:t>. </a:t>
             </a:r>
-            <a:endParaRPr sz="1400"/>
-          </a:p>
-          <a:p>
-            <a:pPr indent="0" lvl="0" marL="0" rtl="0" algn="l">
-              <a:spcBef>
-                <a:spcPts val="1600"/>
-              </a:spcBef>
-              <a:spcAft>
-                <a:spcPts val="1600"/>
-              </a:spcAft>
+            <a:r>
+              <a:rPr lang="en-US" sz="1400" dirty="0"/>
+              <a:t>Therefore, their goal is to maximize readership in order to push more ads, and earn thus more money.</a:t>
+            </a:r>
+          </a:p>
+          <a:p>
+            <a:pPr marL="0" lvl="0" indent="0">
+              <a:buNone/>
+            </a:pPr>
+            <a:endParaRPr lang="en-US" sz="1400" dirty="0"/>
+          </a:p>
+          <a:p>
+            <a:pPr marL="0" lvl="0" indent="0">
               <a:buNone/>
             </a:pPr>
             <a:r>
-              <a:rPr lang="en" sz="1400"/>
+              <a:rPr lang="en" sz="1400" dirty="0"/>
               <a:t>Due to poor performance of their search system, a user would have difficulty getting his doubts cleared through their website and would thus decide to use a more sophisticated search engine like Google for their purposes. </a:t>
             </a:r>
             <a:r>
-              <a:rPr b="1" lang="en" sz="1400"/>
+              <a:rPr lang="en" sz="1400" b="1" dirty="0"/>
               <a:t>The problem arises when Google suggests them a resource other than Stackoverflow. For every user that leaves their website, they lose money they could potentially make.</a:t>
             </a:r>
-            <a:endParaRPr b="1" sz="1400"/>
+            <a:endParaRPr sz="1400" b="1" dirty="0"/>
           </a:p>
         </p:txBody>
       </p:sp>
       <p:sp>
         <p:nvSpPr>
           <p:cNvPr id="90" name="Google Shape;90;p16"/>
-          <p:cNvSpPr txBox="1"/>
+          <p:cNvSpPr txBox="1">
+            <a:spLocks noGrp="1"/>
+          </p:cNvSpPr>
           <p:nvPr>
             <p:ph type="title"/>
           </p:nvPr>
@@ -9920,12 +10953,12 @@
           </a:prstGeom>
         </p:spPr>
         <p:txBody>
-          <a:bodyPr anchorCtr="0" anchor="b" bIns="91425" lIns="91425" spcFirstLastPara="1" rIns="91425" wrap="square" tIns="91425">
+          <a:bodyPr spcFirstLastPara="1" wrap="square" lIns="91425" tIns="91425" rIns="91425" bIns="91425" anchor="b" anchorCtr="0">
             <a:noAutofit/>
           </a:bodyPr>
           <a:lstStyle/>
           <a:p>
-            <a:pPr indent="0" lvl="0" marL="0" rtl="0" algn="ctr">
+            <a:pPr marL="0" lvl="0" indent="0" algn="ctr" rtl="0">
               <a:spcBef>
                 <a:spcPts val="0"/>
               </a:spcBef>
@@ -9959,11 +10992,11 @@
 </file>
 
 <file path=ppt/slides/slide5.xml><?xml version="1.0" encoding="utf-8"?>
-<p:sld xmlns:a="http://schemas.openxmlformats.org/drawingml/2006/main" xmlns:r="http://schemas.openxmlformats.org/officeDocument/2006/relationships" xmlns:mc="http://schemas.openxmlformats.org/markup-compatibility/2006" xmlns:mv="urn:schemas-microsoft-com:mac:vml" xmlns:p="http://schemas.openxmlformats.org/presentationml/2006/main" xmlns:c="http://schemas.openxmlformats.org/drawingml/2006/chart" xmlns:dgm="http://schemas.openxmlformats.org/drawingml/2006/diagram" xmlns:o="urn:schemas-microsoft-com:office:office" xmlns:v="urn:schemas-microsoft-com:vml" xmlns:pvml="urn:schemas-microsoft-com:office:powerpoint" xmlns:com="http://schemas.openxmlformats.org/drawingml/2006/compatibility" xmlns:p14="http://schemas.microsoft.com/office/powerpoint/2010/main" xmlns:p15="http://schemas.microsoft.com/office/powerpoint/2012/main">
+<p:sld xmlns:a="http://schemas.openxmlformats.org/drawingml/2006/main" xmlns:r="http://schemas.openxmlformats.org/officeDocument/2006/relationships" xmlns:p="http://schemas.openxmlformats.org/presentationml/2006/main">
   <p:cSld>
     <p:spTree>
       <p:nvGrpSpPr>
-        <p:cNvPr id="94" name="Shape 94"/>
+        <p:cNvPr id="1" name="Shape 94"/>
         <p:cNvGrpSpPr/>
         <p:nvPr/>
       </p:nvGrpSpPr>
@@ -9992,23 +11025,23 @@
           <a:solidFill>
             <a:srgbClr val="FF8319"/>
           </a:solidFill>
-          <a:ln cap="flat" cmpd="sng" w="9525">
+          <a:ln w="9525" cap="flat" cmpd="sng">
             <a:solidFill>
               <a:schemeClr val="dk2"/>
             </a:solidFill>
             <a:prstDash val="solid"/>
             <a:round/>
-            <a:headEnd len="sm" w="sm" type="none"/>
-            <a:tailEnd len="sm" w="sm" type="none"/>
+            <a:headEnd type="none" w="sm" len="sm"/>
+            <a:tailEnd type="none" w="sm" len="sm"/>
           </a:ln>
         </p:spPr>
         <p:txBody>
-          <a:bodyPr anchorCtr="0" anchor="ctr" bIns="91425" lIns="91425" spcFirstLastPara="1" rIns="91425" wrap="square" tIns="91425">
+          <a:bodyPr spcFirstLastPara="1" wrap="square" lIns="91425" tIns="91425" rIns="91425" bIns="91425" anchor="ctr" anchorCtr="0">
             <a:noAutofit/>
           </a:bodyPr>
           <a:lstStyle/>
           <a:p>
-            <a:pPr indent="0" lvl="0" marL="0" rtl="0" algn="l">
+            <a:pPr marL="0" lvl="0" indent="0" algn="l" rtl="0">
               <a:spcBef>
                 <a:spcPts val="0"/>
               </a:spcBef>
@@ -10017,9 +11050,6 @@
               </a:spcAft>
               <a:buNone/>
             </a:pPr>
-            <a:r>
-              <a:t/>
-            </a:r>
             <a:endParaRPr/>
           </a:p>
         </p:txBody>
@@ -10027,14 +11057,16 @@
       <p:sp>
         <p:nvSpPr>
           <p:cNvPr id="96" name="Google Shape;96;p17"/>
-          <p:cNvSpPr txBox="1"/>
+          <p:cNvSpPr txBox="1">
+            <a:spLocks noGrp="1"/>
+          </p:cNvSpPr>
           <p:nvPr>
-            <p:ph idx="2" type="body"/>
+            <p:ph type="body" idx="2"/>
           </p:nvPr>
         </p:nvSpPr>
         <p:spPr>
           <a:xfrm>
-            <a:off x="4939500" y="531400"/>
+            <a:off x="4939500" y="724200"/>
             <a:ext cx="3837000" cy="3695100"/>
           </a:xfrm>
           <a:prstGeom prst="rect">
@@ -10042,12 +11074,12 @@
           </a:prstGeom>
         </p:spPr>
         <p:txBody>
-          <a:bodyPr anchorCtr="0" anchor="ctr" bIns="91425" lIns="91425" spcFirstLastPara="1" rIns="91425" wrap="square" tIns="91425">
+          <a:bodyPr spcFirstLastPara="1" wrap="square" lIns="91425" tIns="91425" rIns="91425" bIns="91425" anchor="ctr" anchorCtr="0">
             <a:noAutofit/>
           </a:bodyPr>
           <a:lstStyle/>
           <a:p>
-            <a:pPr indent="0" lvl="0" marL="0" rtl="0" algn="l">
+            <a:pPr marL="0" lvl="0" indent="0" algn="l" rtl="0">
               <a:spcBef>
                 <a:spcPts val="0"/>
               </a:spcBef>
@@ -10057,25 +11089,13 @@
               <a:buNone/>
             </a:pPr>
             <a:r>
-              <a:rPr lang="en" sz="1400"/>
-              <a:t>What we want is for </a:t>
+              <a:rPr lang="en" sz="1400" dirty="0"/>
+              <a:t>What we want is for the platform to actually understand the semantics of what the user is trying to search for, and then return the most helpful results for him</a:t>
             </a:r>
-            <a:r>
-              <a:rPr lang="en" sz="1400"/>
-              <a:t>the platform </a:t>
-            </a:r>
-            <a:r>
-              <a:rPr lang="en" sz="1400"/>
-              <a:t>to actually understand the semantics of what the user is trying to search for, and then return the </a:t>
-            </a:r>
-            <a:r>
-              <a:rPr lang="en" sz="1400"/>
-              <a:t>most helpful results for him</a:t>
-            </a:r>
-            <a:endParaRPr sz="1400"/>
-          </a:p>
-          <a:p>
-            <a:pPr indent="0" lvl="0" marL="0" rtl="0" algn="l">
+            <a:endParaRPr sz="1400" dirty="0"/>
+          </a:p>
+          <a:p>
+            <a:pPr marL="0" lvl="0" indent="0" algn="l" rtl="0">
               <a:spcBef>
                 <a:spcPts val="1600"/>
               </a:spcBef>
@@ -10085,21 +11105,23 @@
               <a:buNone/>
             </a:pPr>
             <a:r>
-              <a:rPr b="1" lang="en" sz="1400"/>
+              <a:rPr lang="en" sz="1400" b="1" dirty="0"/>
               <a:t>Natural Language Processing</a:t>
             </a:r>
             <a:r>
-              <a:rPr lang="en" sz="1400"/>
+              <a:rPr lang="en" sz="1400" dirty="0"/>
               <a:t> (NLP) has come a long way since its inception in the 20th century. We decided to use this subfield of Artificial Intelligence in order to solve our problem. NLP has proven to work very well in the past few years due to fast processors and sophisticated model architectures</a:t>
             </a:r>
-            <a:endParaRPr sz="1400"/>
+            <a:endParaRPr sz="1400" dirty="0"/>
           </a:p>
         </p:txBody>
       </p:sp>
       <p:sp>
         <p:nvSpPr>
           <p:cNvPr id="97" name="Google Shape;97;p17"/>
-          <p:cNvSpPr txBox="1"/>
+          <p:cNvSpPr txBox="1">
+            <a:spLocks noGrp="1"/>
+          </p:cNvSpPr>
           <p:nvPr>
             <p:ph type="title"/>
           </p:nvPr>
@@ -10114,12 +11136,12 @@
           </a:prstGeom>
         </p:spPr>
         <p:txBody>
-          <a:bodyPr anchorCtr="0" anchor="b" bIns="91425" lIns="91425" spcFirstLastPara="1" rIns="91425" wrap="square" tIns="91425">
+          <a:bodyPr spcFirstLastPara="1" wrap="square" lIns="91425" tIns="91425" rIns="91425" bIns="91425" anchor="b" anchorCtr="0">
             <a:noAutofit/>
           </a:bodyPr>
           <a:lstStyle/>
           <a:p>
-            <a:pPr indent="0" lvl="0" marL="0" rtl="0" algn="ctr">
+            <a:pPr marL="0" lvl="0" indent="0" algn="ctr" rtl="0">
               <a:spcBef>
                 <a:spcPts val="0"/>
               </a:spcBef>
@@ -10153,11 +11175,11 @@
 </file>
 
 <file path=ppt/slides/slide6.xml><?xml version="1.0" encoding="utf-8"?>
-<p:sld xmlns:a="http://schemas.openxmlformats.org/drawingml/2006/main" xmlns:r="http://schemas.openxmlformats.org/officeDocument/2006/relationships" xmlns:mc="http://schemas.openxmlformats.org/markup-compatibility/2006" xmlns:mv="urn:schemas-microsoft-com:mac:vml" xmlns:p="http://schemas.openxmlformats.org/presentationml/2006/main" xmlns:c="http://schemas.openxmlformats.org/drawingml/2006/chart" xmlns:dgm="http://schemas.openxmlformats.org/drawingml/2006/diagram" xmlns:o="urn:schemas-microsoft-com:office:office" xmlns:v="urn:schemas-microsoft-com:vml" xmlns:pvml="urn:schemas-microsoft-com:office:powerpoint" xmlns:com="http://schemas.openxmlformats.org/drawingml/2006/compatibility" xmlns:p14="http://schemas.microsoft.com/office/powerpoint/2010/main" xmlns:p15="http://schemas.microsoft.com/office/powerpoint/2012/main">
+<p:sld xmlns:a="http://schemas.openxmlformats.org/drawingml/2006/main" xmlns:r="http://schemas.openxmlformats.org/officeDocument/2006/relationships" xmlns:p="http://schemas.openxmlformats.org/presentationml/2006/main">
   <p:cSld>
     <p:spTree>
       <p:nvGrpSpPr>
-        <p:cNvPr id="101" name="Shape 101"/>
+        <p:cNvPr id="1" name="Shape 101"/>
         <p:cNvGrpSpPr/>
         <p:nvPr/>
       </p:nvGrpSpPr>
@@ -10172,7 +11194,9 @@
       <p:sp>
         <p:nvSpPr>
           <p:cNvPr id="102" name="Google Shape;102;p18"/>
-          <p:cNvSpPr txBox="1"/>
+          <p:cNvSpPr txBox="1">
+            <a:spLocks noGrp="1"/>
+          </p:cNvSpPr>
           <p:nvPr>
             <p:ph type="title"/>
           </p:nvPr>
@@ -10187,12 +11211,12 @@
           </a:prstGeom>
         </p:spPr>
         <p:txBody>
-          <a:bodyPr anchorCtr="0" anchor="b" bIns="91425" lIns="91425" spcFirstLastPara="1" rIns="91425" wrap="square" tIns="91425">
+          <a:bodyPr spcFirstLastPara="1" wrap="square" lIns="91425" tIns="91425" rIns="91425" bIns="91425" anchor="b" anchorCtr="0">
             <a:noAutofit/>
           </a:bodyPr>
           <a:lstStyle/>
           <a:p>
-            <a:pPr indent="0" lvl="0" marL="0" rtl="0" algn="l">
+            <a:pPr marL="0" lvl="0" indent="0" algn="l" rtl="0">
               <a:spcBef>
                 <a:spcPts val="0"/>
               </a:spcBef>
@@ -10219,7 +11243,7 @@
           <a:blip r:embed="rId3">
             <a:alphaModFix/>
           </a:blip>
-          <a:srcRect b="28647" l="0" r="0" t="0"/>
+          <a:srcRect b="28647"/>
           <a:stretch/>
         </p:blipFill>
         <p:spPr>
@@ -10245,11 +11269,11 @@
 </file>
 
 <file path=ppt/slides/slide7.xml><?xml version="1.0" encoding="utf-8"?>
-<p:sld xmlns:a="http://schemas.openxmlformats.org/drawingml/2006/main" xmlns:r="http://schemas.openxmlformats.org/officeDocument/2006/relationships" xmlns:mc="http://schemas.openxmlformats.org/markup-compatibility/2006" xmlns:mv="urn:schemas-microsoft-com:mac:vml" xmlns:p="http://schemas.openxmlformats.org/presentationml/2006/main" xmlns:c="http://schemas.openxmlformats.org/drawingml/2006/chart" xmlns:dgm="http://schemas.openxmlformats.org/drawingml/2006/diagram" xmlns:o="urn:schemas-microsoft-com:office:office" xmlns:v="urn:schemas-microsoft-com:vml" xmlns:pvml="urn:schemas-microsoft-com:office:powerpoint" xmlns:com="http://schemas.openxmlformats.org/drawingml/2006/compatibility" xmlns:p14="http://schemas.microsoft.com/office/powerpoint/2010/main" xmlns:p15="http://schemas.microsoft.com/office/powerpoint/2012/main">
+<p:sld xmlns:a="http://schemas.openxmlformats.org/drawingml/2006/main" xmlns:r="http://schemas.openxmlformats.org/officeDocument/2006/relationships" xmlns:p="http://schemas.openxmlformats.org/presentationml/2006/main">
   <p:cSld>
     <p:spTree>
       <p:nvGrpSpPr>
-        <p:cNvPr id="107" name="Shape 107"/>
+        <p:cNvPr id="1" name="Shape 107"/>
         <p:cNvGrpSpPr/>
         <p:nvPr/>
       </p:nvGrpSpPr>
@@ -10264,7 +11288,9 @@
       <p:sp>
         <p:nvSpPr>
           <p:cNvPr id="108" name="Google Shape;108;p19"/>
-          <p:cNvSpPr txBox="1"/>
+          <p:cNvSpPr txBox="1">
+            <a:spLocks noGrp="1"/>
+          </p:cNvSpPr>
           <p:nvPr>
             <p:ph type="title"/>
           </p:nvPr>
@@ -10279,12 +11305,12 @@
           </a:prstGeom>
         </p:spPr>
         <p:txBody>
-          <a:bodyPr anchorCtr="0" anchor="ctr" bIns="91425" lIns="91425" spcFirstLastPara="1" rIns="91425" wrap="square" tIns="91425">
+          <a:bodyPr spcFirstLastPara="1" wrap="square" lIns="91425" tIns="91425" rIns="91425" bIns="91425" anchor="ctr" anchorCtr="0">
             <a:noAutofit/>
           </a:bodyPr>
           <a:lstStyle/>
           <a:p>
-            <a:pPr indent="0" lvl="0" marL="0" rtl="0" algn="ctr">
+            <a:pPr marL="0" lvl="0" indent="0" algn="ctr" rtl="0">
               <a:spcBef>
                 <a:spcPts val="0"/>
               </a:spcBef>
@@ -10294,14 +11320,14 @@
               <a:buNone/>
             </a:pPr>
             <a:r>
-              <a:rPr b="1" lang="en" sz="4800">
+              <a:rPr lang="en" sz="4800" b="1">
                 <a:solidFill>
                   <a:srgbClr val="FF8319"/>
                 </a:solidFill>
               </a:rPr>
               <a:t>Overview of the proposed solution</a:t>
             </a:r>
-            <a:endParaRPr b="1" sz="4800">
+            <a:endParaRPr sz="4800" b="1">
               <a:solidFill>
                 <a:srgbClr val="FF8319"/>
               </a:solidFill>
@@ -10331,12 +11357,12 @@
           </a:ln>
         </p:spPr>
         <p:txBody>
-          <a:bodyPr anchorCtr="0" anchor="ctr" bIns="91425" lIns="91425" spcFirstLastPara="1" rIns="91425" wrap="square" tIns="91425">
+          <a:bodyPr spcFirstLastPara="1" wrap="square" lIns="91425" tIns="91425" rIns="91425" bIns="91425" anchor="ctr" anchorCtr="0">
             <a:noAutofit/>
           </a:bodyPr>
           <a:lstStyle/>
           <a:p>
-            <a:pPr indent="0" lvl="0" marL="0" rtl="0" algn="l">
+            <a:pPr marL="0" lvl="0" indent="0" algn="l" rtl="0">
               <a:spcBef>
                 <a:spcPts val="0"/>
               </a:spcBef>
@@ -10345,9 +11371,6 @@
               </a:spcAft>
               <a:buNone/>
             </a:pPr>
-            <a:r>
-              <a:t/>
-            </a:r>
             <a:endParaRPr/>
           </a:p>
         </p:txBody>
@@ -10361,11 +11384,11 @@
 </file>
 
 <file path=ppt/slides/slide8.xml><?xml version="1.0" encoding="utf-8"?>
-<p:sld xmlns:a="http://schemas.openxmlformats.org/drawingml/2006/main" xmlns:r="http://schemas.openxmlformats.org/officeDocument/2006/relationships" xmlns:mc="http://schemas.openxmlformats.org/markup-compatibility/2006" xmlns:mv="urn:schemas-microsoft-com:mac:vml" xmlns:p="http://schemas.openxmlformats.org/presentationml/2006/main" xmlns:c="http://schemas.openxmlformats.org/drawingml/2006/chart" xmlns:dgm="http://schemas.openxmlformats.org/drawingml/2006/diagram" xmlns:o="urn:schemas-microsoft-com:office:office" xmlns:v="urn:schemas-microsoft-com:vml" xmlns:pvml="urn:schemas-microsoft-com:office:powerpoint" xmlns:com="http://schemas.openxmlformats.org/drawingml/2006/compatibility" xmlns:p14="http://schemas.microsoft.com/office/powerpoint/2010/main" xmlns:p15="http://schemas.microsoft.com/office/powerpoint/2012/main">
+<p:sld xmlns:a="http://schemas.openxmlformats.org/drawingml/2006/main" xmlns:r="http://schemas.openxmlformats.org/officeDocument/2006/relationships" xmlns:p="http://schemas.openxmlformats.org/presentationml/2006/main">
   <p:cSld>
     <p:spTree>
       <p:nvGrpSpPr>
-        <p:cNvPr id="113" name="Shape 113"/>
+        <p:cNvPr id="1" name="Shape 113"/>
         <p:cNvGrpSpPr/>
         <p:nvPr/>
       </p:nvGrpSpPr>
@@ -10380,7 +11403,9 @@
       <p:sp>
         <p:nvSpPr>
           <p:cNvPr id="114" name="Google Shape;114;p20"/>
-          <p:cNvSpPr txBox="1"/>
+          <p:cNvSpPr txBox="1">
+            <a:spLocks noGrp="1"/>
+          </p:cNvSpPr>
           <p:nvPr>
             <p:ph type="title"/>
           </p:nvPr>
@@ -10395,12 +11420,12 @@
           </a:prstGeom>
         </p:spPr>
         <p:txBody>
-          <a:bodyPr anchorCtr="0" anchor="b" bIns="91425" lIns="91425" spcFirstLastPara="1" rIns="91425" wrap="square" tIns="91425">
+          <a:bodyPr spcFirstLastPara="1" wrap="square" lIns="91425" tIns="91425" rIns="91425" bIns="91425" anchor="b" anchorCtr="0">
             <a:noAutofit/>
           </a:bodyPr>
           <a:lstStyle/>
           <a:p>
-            <a:pPr indent="0" lvl="0" marL="0" rtl="0" algn="l">
+            <a:pPr marL="0" lvl="0" indent="0" algn="l" rtl="0">
               <a:spcBef>
                 <a:spcPts val="0"/>
               </a:spcBef>
@@ -10410,19 +11435,21 @@
               <a:buNone/>
             </a:pPr>
             <a:r>
-              <a:rPr b="1" lang="en" sz="3600"/>
-              <a:t>Technologies used</a:t>
+              <a:rPr lang="en-IN" sz="3600" b="1" dirty="0"/>
+              <a:t>Constraints for the project</a:t>
             </a:r>
-            <a:endParaRPr b="1" sz="3600"/>
+            <a:endParaRPr sz="3600" b="1" dirty="0"/>
           </a:p>
         </p:txBody>
       </p:sp>
       <p:sp>
         <p:nvSpPr>
           <p:cNvPr id="115" name="Google Shape;115;p20"/>
-          <p:cNvSpPr txBox="1"/>
+          <p:cNvSpPr txBox="1">
+            <a:spLocks noGrp="1"/>
+          </p:cNvSpPr>
           <p:nvPr>
-            <p:ph idx="1" type="body"/>
+            <p:ph type="body" idx="1"/>
           </p:nvPr>
         </p:nvSpPr>
         <p:spPr>
@@ -10435,12 +11462,186 @@
           </a:prstGeom>
         </p:spPr>
         <p:txBody>
-          <a:bodyPr anchorCtr="0" anchor="t" bIns="91425" lIns="91425" spcFirstLastPara="1" rIns="91425" wrap="square" tIns="91425">
+          <a:bodyPr spcFirstLastPara="1" wrap="square" lIns="91425" tIns="91425" rIns="91425" bIns="91425" anchor="t" anchorCtr="0">
             <a:noAutofit/>
           </a:bodyPr>
           <a:lstStyle/>
           <a:p>
-            <a:pPr indent="0" lvl="0" marL="0" rtl="0" algn="l">
+            <a:pPr marL="114300" indent="0">
+              <a:buNone/>
+            </a:pPr>
+            <a:r>
+              <a:rPr lang="en-IN" dirty="0"/>
+              <a:t>Given the vast amount of data given on Stack overflow, I decided to exercise a few constraints for the proof of concept:</a:t>
+            </a:r>
+          </a:p>
+          <a:p>
+            <a:pPr marL="114300" indent="0">
+              <a:buNone/>
+            </a:pPr>
+            <a:endParaRPr lang="en-IN" dirty="0"/>
+          </a:p>
+          <a:p>
+            <a:pPr lvl="0"/>
+            <a:r>
+              <a:rPr lang="en-IN" dirty="0"/>
+              <a:t>I have restricted the data to only Python Related Questions</a:t>
+            </a:r>
+          </a:p>
+          <a:p>
+            <a:pPr lvl="0"/>
+            <a:r>
+              <a:rPr lang="en-IN" dirty="0"/>
+              <a:t>I have restricted the possible tags to 500</a:t>
+            </a:r>
+          </a:p>
+          <a:p>
+            <a:pPr lvl="0"/>
+            <a:r>
+              <a:rPr lang="en-IN" dirty="0"/>
+              <a:t>I have used somewhat lower amounts of data points (~140,000) for faster processing </a:t>
+            </a:r>
+          </a:p>
+        </p:txBody>
+      </p:sp>
+      <p:sp>
+        <p:nvSpPr>
+          <p:cNvPr id="116" name="Google Shape;116;p20"/>
+          <p:cNvSpPr/>
+          <p:nvPr/>
+        </p:nvSpPr>
+        <p:spPr>
+          <a:xfrm>
+            <a:off x="0" y="5037300"/>
+            <a:ext cx="9144000" cy="106500"/>
+          </a:xfrm>
+          <a:prstGeom prst="rect">
+            <a:avLst/>
+          </a:prstGeom>
+          <a:solidFill>
+            <a:srgbClr val="FF8319"/>
+          </a:solidFill>
+          <a:ln>
+            <a:noFill/>
+          </a:ln>
+        </p:spPr>
+        <p:txBody>
+          <a:bodyPr spcFirstLastPara="1" wrap="square" lIns="91425" tIns="91425" rIns="91425" bIns="91425" anchor="ctr" anchorCtr="0">
+            <a:noAutofit/>
+          </a:bodyPr>
+          <a:lstStyle/>
+          <a:p>
+            <a:pPr marL="0" lvl="0" indent="0" algn="l" rtl="0">
+              <a:spcBef>
+                <a:spcPts val="0"/>
+              </a:spcBef>
+              <a:spcAft>
+                <a:spcPts val="0"/>
+              </a:spcAft>
+              <a:buNone/>
+            </a:pPr>
+            <a:endParaRPr/>
+          </a:p>
+        </p:txBody>
+      </p:sp>
+    </p:spTree>
+    <p:extLst>
+      <p:ext uri="{BB962C8B-B14F-4D97-AF65-F5344CB8AC3E}">
+        <p14:creationId xmlns:p14="http://schemas.microsoft.com/office/powerpoint/2010/main" val="2520320235"/>
+      </p:ext>
+    </p:extLst>
+  </p:cSld>
+  <p:clrMapOvr>
+    <a:masterClrMapping/>
+  </p:clrMapOvr>
+</p:sld>
+</file>
+
+<file path=ppt/slides/slide9.xml><?xml version="1.0" encoding="utf-8"?>
+<p:sld xmlns:a="http://schemas.openxmlformats.org/drawingml/2006/main" xmlns:r="http://schemas.openxmlformats.org/officeDocument/2006/relationships" xmlns:p="http://schemas.openxmlformats.org/presentationml/2006/main">
+  <p:cSld>
+    <p:spTree>
+      <p:nvGrpSpPr>
+        <p:cNvPr id="1" name="Shape 113"/>
+        <p:cNvGrpSpPr/>
+        <p:nvPr/>
+      </p:nvGrpSpPr>
+      <p:grpSpPr>
+        <a:xfrm>
+          <a:off x="0" y="0"/>
+          <a:ext cx="0" cy="0"/>
+          <a:chOff x="0" y="0"/>
+          <a:chExt cx="0" cy="0"/>
+        </a:xfrm>
+      </p:grpSpPr>
+      <p:sp>
+        <p:nvSpPr>
+          <p:cNvPr id="114" name="Google Shape;114;p20"/>
+          <p:cNvSpPr txBox="1">
+            <a:spLocks noGrp="1"/>
+          </p:cNvSpPr>
+          <p:nvPr>
+            <p:ph type="title"/>
+          </p:nvPr>
+        </p:nvSpPr>
+        <p:spPr>
+          <a:xfrm>
+            <a:off x="311700" y="315925"/>
+            <a:ext cx="8520600" cy="831300"/>
+          </a:xfrm>
+          <a:prstGeom prst="rect">
+            <a:avLst/>
+          </a:prstGeom>
+        </p:spPr>
+        <p:txBody>
+          <a:bodyPr spcFirstLastPara="1" wrap="square" lIns="91425" tIns="91425" rIns="91425" bIns="91425" anchor="b" anchorCtr="0">
+            <a:noAutofit/>
+          </a:bodyPr>
+          <a:lstStyle/>
+          <a:p>
+            <a:pPr marL="0" lvl="0" indent="0" algn="l" rtl="0">
+              <a:spcBef>
+                <a:spcPts val="0"/>
+              </a:spcBef>
+              <a:spcAft>
+                <a:spcPts val="0"/>
+              </a:spcAft>
+              <a:buNone/>
+            </a:pPr>
+            <a:r>
+              <a:rPr lang="en" sz="3600" b="1"/>
+              <a:t>Technologies used</a:t>
+            </a:r>
+            <a:endParaRPr sz="3600" b="1"/>
+          </a:p>
+        </p:txBody>
+      </p:sp>
+      <p:sp>
+        <p:nvSpPr>
+          <p:cNvPr id="115" name="Google Shape;115;p20"/>
+          <p:cNvSpPr txBox="1">
+            <a:spLocks noGrp="1"/>
+          </p:cNvSpPr>
+          <p:nvPr>
+            <p:ph type="body" idx="1"/>
+          </p:nvPr>
+        </p:nvSpPr>
+        <p:spPr>
+          <a:xfrm>
+            <a:off x="311700" y="1396375"/>
+            <a:ext cx="8520600" cy="3172500"/>
+          </a:xfrm>
+          <a:prstGeom prst="rect">
+            <a:avLst/>
+          </a:prstGeom>
+        </p:spPr>
+        <p:txBody>
+          <a:bodyPr spcFirstLastPara="1" wrap="square" lIns="91425" tIns="91425" rIns="91425" bIns="91425" anchor="t" anchorCtr="0">
+            <a:noAutofit/>
+          </a:bodyPr>
+          <a:lstStyle/>
+          <a:p>
+            <a:pPr marL="0" lvl="0" indent="0" algn="l" rtl="0">
               <a:spcBef>
                 <a:spcPts val="0"/>
               </a:spcBef>
@@ -10456,7 +11657,7 @@
             <a:endParaRPr sz="1400"/>
           </a:p>
           <a:p>
-            <a:pPr indent="-317500" lvl="0" marL="457200" rtl="0" algn="l">
+            <a:pPr marL="457200" lvl="0" indent="-317500" algn="l" rtl="0">
               <a:spcBef>
                 <a:spcPts val="1600"/>
               </a:spcBef>
@@ -10467,7 +11668,7 @@
               <a:buAutoNum type="arabicPeriod"/>
             </a:pPr>
             <a:r>
-              <a:rPr b="1" lang="en" sz="1400"/>
+              <a:rPr lang="en" sz="1400" b="1"/>
               <a:t>A Deep learning model for classification of tags (written in Python):</a:t>
             </a:r>
             <a:r>
@@ -10477,7 +11678,7 @@
             <a:endParaRPr sz="1400"/>
           </a:p>
           <a:p>
-            <a:pPr indent="-317500" lvl="1" marL="914400" rtl="0" algn="l">
+            <a:pPr marL="914400" lvl="1" indent="-317500" algn="l" rtl="0">
               <a:spcBef>
                 <a:spcPts val="0"/>
               </a:spcBef>
@@ -10502,7 +11703,7 @@
             <a:endParaRPr sz="1400"/>
           </a:p>
           <a:p>
-            <a:pPr indent="-317500" lvl="1" marL="914400" rtl="0" algn="l">
+            <a:pPr marL="914400" lvl="1" indent="-317500" algn="l" rtl="0">
               <a:spcBef>
                 <a:spcPts val="0"/>
               </a:spcBef>
@@ -10523,7 +11724,7 @@
             <a:endParaRPr sz="1400"/>
           </a:p>
           <a:p>
-            <a:pPr indent="-317500" lvl="1" marL="914400" rtl="0" algn="l">
+            <a:pPr marL="914400" lvl="1" indent="-317500" algn="l" rtl="0">
               <a:spcBef>
                 <a:spcPts val="0"/>
               </a:spcBef>
@@ -10540,7 +11741,7 @@
             <a:endParaRPr/>
           </a:p>
           <a:p>
-            <a:pPr indent="-317500" lvl="1" marL="914400" rtl="0" algn="l">
+            <a:pPr marL="914400" lvl="1" indent="-317500" algn="l" rtl="0">
               <a:spcBef>
                 <a:spcPts val="0"/>
               </a:spcBef>
@@ -10557,7 +11758,7 @@
             <a:endParaRPr/>
           </a:p>
           <a:p>
-            <a:pPr indent="-317500" lvl="0" marL="457200" rtl="0" algn="l">
+            <a:pPr marL="457200" lvl="0" indent="-317500" algn="l" rtl="0">
               <a:spcBef>
                 <a:spcPts val="0"/>
               </a:spcBef>
@@ -10568,13 +11769,13 @@
               <a:buAutoNum type="arabicPeriod"/>
             </a:pPr>
             <a:r>
-              <a:rPr b="1" lang="en" sz="1400"/>
+              <a:rPr lang="en" sz="1400" b="1"/>
               <a:t>A visually aesthetic front-end (written in ReactJS):</a:t>
             </a:r>
-            <a:endParaRPr b="1" sz="1400"/>
-          </a:p>
-          <a:p>
-            <a:pPr indent="-317500" lvl="1" marL="914400" rtl="0" algn="l">
+            <a:endParaRPr sz="1400" b="1"/>
+          </a:p>
+          <a:p>
+            <a:pPr marL="914400" lvl="1" indent="-317500" algn="l" rtl="0">
               <a:spcBef>
                 <a:spcPts val="0"/>
               </a:spcBef>
@@ -10591,7 +11792,7 @@
             <a:endParaRPr/>
           </a:p>
           <a:p>
-            <a:pPr indent="-317500" lvl="1" marL="914400" rtl="0" algn="l">
+            <a:pPr marL="914400" lvl="1" indent="-317500" algn="l" rtl="0">
               <a:spcBef>
                 <a:spcPts val="0"/>
               </a:spcBef>
@@ -10608,7 +11809,7 @@
             <a:endParaRPr/>
           </a:p>
           <a:p>
-            <a:pPr indent="-317500" lvl="0" marL="457200" rtl="0" algn="l">
+            <a:pPr marL="457200" lvl="0" indent="-317500" algn="l" rtl="0">
               <a:spcBef>
                 <a:spcPts val="0"/>
               </a:spcBef>
@@ -10619,13 +11820,13 @@
               <a:buAutoNum type="arabicPeriod"/>
             </a:pPr>
             <a:r>
-              <a:rPr b="1" lang="en" sz="1400"/>
+              <a:rPr lang="en" sz="1400" b="1"/>
               <a:t>A server backend for serving the deep learning algorithm (written in Python):</a:t>
             </a:r>
-            <a:endParaRPr b="1" sz="1400"/>
-          </a:p>
-          <a:p>
-            <a:pPr indent="-317500" lvl="1" marL="914400" rtl="0" algn="l">
+            <a:endParaRPr sz="1400" b="1"/>
+          </a:p>
+          <a:p>
+            <a:pPr marL="914400" lvl="1" indent="-317500" algn="l" rtl="0">
               <a:spcBef>
                 <a:spcPts val="0"/>
               </a:spcBef>
@@ -10642,7 +11843,7 @@
             <a:endParaRPr/>
           </a:p>
           <a:p>
-            <a:pPr indent="-317500" lvl="1" marL="914400" rtl="0" algn="l">
+            <a:pPr marL="914400" lvl="1" indent="-317500" algn="l" rtl="0">
               <a:spcBef>
                 <a:spcPts val="0"/>
               </a:spcBef>
@@ -10682,12 +11883,12 @@
           </a:ln>
         </p:spPr>
         <p:txBody>
-          <a:bodyPr anchorCtr="0" anchor="ctr" bIns="91425" lIns="91425" spcFirstLastPara="1" rIns="91425" wrap="square" tIns="91425">
+          <a:bodyPr spcFirstLastPara="1" wrap="square" lIns="91425" tIns="91425" rIns="91425" bIns="91425" anchor="ctr" anchorCtr="0">
             <a:noAutofit/>
           </a:bodyPr>
           <a:lstStyle/>
           <a:p>
-            <a:pPr indent="0" lvl="0" marL="0" rtl="0" algn="l">
+            <a:pPr marL="0" lvl="0" indent="0" algn="l" rtl="0">
               <a:spcBef>
                 <a:spcPts val="0"/>
               </a:spcBef>
@@ -10696,201 +11897,6 @@
               </a:spcAft>
               <a:buNone/>
             </a:pPr>
-            <a:r>
-              <a:t/>
-            </a:r>
-            <a:endParaRPr/>
-          </a:p>
-        </p:txBody>
-      </p:sp>
-    </p:spTree>
-  </p:cSld>
-  <p:clrMapOvr>
-    <a:masterClrMapping/>
-  </p:clrMapOvr>
-</p:sld>
-</file>
-
-<file path=ppt/slides/slide9.xml><?xml version="1.0" encoding="utf-8"?>
-<p:sld xmlns:a="http://schemas.openxmlformats.org/drawingml/2006/main" xmlns:r="http://schemas.openxmlformats.org/officeDocument/2006/relationships" xmlns:mc="http://schemas.openxmlformats.org/markup-compatibility/2006" xmlns:mv="urn:schemas-microsoft-com:mac:vml" xmlns:p="http://schemas.openxmlformats.org/presentationml/2006/main" xmlns:c="http://schemas.openxmlformats.org/drawingml/2006/chart" xmlns:dgm="http://schemas.openxmlformats.org/drawingml/2006/diagram" xmlns:o="urn:schemas-microsoft-com:office:office" xmlns:v="urn:schemas-microsoft-com:vml" xmlns:pvml="urn:schemas-microsoft-com:office:powerpoint" xmlns:com="http://schemas.openxmlformats.org/drawingml/2006/compatibility" xmlns:p14="http://schemas.microsoft.com/office/powerpoint/2010/main" xmlns:p15="http://schemas.microsoft.com/office/powerpoint/2012/main">
-  <p:cSld>
-    <p:spTree>
-      <p:nvGrpSpPr>
-        <p:cNvPr id="120" name="Shape 120"/>
-        <p:cNvGrpSpPr/>
-        <p:nvPr/>
-      </p:nvGrpSpPr>
-      <p:grpSpPr>
-        <a:xfrm>
-          <a:off x="0" y="0"/>
-          <a:ext cx="0" cy="0"/>
-          <a:chOff x="0" y="0"/>
-          <a:chExt cx="0" cy="0"/>
-        </a:xfrm>
-      </p:grpSpPr>
-      <p:sp>
-        <p:nvSpPr>
-          <p:cNvPr id="121" name="Google Shape;121;p21"/>
-          <p:cNvSpPr txBox="1"/>
-          <p:nvPr>
-            <p:ph type="title"/>
-          </p:nvPr>
-        </p:nvSpPr>
-        <p:spPr>
-          <a:xfrm>
-            <a:off x="490250" y="450150"/>
-            <a:ext cx="3712500" cy="475500"/>
-          </a:xfrm>
-          <a:prstGeom prst="rect">
-            <a:avLst/>
-          </a:prstGeom>
-        </p:spPr>
-        <p:txBody>
-          <a:bodyPr anchorCtr="0" anchor="ctr" bIns="91425" lIns="91425" spcFirstLastPara="1" rIns="91425" wrap="square" tIns="91425">
-            <a:noAutofit/>
-          </a:bodyPr>
-          <a:lstStyle/>
-          <a:p>
-            <a:pPr indent="0" lvl="0" marL="0" rtl="0" algn="l">
-              <a:spcBef>
-                <a:spcPts val="0"/>
-              </a:spcBef>
-              <a:spcAft>
-                <a:spcPts val="0"/>
-              </a:spcAft>
-              <a:buNone/>
-            </a:pPr>
-            <a:r>
-              <a:rPr b="1" lang="en" sz="4400"/>
-              <a:t>The Brain</a:t>
-            </a:r>
-            <a:endParaRPr b="1" sz="4400"/>
-          </a:p>
-        </p:txBody>
-      </p:sp>
-      <p:sp>
-        <p:nvSpPr>
-          <p:cNvPr id="122" name="Google Shape;122;p21"/>
-          <p:cNvSpPr txBox="1"/>
-          <p:nvPr>
-            <p:ph idx="4294967295" type="body"/>
-          </p:nvPr>
-        </p:nvSpPr>
-        <p:spPr>
-          <a:xfrm>
-            <a:off x="311700" y="1570875"/>
-            <a:ext cx="3003600" cy="2901900"/>
-          </a:xfrm>
-          <a:prstGeom prst="rect">
-            <a:avLst/>
-          </a:prstGeom>
-        </p:spPr>
-        <p:txBody>
-          <a:bodyPr anchorCtr="0" anchor="t" bIns="91425" lIns="91425" spcFirstLastPara="1" rIns="91425" wrap="square" tIns="91425">
-            <a:noAutofit/>
-          </a:bodyPr>
-          <a:lstStyle/>
-          <a:p>
-            <a:pPr indent="0" lvl="0" marL="0" rtl="0" algn="l">
-              <a:spcBef>
-                <a:spcPts val="0"/>
-              </a:spcBef>
-              <a:spcAft>
-                <a:spcPts val="0"/>
-              </a:spcAft>
-              <a:buNone/>
-            </a:pPr>
-            <a:r>
-              <a:rPr lang="en" sz="1400"/>
-              <a:t>The flow diagram given on the right is the crux of the solution.  </a:t>
-            </a:r>
-            <a:endParaRPr sz="1400"/>
-          </a:p>
-          <a:p>
-            <a:pPr indent="0" lvl="0" marL="0" rtl="0" algn="l">
-              <a:spcBef>
-                <a:spcPts val="1600"/>
-              </a:spcBef>
-              <a:spcAft>
-                <a:spcPts val="1600"/>
-              </a:spcAft>
-              <a:buNone/>
-            </a:pPr>
-            <a:r>
-              <a:rPr lang="en" sz="1400"/>
-              <a:t>It uses the concept of Word Embedding to extract features from raw text and then compare their similarity based on their distance from each other in their shared vector space</a:t>
-            </a:r>
-            <a:endParaRPr sz="1400"/>
-          </a:p>
-        </p:txBody>
-      </p:sp>
-      <p:pic>
-        <p:nvPicPr>
-          <p:cNvPr id="123" name="Google Shape;123;p21"/>
-          <p:cNvPicPr preferRelativeResize="0"/>
-          <p:nvPr/>
-        </p:nvPicPr>
-        <p:blipFill>
-          <a:blip r:embed="rId3">
-            <a:alphaModFix/>
-          </a:blip>
-          <a:stretch>
-            <a:fillRect/>
-          </a:stretch>
-        </p:blipFill>
-        <p:spPr>
-          <a:xfrm>
-            <a:off x="3839300" y="152400"/>
-            <a:ext cx="4892526" cy="4764500"/>
-          </a:xfrm>
-          <a:prstGeom prst="rect">
-            <a:avLst/>
-          </a:prstGeom>
-          <a:noFill/>
-          <a:ln>
-            <a:noFill/>
-          </a:ln>
-        </p:spPr>
-      </p:pic>
-      <p:sp>
-        <p:nvSpPr>
-          <p:cNvPr id="124" name="Google Shape;124;p21"/>
-          <p:cNvSpPr/>
-          <p:nvPr/>
-        </p:nvSpPr>
-        <p:spPr>
-          <a:xfrm>
-            <a:off x="0" y="5037300"/>
-            <a:ext cx="9144000" cy="106500"/>
-          </a:xfrm>
-          <a:prstGeom prst="rect">
-            <a:avLst/>
-          </a:prstGeom>
-          <a:solidFill>
-            <a:srgbClr val="FF8319"/>
-          </a:solidFill>
-          <a:ln>
-            <a:noFill/>
-          </a:ln>
-        </p:spPr>
-        <p:txBody>
-          <a:bodyPr anchorCtr="0" anchor="ctr" bIns="91425" lIns="91425" spcFirstLastPara="1" rIns="91425" wrap="square" tIns="91425">
-            <a:noAutofit/>
-          </a:bodyPr>
-          <a:lstStyle/>
-          <a:p>
-            <a:pPr indent="0" lvl="0" marL="0" rtl="0" algn="l">
-              <a:spcBef>
-                <a:spcPts val="0"/>
-              </a:spcBef>
-              <a:spcAft>
-                <a:spcPts val="0"/>
-              </a:spcAft>
-              <a:buNone/>
-            </a:pPr>
-            <a:r>
-              <a:t/>
-            </a:r>
             <a:endParaRPr/>
           </a:p>
         </p:txBody>
@@ -10904,7 +11910,7 @@
 </file>
 
 <file path=ppt/theme/theme1.xml><?xml version="1.0" encoding="utf-8"?>
-<a:theme xmlns:a="http://schemas.openxmlformats.org/drawingml/2006/main" xmlns:r="http://schemas.openxmlformats.org/officeDocument/2006/relationships" name="Luxe">
+<a:theme xmlns:a="http://schemas.openxmlformats.org/drawingml/2006/main" name="Luxe">
   <a:themeElements>
     <a:clrScheme name="Luxe">
       <a:dk1>
@@ -11179,11 +12185,13 @@
       </a:bgFillStyleLst>
     </a:fmtScheme>
   </a:themeElements>
+  <a:objectDefaults/>
+  <a:extraClrSchemeLst/>
 </a:theme>
 </file>
 
 <file path=ppt/theme/theme2.xml><?xml version="1.0" encoding="utf-8"?>
-<a:theme xmlns:a="http://schemas.openxmlformats.org/drawingml/2006/main" xmlns:r="http://schemas.openxmlformats.org/officeDocument/2006/relationships">
+<a:theme xmlns:a="http://schemas.openxmlformats.org/drawingml/2006/main">
   <a:themeElements>
     <a:clrScheme name="Default">
       <a:dk1>
@@ -11458,5 +12466,7 @@
       </a:bgFillStyleLst>
     </a:fmtScheme>
   </a:themeElements>
+  <a:objectDefaults/>
+  <a:extraClrSchemeLst/>
 </a:theme>
 </file>
--- a/IBM Hack Presentation.pptx
+++ b/IBM Hack Presentation.pptx
@@ -11471,7 +11471,7 @@
               <a:buNone/>
             </a:pPr>
             <a:r>
-              <a:rPr lang="en-IN" dirty="0"/>
+              <a:rPr lang="en-IN" sz="1600" dirty="0"/>
               <a:t>Given the vast amount of data given on Stack overflow, I decided to exercise a few constraints for the proof of concept:</a:t>
             </a:r>
           </a:p>
@@ -11479,28 +11479,46 @@
             <a:pPr marL="114300" indent="0">
               <a:buNone/>
             </a:pPr>
-            <a:endParaRPr lang="en-IN" dirty="0"/>
+            <a:endParaRPr lang="en-IN" sz="1600" dirty="0"/>
           </a:p>
           <a:p>
             <a:pPr lvl="0"/>
             <a:r>
-              <a:rPr lang="en-IN" dirty="0"/>
+              <a:rPr lang="en-IN" sz="1600" dirty="0"/>
               <a:t>I have restricted the data to only Python Related Questions</a:t>
             </a:r>
           </a:p>
           <a:p>
             <a:pPr lvl="0"/>
             <a:r>
-              <a:rPr lang="en-IN" dirty="0"/>
+              <a:rPr lang="en-IN" sz="1600" dirty="0"/>
               <a:t>I have restricted the possible tags to 500</a:t>
             </a:r>
           </a:p>
           <a:p>
             <a:pPr lvl="0"/>
             <a:r>
-              <a:rPr lang="en-IN" dirty="0"/>
+              <a:rPr lang="en-IN" sz="1600" dirty="0"/>
               <a:t>I have used somewhat lower amounts of data points (~140,000) for faster processing </a:t>
             </a:r>
+          </a:p>
+          <a:p>
+            <a:r>
+              <a:rPr lang="en-US" sz="1600" dirty="0"/>
+              <a:t>Since this project is mostly just a proof of concept, The web interface makes consecutive API calls to the server. </a:t>
+            </a:r>
+            <a:r>
+              <a:rPr lang="en-US" sz="1600" b="1" dirty="0"/>
+              <a:t>This is not optimal for a production environment</a:t>
+            </a:r>
+            <a:r>
+              <a:rPr lang="en-US" sz="1600" dirty="0"/>
+              <a:t>, and has only been added for visual aesthetic.</a:t>
+            </a:r>
+          </a:p>
+          <a:p>
+            <a:pPr lvl="0"/>
+            <a:endParaRPr lang="en-IN" sz="1600" dirty="0"/>
           </a:p>
         </p:txBody>
       </p:sp>
